--- a/doc/20160210 Real World Web Design and Development.pptx
+++ b/doc/20160210 Real World Web Design and Development.pptx
@@ -5,7 +5,7 @@
     <p:sldMasterId id="2147483732" r:id="rId1"/>
   </p:sldMasterIdLst>
   <p:notesMasterIdLst>
-    <p:notesMasterId r:id="rId32"/>
+    <p:notesMasterId r:id="rId36"/>
   </p:notesMasterIdLst>
   <p:sldIdLst>
     <p:sldId id="256" r:id="rId2"/>
@@ -15,29 +15,33 @@
     <p:sldId id="293" r:id="rId6"/>
     <p:sldId id="264" r:id="rId7"/>
     <p:sldId id="294" r:id="rId8"/>
-    <p:sldId id="296" r:id="rId9"/>
-    <p:sldId id="295" r:id="rId10"/>
-    <p:sldId id="301" r:id="rId11"/>
-    <p:sldId id="278" r:id="rId12"/>
-    <p:sldId id="258" r:id="rId13"/>
-    <p:sldId id="276" r:id="rId14"/>
-    <p:sldId id="277" r:id="rId15"/>
-    <p:sldId id="265" r:id="rId16"/>
-    <p:sldId id="267" r:id="rId17"/>
-    <p:sldId id="289" r:id="rId18"/>
-    <p:sldId id="259" r:id="rId19"/>
-    <p:sldId id="269" r:id="rId20"/>
-    <p:sldId id="302" r:id="rId21"/>
-    <p:sldId id="303" r:id="rId22"/>
-    <p:sldId id="305" r:id="rId23"/>
-    <p:sldId id="306" r:id="rId24"/>
-    <p:sldId id="307" r:id="rId25"/>
-    <p:sldId id="271" r:id="rId26"/>
-    <p:sldId id="309" r:id="rId27"/>
-    <p:sldId id="274" r:id="rId28"/>
-    <p:sldId id="284" r:id="rId29"/>
-    <p:sldId id="273" r:id="rId30"/>
-    <p:sldId id="288" r:id="rId31"/>
+    <p:sldId id="310" r:id="rId9"/>
+    <p:sldId id="311" r:id="rId10"/>
+    <p:sldId id="296" r:id="rId11"/>
+    <p:sldId id="295" r:id="rId12"/>
+    <p:sldId id="301" r:id="rId13"/>
+    <p:sldId id="312" r:id="rId14"/>
+    <p:sldId id="313" r:id="rId15"/>
+    <p:sldId id="278" r:id="rId16"/>
+    <p:sldId id="258" r:id="rId17"/>
+    <p:sldId id="276" r:id="rId18"/>
+    <p:sldId id="277" r:id="rId19"/>
+    <p:sldId id="265" r:id="rId20"/>
+    <p:sldId id="267" r:id="rId21"/>
+    <p:sldId id="289" r:id="rId22"/>
+    <p:sldId id="259" r:id="rId23"/>
+    <p:sldId id="269" r:id="rId24"/>
+    <p:sldId id="302" r:id="rId25"/>
+    <p:sldId id="303" r:id="rId26"/>
+    <p:sldId id="305" r:id="rId27"/>
+    <p:sldId id="306" r:id="rId28"/>
+    <p:sldId id="307" r:id="rId29"/>
+    <p:sldId id="271" r:id="rId30"/>
+    <p:sldId id="309" r:id="rId31"/>
+    <p:sldId id="274" r:id="rId32"/>
+    <p:sldId id="284" r:id="rId33"/>
+    <p:sldId id="273" r:id="rId34"/>
+    <p:sldId id="288" r:id="rId35"/>
   </p:sldIdLst>
   <p:sldSz cx="9144000" cy="6858000" type="screen4x3"/>
   <p:notesSz cx="6858000" cy="9144000"/>
@@ -152,9 +156,13 @@
             <p14:sldId id="293"/>
             <p14:sldId id="264"/>
             <p14:sldId id="294"/>
+            <p14:sldId id="310"/>
+            <p14:sldId id="311"/>
             <p14:sldId id="296"/>
             <p14:sldId id="295"/>
             <p14:sldId id="301"/>
+            <p14:sldId id="312"/>
+            <p14:sldId id="313"/>
             <p14:sldId id="278"/>
             <p14:sldId id="258"/>
             <p14:sldId id="276"/>
@@ -191,6 +199,20 @@
         </p14:section>
       </p14:sectionLst>
     </p:ext>
+    <p:ext uri="{EFAFB233-063F-42B5-8137-9DF3F51BA10A}">
+      <p15:sldGuideLst xmlns:p15="http://schemas.microsoft.com/office/powerpoint/2012/main">
+        <p15:guide id="1" orient="horz" pos="2160">
+          <p15:clr>
+            <a:srgbClr val="A4A3A4"/>
+          </p15:clr>
+        </p15:guide>
+        <p15:guide id="2" pos="2880">
+          <p15:clr>
+            <a:srgbClr val="A4A3A4"/>
+          </p15:clr>
+        </p15:guide>
+      </p15:sldGuideLst>
+    </p:ext>
   </p:extLst>
 </p:presentation>
 </file>
@@ -277,7 +299,7 @@
           <a:p>
             <a:fld id="{73B11E2B-86DE-41A7-962A-1B64E0D04D10}" type="datetimeFigureOut">
               <a:rPr lang="en-US" smtClean="0"/>
-              <a:t>2/10/2016</a:t>
+              <a:t>2/18/16</a:t>
             </a:fld>
             <a:endParaRPr lang="en-US"/>
           </a:p>
@@ -591,39 +613,7 @@
           <a:p>
             <a:r>
               <a:rPr lang="en-US" dirty="0" smtClean="0"/>
-              <a:t>In this lecture I will discuss real world application design and development, with a focus on web front end development </a:t>
-            </a:r>
-            <a:r>
-              <a:rPr lang="en-US" dirty="0" smtClean="0"/>
-              <a:t>workflow, </a:t>
-            </a:r>
-            <a:r>
-              <a:rPr lang="en-US" dirty="0" smtClean="0"/>
-              <a:t>tools and tips, using some demos. Topics </a:t>
-            </a:r>
-            <a:r>
-              <a:rPr lang="en-US" dirty="0" smtClean="0"/>
-              <a:t>include </a:t>
-            </a:r>
-            <a:r>
-              <a:rPr lang="en-US" dirty="0" smtClean="0"/>
-              <a:t>how </a:t>
-            </a:r>
-            <a:r>
-              <a:rPr lang="en-US" dirty="0" smtClean="0"/>
-              <a:t>designers </a:t>
-            </a:r>
-            <a:r>
-              <a:rPr lang="en-US" dirty="0" smtClean="0"/>
-              <a:t>and </a:t>
-            </a:r>
-            <a:r>
-              <a:rPr lang="en-US" dirty="0" smtClean="0"/>
-              <a:t>developers </a:t>
-            </a:r>
-            <a:r>
-              <a:rPr lang="en-US" dirty="0" smtClean="0"/>
-              <a:t>interact with each other, how to prototype for an application and verify with stakeholders, and how to continuously build the application as requirements evolve.</a:t>
+              <a:t>In this lecture I will discuss real world application design and development, with a focus on web front end development workflow, tools and tips, using some demos. Topics include how designers and developers interact with each other, how to prototype for an application and verify with stakeholders, and how to continuously build the application as requirements evolve.</a:t>
             </a:r>
             <a:endParaRPr lang="en-US" dirty="0"/>
           </a:p>
@@ -711,7 +701,11 @@
           <a:p>
             <a:r>
               <a:rPr lang="en-US" dirty="0" smtClean="0"/>
-              <a:t>https://en.wikipedia.org/wiki/Comparison_of_software_prototyping_tools</a:t>
+              <a:t>You</a:t>
+            </a:r>
+            <a:r>
+              <a:rPr lang="en-US" baseline="0" dirty="0" smtClean="0"/>
+              <a:t> can (and should) spin multiple prototypes for different components of the product. </a:t>
             </a:r>
             <a:endParaRPr lang="en-US" dirty="0"/>
           </a:p>
@@ -734,7 +728,7 @@
           <a:p>
             <a:fld id="{89FB4B42-3CE8-49C3-8243-E9F9F983E0A0}" type="slidenum">
               <a:rPr lang="en-US" smtClean="0"/>
-              <a:t>16</a:t>
+              <a:t>18</a:t>
             </a:fld>
             <a:endParaRPr lang="en-US"/>
           </a:p>
@@ -743,7 +737,7 @@
     </p:spTree>
     <p:extLst>
       <p:ext uri="{BB962C8B-B14F-4D97-AF65-F5344CB8AC3E}">
-        <p14:creationId xmlns:p14="http://schemas.microsoft.com/office/powerpoint/2010/main" val="1600915676"/>
+        <p14:creationId xmlns:p14="http://schemas.microsoft.com/office/powerpoint/2010/main" val="1549086024"/>
       </p:ext>
     </p:extLst>
   </p:cSld>
@@ -799,13 +793,12 @@
           <a:p>
             <a:r>
               <a:rPr lang="en-US" dirty="0" smtClean="0"/>
-              <a:t>Stress: taking</a:t>
+              <a:t>Paper</a:t>
             </a:r>
             <a:r>
               <a:rPr lang="en-US" baseline="0" dirty="0" smtClean="0"/>
-              <a:t> pieces of prototype and integrate into product. </a:t>
-            </a:r>
-            <a:endParaRPr lang="en-US" dirty="0"/>
+              <a:t> prototypes are fast to develop (or to draw). Anyone in the team can produce them. They are guaranteed to be thrown away. They will not be confused with the final product. </a:t>
+            </a:r>
           </a:p>
         </p:txBody>
       </p:sp>
@@ -826,7 +819,7 @@
           <a:p>
             <a:fld id="{89FB4B42-3CE8-49C3-8243-E9F9F983E0A0}" type="slidenum">
               <a:rPr lang="en-US" smtClean="0"/>
-              <a:t>17</a:t>
+              <a:t>19</a:t>
             </a:fld>
             <a:endParaRPr lang="en-US"/>
           </a:p>
@@ -835,7 +828,7 @@
     </p:spTree>
     <p:extLst>
       <p:ext uri="{BB962C8B-B14F-4D97-AF65-F5344CB8AC3E}">
-        <p14:creationId xmlns:p14="http://schemas.microsoft.com/office/powerpoint/2010/main" val="108376281"/>
+        <p14:creationId xmlns:p14="http://schemas.microsoft.com/office/powerpoint/2010/main" val="3480975574"/>
       </p:ext>
     </p:extLst>
   </p:cSld>
@@ -891,209 +884,7 @@
           <a:p>
             <a:r>
               <a:rPr lang="en-US" dirty="0" smtClean="0"/>
-              <a:t>Use case: Add</a:t>
-            </a:r>
-            <a:r>
-              <a:rPr lang="en-US" baseline="0" dirty="0" smtClean="0"/>
-              <a:t> an item to </a:t>
-            </a:r>
-            <a:r>
-              <a:rPr lang="en-US" baseline="0" dirty="0" err="1" smtClean="0"/>
-              <a:t>todo</a:t>
-            </a:r>
-            <a:r>
-              <a:rPr lang="en-US" baseline="0" dirty="0" smtClean="0"/>
-              <a:t> list</a:t>
-            </a:r>
-          </a:p>
-          <a:p>
-            <a:r>
-              <a:rPr lang="en-US" baseline="0" dirty="0" smtClean="0"/>
-              <a:t>Primary Actor: </a:t>
-            </a:r>
-            <a:r>
-              <a:rPr lang="en-US" baseline="0" dirty="0" err="1" smtClean="0"/>
-              <a:t>todo</a:t>
-            </a:r>
-            <a:r>
-              <a:rPr lang="en-US" baseline="0" dirty="0" smtClean="0"/>
-              <a:t> list owner</a:t>
-            </a:r>
-          </a:p>
-          <a:p>
-            <a:r>
-              <a:rPr lang="en-US" baseline="0" dirty="0" smtClean="0"/>
-              <a:t>Scope: A </a:t>
-            </a:r>
-            <a:r>
-              <a:rPr lang="en-US" baseline="0" dirty="0" err="1" smtClean="0"/>
-              <a:t>Todo</a:t>
-            </a:r>
-            <a:r>
-              <a:rPr lang="en-US" baseline="0" dirty="0" smtClean="0"/>
-              <a:t> List</a:t>
-            </a:r>
-          </a:p>
-          <a:p>
-            <a:r>
-              <a:rPr lang="en-US" baseline="0" dirty="0" smtClean="0"/>
-              <a:t>Description: The </a:t>
-            </a:r>
-            <a:r>
-              <a:rPr lang="en-US" baseline="0" dirty="0" err="1" smtClean="0"/>
-              <a:t>todo</a:t>
-            </a:r>
-            <a:r>
-              <a:rPr lang="en-US" baseline="0" dirty="0" smtClean="0"/>
-              <a:t> list owner adds an item to the existing list</a:t>
-            </a:r>
-          </a:p>
-          <a:p>
-            <a:r>
-              <a:rPr lang="en-US" baseline="0" dirty="0" err="1" smtClean="0"/>
-              <a:t>Postconditions</a:t>
-            </a:r>
-            <a:r>
-              <a:rPr lang="en-US" baseline="0" dirty="0" smtClean="0"/>
-              <a:t>: The new item is added to the list and saved for future retrieval. </a:t>
-            </a:r>
-          </a:p>
-          <a:p>
-            <a:r>
-              <a:rPr lang="en-US" baseline="0" dirty="0" smtClean="0"/>
-              <a:t>Preconditions: The list is already existing. </a:t>
-            </a:r>
-          </a:p>
-          <a:p>
-            <a:r>
-              <a:rPr lang="en-US" baseline="0" dirty="0" smtClean="0"/>
-              <a:t>Triggers: The user focuses to the new item text input. </a:t>
-            </a:r>
-          </a:p>
-          <a:p>
-            <a:endParaRPr lang="en-US" baseline="0" dirty="0" smtClean="0"/>
-          </a:p>
-          <a:p>
-            <a:r>
-              <a:rPr lang="en-US" baseline="0" dirty="0" smtClean="0"/>
-              <a:t>Basic flow:</a:t>
-            </a:r>
-          </a:p>
-          <a:p>
-            <a:r>
-              <a:rPr lang="en-US" baseline="0" dirty="0" smtClean="0"/>
-              <a:t>1. The system provides a place for user’s input for the new </a:t>
-            </a:r>
-            <a:r>
-              <a:rPr lang="en-US" baseline="0" dirty="0" err="1" smtClean="0"/>
-              <a:t>todo</a:t>
-            </a:r>
-            <a:r>
-              <a:rPr lang="en-US" baseline="0" dirty="0" smtClean="0"/>
-              <a:t> item. </a:t>
-            </a:r>
-          </a:p>
-          <a:p>
-            <a:r>
-              <a:rPr lang="en-US" baseline="0" dirty="0" smtClean="0"/>
-              <a:t>2. The user provides input of the content of the </a:t>
-            </a:r>
-            <a:r>
-              <a:rPr lang="en-US" baseline="0" dirty="0" err="1" smtClean="0"/>
-              <a:t>todo</a:t>
-            </a:r>
-            <a:r>
-              <a:rPr lang="en-US" baseline="0" dirty="0" smtClean="0"/>
-              <a:t> item. </a:t>
-            </a:r>
-          </a:p>
-          <a:p>
-            <a:r>
-              <a:rPr lang="en-US" baseline="0" dirty="0" smtClean="0"/>
-              <a:t>3. The user selects the function to submit the </a:t>
-            </a:r>
-            <a:r>
-              <a:rPr lang="en-US" baseline="0" dirty="0" err="1" smtClean="0"/>
-              <a:t>todo</a:t>
-            </a:r>
-            <a:r>
-              <a:rPr lang="en-US" baseline="0" dirty="0" smtClean="0"/>
-              <a:t> item. </a:t>
-            </a:r>
-          </a:p>
-          <a:p>
-            <a:r>
-              <a:rPr lang="en-US" baseline="0" dirty="0" smtClean="0"/>
-              <a:t>4. The system checks the </a:t>
-            </a:r>
-            <a:r>
-              <a:rPr lang="en-US" baseline="0" dirty="0" err="1" smtClean="0"/>
-              <a:t>todo</a:t>
-            </a:r>
-            <a:r>
-              <a:rPr lang="en-US" baseline="0" dirty="0" smtClean="0"/>
-              <a:t> item is valid. </a:t>
-            </a:r>
-          </a:p>
-          <a:p>
-            <a:r>
-              <a:rPr lang="en-US" baseline="0" dirty="0" smtClean="0"/>
-              <a:t>5. The system adds the valid item to the list</a:t>
-            </a:r>
-          </a:p>
-          <a:p>
-            <a:r>
-              <a:rPr lang="en-US" baseline="0" dirty="0" smtClean="0"/>
-              <a:t>6. The system saves the item. </a:t>
-            </a:r>
-          </a:p>
-          <a:p>
-            <a:r>
-              <a:rPr lang="en-US" baseline="0" dirty="0" smtClean="0"/>
-              <a:t>7. The system confirms with the user the operation has been successful. </a:t>
-            </a:r>
-          </a:p>
-          <a:p>
-            <a:r>
-              <a:rPr lang="en-US" baseline="0" dirty="0" smtClean="0"/>
-              <a:t>8. The user acknowledges the status. </a:t>
-            </a:r>
-          </a:p>
-          <a:p>
-            <a:endParaRPr lang="en-US" baseline="0" dirty="0" smtClean="0"/>
-          </a:p>
-          <a:p>
-            <a:r>
-              <a:rPr lang="en-US" dirty="0" smtClean="0"/>
-              <a:t>Alternative Flows:</a:t>
-            </a:r>
-          </a:p>
-          <a:p>
-            <a:r>
-              <a:rPr lang="en-US" dirty="0" smtClean="0"/>
-              <a:t>4a.</a:t>
-            </a:r>
-            <a:r>
-              <a:rPr lang="en-US" baseline="0" dirty="0" smtClean="0"/>
-              <a:t> If the system finds out that the item is empty, then</a:t>
-            </a:r>
-          </a:p>
-          <a:p>
-            <a:r>
-              <a:rPr lang="en-US" baseline="0" dirty="0" smtClean="0"/>
-              <a:t>4a-1. The system alerts the user that the content is empty, and demands a valid input</a:t>
-            </a:r>
-          </a:p>
-          <a:p>
-            <a:r>
-              <a:rPr lang="en-US" baseline="0" dirty="0" smtClean="0"/>
-              <a:t>4a-2. The user provides a valid input</a:t>
-            </a:r>
-          </a:p>
-          <a:p>
-            <a:r>
-              <a:rPr lang="en-US" baseline="0" dirty="0" smtClean="0"/>
-              <a:t>[Go to 4] </a:t>
+              <a:t>https://en.wikipedia.org/wiki/Comparison_of_software_prototyping_tools</a:t>
             </a:r>
             <a:endParaRPr lang="en-US" dirty="0"/>
           </a:p>
@@ -1116,7 +907,7 @@
           <a:p>
             <a:fld id="{89FB4B42-3CE8-49C3-8243-E9F9F983E0A0}" type="slidenum">
               <a:rPr lang="en-US" smtClean="0"/>
-              <a:t>18</a:t>
+              <a:t>20</a:t>
             </a:fld>
             <a:endParaRPr lang="en-US"/>
           </a:p>
@@ -1125,7 +916,7 @@
     </p:spTree>
     <p:extLst>
       <p:ext uri="{BB962C8B-B14F-4D97-AF65-F5344CB8AC3E}">
-        <p14:creationId xmlns:p14="http://schemas.microsoft.com/office/powerpoint/2010/main" val="1395933984"/>
+        <p14:creationId xmlns:p14="http://schemas.microsoft.com/office/powerpoint/2010/main" val="1600915676"/>
       </p:ext>
     </p:extLst>
   </p:cSld>
@@ -1181,92 +972,11 @@
           <a:p>
             <a:r>
               <a:rPr lang="en-US" dirty="0" smtClean="0"/>
-              <a:t>Unix, Linux, </a:t>
-            </a:r>
-            <a:r>
-              <a:rPr lang="en-US" dirty="0" err="1" smtClean="0"/>
-              <a:t>MacOS</a:t>
-            </a:r>
-            <a:r>
-              <a:rPr lang="en-US" dirty="0" smtClean="0"/>
-              <a:t> are popular systems</a:t>
+              <a:t>Stress: taking</a:t>
             </a:r>
             <a:r>
               <a:rPr lang="en-US" baseline="0" dirty="0" smtClean="0"/>
-              <a:t> for web development. Windows is also a good choice. </a:t>
-            </a:r>
-          </a:p>
-          <a:p>
-            <a:endParaRPr lang="en-US" baseline="0" dirty="0" smtClean="0"/>
-          </a:p>
-          <a:p>
-            <a:r>
-              <a:rPr lang="en-US" baseline="0" dirty="0" smtClean="0"/>
-              <a:t>Browser compatibility is always the issue to keep an eye on. </a:t>
-            </a:r>
-          </a:p>
-          <a:p>
-            <a:endParaRPr lang="en-US" baseline="0" dirty="0" smtClean="0"/>
-          </a:p>
-          <a:p>
-            <a:r>
-              <a:rPr lang="en-US" baseline="0" dirty="0" smtClean="0"/>
-              <a:t>Should you use a framework? What are the pros and cons. Think of the future. </a:t>
-            </a:r>
-          </a:p>
-          <a:p>
-            <a:endParaRPr lang="en-US" baseline="0" dirty="0" smtClean="0"/>
-          </a:p>
-          <a:p>
-            <a:r>
-              <a:rPr lang="en-US" dirty="0" smtClean="0"/>
-              <a:t>Code</a:t>
-            </a:r>
-            <a:r>
-              <a:rPr lang="en-US" baseline="0" dirty="0" smtClean="0"/>
-              <a:t> editor is always good for beginner web developers. </a:t>
-            </a:r>
-          </a:p>
-          <a:p>
-            <a:endParaRPr lang="en-US" baseline="0" dirty="0" smtClean="0"/>
-          </a:p>
-          <a:p>
-            <a:r>
-              <a:rPr lang="en-US" baseline="0" dirty="0" smtClean="0"/>
-              <a:t>You NEED a version control system. Learn </a:t>
-            </a:r>
-            <a:r>
-              <a:rPr lang="en-US" baseline="0" dirty="0" err="1" smtClean="0"/>
-              <a:t>Git</a:t>
-            </a:r>
-            <a:r>
-              <a:rPr lang="en-US" baseline="0" dirty="0" smtClean="0"/>
-              <a:t> if you have not. </a:t>
-            </a:r>
-          </a:p>
-          <a:p>
-            <a:endParaRPr lang="en-US" baseline="0" dirty="0" smtClean="0"/>
-          </a:p>
-          <a:p>
-            <a:r>
-              <a:rPr lang="en-US" baseline="0" dirty="0" smtClean="0"/>
-              <a:t>Yes. HTML, JS, CSS needs build tools. You work on </a:t>
-            </a:r>
-            <a:r>
-              <a:rPr lang="en-US" baseline="0" dirty="0" err="1" smtClean="0"/>
-              <a:t>src</a:t>
-            </a:r>
-            <a:r>
-              <a:rPr lang="en-US" baseline="0" dirty="0" smtClean="0"/>
-              <a:t>, and run </a:t>
-            </a:r>
-            <a:r>
-              <a:rPr lang="en-US" baseline="0" dirty="0" err="1" smtClean="0"/>
-              <a:t>dist</a:t>
-            </a:r>
-            <a:r>
-              <a:rPr lang="en-US" baseline="0" dirty="0" smtClean="0"/>
-              <a:t> – We’ll take a look later.</a:t>
+              <a:t> pieces of prototype and integrate into product. </a:t>
             </a:r>
             <a:endParaRPr lang="en-US" dirty="0"/>
           </a:p>
@@ -1289,7 +999,7 @@
           <a:p>
             <a:fld id="{89FB4B42-3CE8-49C3-8243-E9F9F983E0A0}" type="slidenum">
               <a:rPr lang="en-US" smtClean="0"/>
-              <a:t>25</a:t>
+              <a:t>21</a:t>
             </a:fld>
             <a:endParaRPr lang="en-US"/>
           </a:p>
@@ -1298,7 +1008,7 @@
     </p:spTree>
     <p:extLst>
       <p:ext uri="{BB962C8B-B14F-4D97-AF65-F5344CB8AC3E}">
-        <p14:creationId xmlns:p14="http://schemas.microsoft.com/office/powerpoint/2010/main" val="1000141297"/>
+        <p14:creationId xmlns:p14="http://schemas.microsoft.com/office/powerpoint/2010/main" val="108376281"/>
       </p:ext>
     </p:extLst>
   </p:cSld>
@@ -1354,6 +1064,469 @@
           <a:p>
             <a:r>
               <a:rPr lang="en-US" dirty="0" smtClean="0"/>
+              <a:t>Use case: Add</a:t>
+            </a:r>
+            <a:r>
+              <a:rPr lang="en-US" baseline="0" dirty="0" smtClean="0"/>
+              <a:t> an item to </a:t>
+            </a:r>
+            <a:r>
+              <a:rPr lang="en-US" baseline="0" dirty="0" err="1" smtClean="0"/>
+              <a:t>todo</a:t>
+            </a:r>
+            <a:r>
+              <a:rPr lang="en-US" baseline="0" dirty="0" smtClean="0"/>
+              <a:t> list</a:t>
+            </a:r>
+          </a:p>
+          <a:p>
+            <a:r>
+              <a:rPr lang="en-US" baseline="0" dirty="0" smtClean="0"/>
+              <a:t>Primary Actor: </a:t>
+            </a:r>
+            <a:r>
+              <a:rPr lang="en-US" baseline="0" dirty="0" err="1" smtClean="0"/>
+              <a:t>todo</a:t>
+            </a:r>
+            <a:r>
+              <a:rPr lang="en-US" baseline="0" dirty="0" smtClean="0"/>
+              <a:t> list owner</a:t>
+            </a:r>
+          </a:p>
+          <a:p>
+            <a:r>
+              <a:rPr lang="en-US" baseline="0" dirty="0" smtClean="0"/>
+              <a:t>Scope: A </a:t>
+            </a:r>
+            <a:r>
+              <a:rPr lang="en-US" baseline="0" dirty="0" err="1" smtClean="0"/>
+              <a:t>Todo</a:t>
+            </a:r>
+            <a:r>
+              <a:rPr lang="en-US" baseline="0" dirty="0" smtClean="0"/>
+              <a:t> List</a:t>
+            </a:r>
+          </a:p>
+          <a:p>
+            <a:r>
+              <a:rPr lang="en-US" baseline="0" dirty="0" smtClean="0"/>
+              <a:t>Description: The </a:t>
+            </a:r>
+            <a:r>
+              <a:rPr lang="en-US" baseline="0" dirty="0" err="1" smtClean="0"/>
+              <a:t>todo</a:t>
+            </a:r>
+            <a:r>
+              <a:rPr lang="en-US" baseline="0" dirty="0" smtClean="0"/>
+              <a:t> list owner adds an item to the existing list</a:t>
+            </a:r>
+          </a:p>
+          <a:p>
+            <a:r>
+              <a:rPr lang="en-US" baseline="0" dirty="0" err="1" smtClean="0"/>
+              <a:t>Postconditions</a:t>
+            </a:r>
+            <a:r>
+              <a:rPr lang="en-US" baseline="0" dirty="0" smtClean="0"/>
+              <a:t>: The new item is added to the list and saved for future retrieval. </a:t>
+            </a:r>
+          </a:p>
+          <a:p>
+            <a:r>
+              <a:rPr lang="en-US" baseline="0" dirty="0" smtClean="0"/>
+              <a:t>Preconditions: The list is already existing. </a:t>
+            </a:r>
+          </a:p>
+          <a:p>
+            <a:r>
+              <a:rPr lang="en-US" baseline="0" dirty="0" smtClean="0"/>
+              <a:t>Triggers: The user focuses to the new item text input. </a:t>
+            </a:r>
+          </a:p>
+          <a:p>
+            <a:endParaRPr lang="en-US" baseline="0" dirty="0" smtClean="0"/>
+          </a:p>
+          <a:p>
+            <a:r>
+              <a:rPr lang="en-US" baseline="0" dirty="0" smtClean="0"/>
+              <a:t>Basic flow:</a:t>
+            </a:r>
+          </a:p>
+          <a:p>
+            <a:r>
+              <a:rPr lang="en-US" baseline="0" dirty="0" smtClean="0"/>
+              <a:t>1. The system provides a place for user’s input for the new </a:t>
+            </a:r>
+            <a:r>
+              <a:rPr lang="en-US" baseline="0" dirty="0" err="1" smtClean="0"/>
+              <a:t>todo</a:t>
+            </a:r>
+            <a:r>
+              <a:rPr lang="en-US" baseline="0" dirty="0" smtClean="0"/>
+              <a:t> item. </a:t>
+            </a:r>
+          </a:p>
+          <a:p>
+            <a:r>
+              <a:rPr lang="en-US" baseline="0" dirty="0" smtClean="0"/>
+              <a:t>2. The user provides input of the content of the </a:t>
+            </a:r>
+            <a:r>
+              <a:rPr lang="en-US" baseline="0" dirty="0" err="1" smtClean="0"/>
+              <a:t>todo</a:t>
+            </a:r>
+            <a:r>
+              <a:rPr lang="en-US" baseline="0" dirty="0" smtClean="0"/>
+              <a:t> item. </a:t>
+            </a:r>
+          </a:p>
+          <a:p>
+            <a:r>
+              <a:rPr lang="en-US" baseline="0" dirty="0" smtClean="0"/>
+              <a:t>3. The user selects the function to submit the </a:t>
+            </a:r>
+            <a:r>
+              <a:rPr lang="en-US" baseline="0" dirty="0" err="1" smtClean="0"/>
+              <a:t>todo</a:t>
+            </a:r>
+            <a:r>
+              <a:rPr lang="en-US" baseline="0" dirty="0" smtClean="0"/>
+              <a:t> item. </a:t>
+            </a:r>
+          </a:p>
+          <a:p>
+            <a:r>
+              <a:rPr lang="en-US" baseline="0" dirty="0" smtClean="0"/>
+              <a:t>4. The system checks the </a:t>
+            </a:r>
+            <a:r>
+              <a:rPr lang="en-US" baseline="0" dirty="0" err="1" smtClean="0"/>
+              <a:t>todo</a:t>
+            </a:r>
+            <a:r>
+              <a:rPr lang="en-US" baseline="0" dirty="0" smtClean="0"/>
+              <a:t> item is valid. </a:t>
+            </a:r>
+          </a:p>
+          <a:p>
+            <a:r>
+              <a:rPr lang="en-US" baseline="0" dirty="0" smtClean="0"/>
+              <a:t>5. The system adds the valid item to the list</a:t>
+            </a:r>
+          </a:p>
+          <a:p>
+            <a:r>
+              <a:rPr lang="en-US" baseline="0" dirty="0" smtClean="0"/>
+              <a:t>6. The system saves the item. </a:t>
+            </a:r>
+          </a:p>
+          <a:p>
+            <a:r>
+              <a:rPr lang="en-US" baseline="0" dirty="0" smtClean="0"/>
+              <a:t>7. The system confirms with the user the operation has been successful. </a:t>
+            </a:r>
+          </a:p>
+          <a:p>
+            <a:r>
+              <a:rPr lang="en-US" baseline="0" dirty="0" smtClean="0"/>
+              <a:t>8. The user acknowledges the status. </a:t>
+            </a:r>
+          </a:p>
+          <a:p>
+            <a:endParaRPr lang="en-US" baseline="0" dirty="0" smtClean="0"/>
+          </a:p>
+          <a:p>
+            <a:r>
+              <a:rPr lang="en-US" dirty="0" smtClean="0"/>
+              <a:t>Alternative Flows:</a:t>
+            </a:r>
+          </a:p>
+          <a:p>
+            <a:r>
+              <a:rPr lang="en-US" dirty="0" smtClean="0"/>
+              <a:t>4a.</a:t>
+            </a:r>
+            <a:r>
+              <a:rPr lang="en-US" baseline="0" dirty="0" smtClean="0"/>
+              <a:t> If the system finds out that the item is empty, then</a:t>
+            </a:r>
+          </a:p>
+          <a:p>
+            <a:r>
+              <a:rPr lang="en-US" baseline="0" dirty="0" smtClean="0"/>
+              <a:t>4a-1. The system alerts the user that the content is empty, and demands a valid input</a:t>
+            </a:r>
+          </a:p>
+          <a:p>
+            <a:r>
+              <a:rPr lang="en-US" baseline="0" dirty="0" smtClean="0"/>
+              <a:t>4a-2. The user provides a valid input</a:t>
+            </a:r>
+          </a:p>
+          <a:p>
+            <a:r>
+              <a:rPr lang="en-US" baseline="0" dirty="0" smtClean="0"/>
+              <a:t>[Go to 4] </a:t>
+            </a:r>
+            <a:endParaRPr lang="en-US" dirty="0"/>
+          </a:p>
+        </p:txBody>
+      </p:sp>
+      <p:sp>
+        <p:nvSpPr>
+          <p:cNvPr id="4" name="Slide Number Placeholder 3"/>
+          <p:cNvSpPr>
+            <a:spLocks noGrp="1"/>
+          </p:cNvSpPr>
+          <p:nvPr>
+            <p:ph type="sldNum" sz="quarter" idx="10"/>
+          </p:nvPr>
+        </p:nvSpPr>
+        <p:spPr/>
+        <p:txBody>
+          <a:bodyPr/>
+          <a:lstStyle/>
+          <a:p>
+            <a:fld id="{89FB4B42-3CE8-49C3-8243-E9F9F983E0A0}" type="slidenum">
+              <a:rPr lang="en-US" smtClean="0"/>
+              <a:t>22</a:t>
+            </a:fld>
+            <a:endParaRPr lang="en-US"/>
+          </a:p>
+        </p:txBody>
+      </p:sp>
+    </p:spTree>
+    <p:extLst>
+      <p:ext uri="{BB962C8B-B14F-4D97-AF65-F5344CB8AC3E}">
+        <p14:creationId xmlns:p14="http://schemas.microsoft.com/office/powerpoint/2010/main" val="1395933984"/>
+      </p:ext>
+    </p:extLst>
+  </p:cSld>
+  <p:clrMapOvr>
+    <a:masterClrMapping/>
+  </p:clrMapOvr>
+</p:notes>
+</file>
+
+<file path=ppt/notesSlides/notesSlide15.xml><?xml version="1.0" encoding="utf-8"?>
+<p:notes xmlns:a="http://schemas.openxmlformats.org/drawingml/2006/main" xmlns:r="http://schemas.openxmlformats.org/officeDocument/2006/relationships" xmlns:p="http://schemas.openxmlformats.org/presentationml/2006/main">
+  <p:cSld>
+    <p:spTree>
+      <p:nvGrpSpPr>
+        <p:cNvPr id="1" name=""/>
+        <p:cNvGrpSpPr/>
+        <p:nvPr/>
+      </p:nvGrpSpPr>
+      <p:grpSpPr>
+        <a:xfrm>
+          <a:off x="0" y="0"/>
+          <a:ext cx="0" cy="0"/>
+          <a:chOff x="0" y="0"/>
+          <a:chExt cx="0" cy="0"/>
+        </a:xfrm>
+      </p:grpSpPr>
+      <p:sp>
+        <p:nvSpPr>
+          <p:cNvPr id="2" name="Slide Image Placeholder 1"/>
+          <p:cNvSpPr>
+            <a:spLocks noGrp="1" noRot="1" noChangeAspect="1"/>
+          </p:cNvSpPr>
+          <p:nvPr>
+            <p:ph type="sldImg"/>
+          </p:nvPr>
+        </p:nvSpPr>
+        <p:spPr/>
+      </p:sp>
+      <p:sp>
+        <p:nvSpPr>
+          <p:cNvPr id="3" name="Notes Placeholder 2"/>
+          <p:cNvSpPr>
+            <a:spLocks noGrp="1"/>
+          </p:cNvSpPr>
+          <p:nvPr>
+            <p:ph type="body" idx="1"/>
+          </p:nvPr>
+        </p:nvSpPr>
+        <p:spPr/>
+        <p:txBody>
+          <a:bodyPr/>
+          <a:lstStyle/>
+          <a:p>
+            <a:r>
+              <a:rPr lang="en-US" dirty="0" smtClean="0"/>
+              <a:t>Unix, Linux, </a:t>
+            </a:r>
+            <a:r>
+              <a:rPr lang="en-US" dirty="0" err="1" smtClean="0"/>
+              <a:t>MacOS</a:t>
+            </a:r>
+            <a:r>
+              <a:rPr lang="en-US" dirty="0" smtClean="0"/>
+              <a:t> are popular systems</a:t>
+            </a:r>
+            <a:r>
+              <a:rPr lang="en-US" baseline="0" dirty="0" smtClean="0"/>
+              <a:t> for web development. Windows is also a good choice. </a:t>
+            </a:r>
+          </a:p>
+          <a:p>
+            <a:endParaRPr lang="en-US" baseline="0" dirty="0" smtClean="0"/>
+          </a:p>
+          <a:p>
+            <a:r>
+              <a:rPr lang="en-US" baseline="0" dirty="0" smtClean="0"/>
+              <a:t>Browser compatibility is always the issue to keep an eye on. </a:t>
+            </a:r>
+          </a:p>
+          <a:p>
+            <a:endParaRPr lang="en-US" baseline="0" dirty="0" smtClean="0"/>
+          </a:p>
+          <a:p>
+            <a:r>
+              <a:rPr lang="en-US" baseline="0" dirty="0" smtClean="0"/>
+              <a:t>Should you use a framework? What are the pros and cons. Think of the future. </a:t>
+            </a:r>
+          </a:p>
+          <a:p>
+            <a:endParaRPr lang="en-US" baseline="0" dirty="0" smtClean="0"/>
+          </a:p>
+          <a:p>
+            <a:r>
+              <a:rPr lang="en-US" dirty="0" smtClean="0"/>
+              <a:t>Code</a:t>
+            </a:r>
+            <a:r>
+              <a:rPr lang="en-US" baseline="0" dirty="0" smtClean="0"/>
+              <a:t> editor is always good for beginner web developers. </a:t>
+            </a:r>
+          </a:p>
+          <a:p>
+            <a:endParaRPr lang="en-US" baseline="0" dirty="0" smtClean="0"/>
+          </a:p>
+          <a:p>
+            <a:r>
+              <a:rPr lang="en-US" baseline="0" dirty="0" smtClean="0"/>
+              <a:t>You NEED a version control system. Learn </a:t>
+            </a:r>
+            <a:r>
+              <a:rPr lang="en-US" baseline="0" dirty="0" err="1" smtClean="0"/>
+              <a:t>Git</a:t>
+            </a:r>
+            <a:r>
+              <a:rPr lang="en-US" baseline="0" dirty="0" smtClean="0"/>
+              <a:t> if you have not. </a:t>
+            </a:r>
+          </a:p>
+          <a:p>
+            <a:endParaRPr lang="en-US" baseline="0" dirty="0" smtClean="0"/>
+          </a:p>
+          <a:p>
+            <a:r>
+              <a:rPr lang="en-US" baseline="0" dirty="0" smtClean="0"/>
+              <a:t>Yes. HTML, JS, CSS needs build tools. You work on </a:t>
+            </a:r>
+            <a:r>
+              <a:rPr lang="en-US" baseline="0" dirty="0" err="1" smtClean="0"/>
+              <a:t>src</a:t>
+            </a:r>
+            <a:r>
+              <a:rPr lang="en-US" baseline="0" dirty="0" smtClean="0"/>
+              <a:t>, and run </a:t>
+            </a:r>
+            <a:r>
+              <a:rPr lang="en-US" baseline="0" dirty="0" err="1" smtClean="0"/>
+              <a:t>dist</a:t>
+            </a:r>
+            <a:r>
+              <a:rPr lang="en-US" baseline="0" dirty="0" smtClean="0"/>
+              <a:t> – We’ll take a look later.</a:t>
+            </a:r>
+            <a:endParaRPr lang="en-US" dirty="0"/>
+          </a:p>
+        </p:txBody>
+      </p:sp>
+      <p:sp>
+        <p:nvSpPr>
+          <p:cNvPr id="4" name="Slide Number Placeholder 3"/>
+          <p:cNvSpPr>
+            <a:spLocks noGrp="1"/>
+          </p:cNvSpPr>
+          <p:nvPr>
+            <p:ph type="sldNum" sz="quarter" idx="10"/>
+          </p:nvPr>
+        </p:nvSpPr>
+        <p:spPr/>
+        <p:txBody>
+          <a:bodyPr/>
+          <a:lstStyle/>
+          <a:p>
+            <a:fld id="{89FB4B42-3CE8-49C3-8243-E9F9F983E0A0}" type="slidenum">
+              <a:rPr lang="en-US" smtClean="0"/>
+              <a:t>29</a:t>
+            </a:fld>
+            <a:endParaRPr lang="en-US"/>
+          </a:p>
+        </p:txBody>
+      </p:sp>
+    </p:spTree>
+    <p:extLst>
+      <p:ext uri="{BB962C8B-B14F-4D97-AF65-F5344CB8AC3E}">
+        <p14:creationId xmlns:p14="http://schemas.microsoft.com/office/powerpoint/2010/main" val="1000141297"/>
+      </p:ext>
+    </p:extLst>
+  </p:cSld>
+  <p:clrMapOvr>
+    <a:masterClrMapping/>
+  </p:clrMapOvr>
+</p:notes>
+</file>
+
+<file path=ppt/notesSlides/notesSlide16.xml><?xml version="1.0" encoding="utf-8"?>
+<p:notes xmlns:a="http://schemas.openxmlformats.org/drawingml/2006/main" xmlns:r="http://schemas.openxmlformats.org/officeDocument/2006/relationships" xmlns:p="http://schemas.openxmlformats.org/presentationml/2006/main">
+  <p:cSld>
+    <p:spTree>
+      <p:nvGrpSpPr>
+        <p:cNvPr id="1" name=""/>
+        <p:cNvGrpSpPr/>
+        <p:nvPr/>
+      </p:nvGrpSpPr>
+      <p:grpSpPr>
+        <a:xfrm>
+          <a:off x="0" y="0"/>
+          <a:ext cx="0" cy="0"/>
+          <a:chOff x="0" y="0"/>
+          <a:chExt cx="0" cy="0"/>
+        </a:xfrm>
+      </p:grpSpPr>
+      <p:sp>
+        <p:nvSpPr>
+          <p:cNvPr id="2" name="Slide Image Placeholder 1"/>
+          <p:cNvSpPr>
+            <a:spLocks noGrp="1" noRot="1" noChangeAspect="1"/>
+          </p:cNvSpPr>
+          <p:nvPr>
+            <p:ph type="sldImg"/>
+          </p:nvPr>
+        </p:nvSpPr>
+        <p:spPr/>
+      </p:sp>
+      <p:sp>
+        <p:nvSpPr>
+          <p:cNvPr id="3" name="Notes Placeholder 2"/>
+          <p:cNvSpPr>
+            <a:spLocks noGrp="1"/>
+          </p:cNvSpPr>
+          <p:nvPr>
+            <p:ph type="body" idx="1"/>
+          </p:nvPr>
+        </p:nvSpPr>
+        <p:spPr/>
+        <p:txBody>
+          <a:bodyPr/>
+          <a:lstStyle/>
+          <a:p>
+            <a:r>
+              <a:rPr lang="en-US" dirty="0" smtClean="0"/>
               <a:t>http://www.amazon.com/Managing-Software-Requirements-Approach-Edition/dp/032112247X</a:t>
             </a:r>
           </a:p>
@@ -1422,7 +1595,7 @@
           <a:p>
             <a:fld id="{89FB4B42-3CE8-49C3-8243-E9F9F983E0A0}" type="slidenum">
               <a:rPr lang="en-US" smtClean="0"/>
-              <a:t>28</a:t>
+              <a:t>32</a:t>
             </a:fld>
             <a:endParaRPr lang="en-US"/>
           </a:p>
@@ -1491,57 +1664,25 @@
             </a:r>
             <a:r>
               <a:rPr lang="en-US" baseline="0" dirty="0" smtClean="0"/>
-              <a:t> an item to </a:t>
-            </a:r>
+              <a:t> an item to to-do list</a:t>
+            </a:r>
+          </a:p>
+          <a:p>
             <a:r>
               <a:rPr lang="en-US" baseline="0" dirty="0" smtClean="0"/>
-              <a:t>to-do </a:t>
-            </a:r>
+              <a:t>Primary Actor: to-do list owner</a:t>
+            </a:r>
+          </a:p>
+          <a:p>
             <a:r>
               <a:rPr lang="en-US" baseline="0" dirty="0" smtClean="0"/>
-              <a:t>list</a:t>
+              <a:t>Scope: A to-do List</a:t>
             </a:r>
           </a:p>
           <a:p>
             <a:r>
               <a:rPr lang="en-US" baseline="0" dirty="0" smtClean="0"/>
-              <a:t>Primary Actor: </a:t>
-            </a:r>
-            <a:r>
-              <a:rPr lang="en-US" baseline="0" dirty="0" smtClean="0"/>
-              <a:t>to-do </a:t>
-            </a:r>
-            <a:r>
-              <a:rPr lang="en-US" baseline="0" dirty="0" smtClean="0"/>
-              <a:t>list owner</a:t>
-            </a:r>
-          </a:p>
-          <a:p>
-            <a:r>
-              <a:rPr lang="en-US" baseline="0" dirty="0" smtClean="0"/>
-              <a:t>Scope: A </a:t>
-            </a:r>
-            <a:r>
-              <a:rPr lang="en-US" baseline="0" dirty="0" smtClean="0"/>
-              <a:t>to-do </a:t>
-            </a:r>
-            <a:r>
-              <a:rPr lang="en-US" baseline="0" dirty="0" smtClean="0"/>
-              <a:t>List</a:t>
-            </a:r>
-          </a:p>
-          <a:p>
-            <a:r>
-              <a:rPr lang="en-US" baseline="0" dirty="0" smtClean="0"/>
-              <a:t>Description: The </a:t>
-            </a:r>
-            <a:r>
-              <a:rPr lang="en-US" baseline="0" dirty="0" smtClean="0"/>
-              <a:t>to-do </a:t>
-            </a:r>
-            <a:r>
-              <a:rPr lang="en-US" baseline="0" dirty="0" smtClean="0"/>
-              <a:t>list owner adds an item to the existing list</a:t>
+              <a:t>Description: The to-do list owner adds an item to the existing list</a:t>
             </a:r>
           </a:p>
           <a:p>
@@ -1578,57 +1719,25 @@
           <a:p>
             <a:r>
               <a:rPr lang="en-US" baseline="0" dirty="0" smtClean="0"/>
-              <a:t>1. The system provides a place for user’s input for the new </a:t>
-            </a:r>
+              <a:t>1. The system provides a place for user’s input for the new to-do item. </a:t>
+            </a:r>
+          </a:p>
+          <a:p>
             <a:r>
               <a:rPr lang="en-US" baseline="0" dirty="0" smtClean="0"/>
-              <a:t>to-do </a:t>
-            </a:r>
+              <a:t>2. The user provides input of the content of the to-do item. </a:t>
+            </a:r>
+          </a:p>
+          <a:p>
             <a:r>
               <a:rPr lang="en-US" baseline="0" dirty="0" smtClean="0"/>
-              <a:t>item. </a:t>
+              <a:t>3. The user selects the function to submit the to-do item. </a:t>
             </a:r>
           </a:p>
           <a:p>
             <a:r>
               <a:rPr lang="en-US" baseline="0" dirty="0" smtClean="0"/>
-              <a:t>2. The user provides input of the content of the </a:t>
-            </a:r>
-            <a:r>
-              <a:rPr lang="en-US" baseline="0" dirty="0" smtClean="0"/>
-              <a:t>to-do </a:t>
-            </a:r>
-            <a:r>
-              <a:rPr lang="en-US" baseline="0" dirty="0" smtClean="0"/>
-              <a:t>item. </a:t>
-            </a:r>
-          </a:p>
-          <a:p>
-            <a:r>
-              <a:rPr lang="en-US" baseline="0" dirty="0" smtClean="0"/>
-              <a:t>3. The user selects the function to submit the </a:t>
-            </a:r>
-            <a:r>
-              <a:rPr lang="en-US" baseline="0" dirty="0" smtClean="0"/>
-              <a:t>to-do </a:t>
-            </a:r>
-            <a:r>
-              <a:rPr lang="en-US" baseline="0" dirty="0" smtClean="0"/>
-              <a:t>item. </a:t>
-            </a:r>
-          </a:p>
-          <a:p>
-            <a:r>
-              <a:rPr lang="en-US" baseline="0" dirty="0" smtClean="0"/>
-              <a:t>4. The system checks the </a:t>
-            </a:r>
-            <a:r>
-              <a:rPr lang="en-US" baseline="0" dirty="0" smtClean="0"/>
-              <a:t>to-do </a:t>
-            </a:r>
-            <a:r>
-              <a:rPr lang="en-US" baseline="0" dirty="0" smtClean="0"/>
-              <a:t>item is valid. </a:t>
+              <a:t>4. The system checks the to-do item is valid. </a:t>
             </a:r>
           </a:p>
           <a:p>
@@ -2003,7 +2112,7 @@
           <a:p>
             <a:fld id="{89FB4B42-3CE8-49C3-8243-E9F9F983E0A0}" type="slidenum">
               <a:rPr lang="en-US" smtClean="0"/>
-              <a:t>10</a:t>
+              <a:t>12</a:t>
             </a:fld>
             <a:endParaRPr lang="en-US"/>
           </a:p>
@@ -2068,11 +2177,7 @@
           <a:p>
             <a:r>
               <a:rPr lang="en-US" dirty="0" smtClean="0"/>
-              <a:t>The (simplified) traditional</a:t>
-            </a:r>
-            <a:r>
-              <a:rPr lang="en-US" baseline="0" dirty="0" smtClean="0"/>
-              <a:t> product development lifecycle. Notice Designer and Developer can form their own interpretation of the requirements. </a:t>
+              <a:t>Break up into 2 slides</a:t>
             </a:r>
             <a:endParaRPr lang="en-US" dirty="0"/>
           </a:p>
@@ -2095,7 +2200,7 @@
           <a:p>
             <a:fld id="{89FB4B42-3CE8-49C3-8243-E9F9F983E0A0}" type="slidenum">
               <a:rPr lang="en-US" smtClean="0"/>
-              <a:t>11</a:t>
+              <a:t>13</a:t>
             </a:fld>
             <a:endParaRPr lang="en-US"/>
           </a:p>
@@ -2104,7 +2209,7 @@
     </p:spTree>
     <p:extLst>
       <p:ext uri="{BB962C8B-B14F-4D97-AF65-F5344CB8AC3E}">
-        <p14:creationId xmlns:p14="http://schemas.microsoft.com/office/powerpoint/2010/main" val="3355544368"/>
+        <p14:creationId xmlns:p14="http://schemas.microsoft.com/office/powerpoint/2010/main" val="306507953"/>
       </p:ext>
     </p:extLst>
   </p:cSld>
@@ -2159,9 +2264,10 @@
           <a:lstStyle/>
           <a:p>
             <a:r>
-              <a:rPr lang="en-US" baseline="0" dirty="0" smtClean="0"/>
-              <a:t>A prototype is an incomplete version of a software (or a component) being developed. It is developed to get feedback from stakeholders early in the project. </a:t>
-            </a:r>
+              <a:rPr lang="en-US" dirty="0" smtClean="0"/>
+              <a:t>Break up into 2 slides</a:t>
+            </a:r>
+            <a:endParaRPr lang="en-US" dirty="0"/>
           </a:p>
         </p:txBody>
       </p:sp>
@@ -2182,7 +2288,7 @@
           <a:p>
             <a:fld id="{89FB4B42-3CE8-49C3-8243-E9F9F983E0A0}" type="slidenum">
               <a:rPr lang="en-US" smtClean="0"/>
-              <a:t>12</a:t>
+              <a:t>14</a:t>
             </a:fld>
             <a:endParaRPr lang="en-US"/>
           </a:p>
@@ -2191,7 +2297,7 @@
     </p:spTree>
     <p:extLst>
       <p:ext uri="{BB962C8B-B14F-4D97-AF65-F5344CB8AC3E}">
-        <p14:creationId xmlns:p14="http://schemas.microsoft.com/office/powerpoint/2010/main" val="444973255"/>
+        <p14:creationId xmlns:p14="http://schemas.microsoft.com/office/powerpoint/2010/main" val="1570310936"/>
       </p:ext>
     </p:extLst>
   </p:cSld>
@@ -2247,14 +2353,12 @@
           <a:p>
             <a:r>
               <a:rPr lang="en-US" dirty="0" smtClean="0"/>
-              <a:t>A</a:t>
+              <a:t>The (simplified) traditional</a:t>
             </a:r>
             <a:r>
               <a:rPr lang="en-US" baseline="0" dirty="0" smtClean="0"/>
-              <a:t> prototype is a communication tool that translates every stakeholder’s expectation into one artifact, and achieves agreement on requirements. </a:t>
-            </a:r>
-          </a:p>
-          <a:p>
+              <a:t> product development lifecycle. Notice Designer and Developer can form their own interpretation of the requirements. </a:t>
+            </a:r>
             <a:endParaRPr lang="en-US" dirty="0"/>
           </a:p>
         </p:txBody>
@@ -2276,7 +2380,7 @@
           <a:p>
             <a:fld id="{89FB4B42-3CE8-49C3-8243-E9F9F983E0A0}" type="slidenum">
               <a:rPr lang="en-US" smtClean="0"/>
-              <a:t>13</a:t>
+              <a:t>15</a:t>
             </a:fld>
             <a:endParaRPr lang="en-US"/>
           </a:p>
@@ -2285,7 +2389,7 @@
     </p:spTree>
     <p:extLst>
       <p:ext uri="{BB962C8B-B14F-4D97-AF65-F5344CB8AC3E}">
-        <p14:creationId xmlns:p14="http://schemas.microsoft.com/office/powerpoint/2010/main" val="528773035"/>
+        <p14:creationId xmlns:p14="http://schemas.microsoft.com/office/powerpoint/2010/main" val="3355544368"/>
       </p:ext>
     </p:extLst>
   </p:cSld>
@@ -2340,14 +2444,9 @@
           <a:lstStyle/>
           <a:p>
             <a:r>
-              <a:rPr lang="en-US" dirty="0" smtClean="0"/>
-              <a:t>You</a:t>
-            </a:r>
-            <a:r>
               <a:rPr lang="en-US" baseline="0" dirty="0" smtClean="0"/>
-              <a:t> can (and should) spin multiple prototypes for different components of the product. </a:t>
-            </a:r>
-            <a:endParaRPr lang="en-US" dirty="0"/>
+              <a:t>A prototype is an incomplete version of a software (or a component) being developed. It is developed to get feedback from stakeholders early in the project. </a:t>
+            </a:r>
           </a:p>
         </p:txBody>
       </p:sp>
@@ -2368,7 +2467,7 @@
           <a:p>
             <a:fld id="{89FB4B42-3CE8-49C3-8243-E9F9F983E0A0}" type="slidenum">
               <a:rPr lang="en-US" smtClean="0"/>
-              <a:t>14</a:t>
+              <a:t>16</a:t>
             </a:fld>
             <a:endParaRPr lang="en-US"/>
           </a:p>
@@ -2377,7 +2476,7 @@
     </p:spTree>
     <p:extLst>
       <p:ext uri="{BB962C8B-B14F-4D97-AF65-F5344CB8AC3E}">
-        <p14:creationId xmlns:p14="http://schemas.microsoft.com/office/powerpoint/2010/main" val="1549086024"/>
+        <p14:creationId xmlns:p14="http://schemas.microsoft.com/office/powerpoint/2010/main" val="444973255"/>
       </p:ext>
     </p:extLst>
   </p:cSld>
@@ -2433,12 +2532,15 @@
           <a:p>
             <a:r>
               <a:rPr lang="en-US" dirty="0" smtClean="0"/>
-              <a:t>Paper</a:t>
+              <a:t>A</a:t>
             </a:r>
             <a:r>
               <a:rPr lang="en-US" baseline="0" dirty="0" smtClean="0"/>
-              <a:t> prototypes are fast to develop (or to draw). Anyone in the team can produce them. They are guaranteed to be thrown away. They will not be confused with the final product. </a:t>
-            </a:r>
+              <a:t> prototype is a communication tool that translates every stakeholder’s expectation into one artifact, and achieves agreement on requirements. </a:t>
+            </a:r>
+          </a:p>
+          <a:p>
+            <a:endParaRPr lang="en-US" dirty="0"/>
           </a:p>
         </p:txBody>
       </p:sp>
@@ -2459,7 +2561,7 @@
           <a:p>
             <a:fld id="{89FB4B42-3CE8-49C3-8243-E9F9F983E0A0}" type="slidenum">
               <a:rPr lang="en-US" smtClean="0"/>
-              <a:t>15</a:t>
+              <a:t>17</a:t>
             </a:fld>
             <a:endParaRPr lang="en-US"/>
           </a:p>
@@ -2468,7 +2570,7 @@
     </p:spTree>
     <p:extLst>
       <p:ext uri="{BB962C8B-B14F-4D97-AF65-F5344CB8AC3E}">
-        <p14:creationId xmlns:p14="http://schemas.microsoft.com/office/powerpoint/2010/main" val="3480975574"/>
+        <p14:creationId xmlns:p14="http://schemas.microsoft.com/office/powerpoint/2010/main" val="528773035"/>
       </p:ext>
     </p:extLst>
   </p:cSld>
@@ -2726,7 +2828,7 @@
           <a:p>
             <a:fld id="{5F6867F5-B531-4B8A-9ACF-91FF5483E315}" type="datetime1">
               <a:rPr lang="en-US" smtClean="0"/>
-              <a:t>2/10/2016</a:t>
+              <a:t>2/18/16</a:t>
             </a:fld>
             <a:endParaRPr lang="en-US"/>
           </a:p>
@@ -2953,7 +3055,7 @@
           <a:p>
             <a:fld id="{7F600908-E95C-4CD9-9DE7-304FA90C4140}" type="datetime1">
               <a:rPr lang="en-US" smtClean="0"/>
-              <a:t>2/10/2016</a:t>
+              <a:t>2/18/16</a:t>
             </a:fld>
             <a:endParaRPr lang="en-US"/>
           </a:p>
@@ -3237,7 +3339,7 @@
           <a:p>
             <a:fld id="{5395480A-EDBA-41CA-A86C-5E3670B7F030}" type="datetime1">
               <a:rPr lang="en-US" smtClean="0"/>
-              <a:t>2/10/2016</a:t>
+              <a:t>2/18/16</a:t>
             </a:fld>
             <a:endParaRPr lang="en-US"/>
           </a:p>
@@ -3420,7 +3522,7 @@
           <a:p>
             <a:fld id="{5167172F-4F5C-4ADB-9D9E-4B5EC72463AB}" type="datetime1">
               <a:rPr lang="en-US" smtClean="0"/>
-              <a:t>2/10/2016</a:t>
+              <a:t>2/18/16</a:t>
             </a:fld>
             <a:endParaRPr lang="en-US"/>
           </a:p>
@@ -3782,7 +3884,7 @@
           <a:p>
             <a:fld id="{5C29E89A-D2E7-4C23-B3FD-6E1892AC7BC4}" type="datetime1">
               <a:rPr lang="en-US" smtClean="0"/>
-              <a:t>2/10/2016</a:t>
+              <a:t>2/18/16</a:t>
             </a:fld>
             <a:endParaRPr lang="en-US"/>
           </a:p>
@@ -4073,7 +4175,7 @@
           <a:p>
             <a:fld id="{4C3CD84C-5C9A-4CDD-8C7D-D62C7A5D0E82}" type="datetime1">
               <a:rPr lang="en-US" smtClean="0"/>
-              <a:t>2/10/2016</a:t>
+              <a:t>2/18/16</a:t>
             </a:fld>
             <a:endParaRPr lang="en-US"/>
           </a:p>
@@ -4499,7 +4601,7 @@
           <a:p>
             <a:fld id="{316FFE3D-176B-4297-85EE-082353BD8E03}" type="datetime1">
               <a:rPr lang="en-US" smtClean="0"/>
-              <a:t>2/10/2016</a:t>
+              <a:t>2/18/16</a:t>
             </a:fld>
             <a:endParaRPr lang="en-US"/>
           </a:p>
@@ -4618,7 +4720,7 @@
           <a:p>
             <a:fld id="{26996A14-5D07-4A2F-8176-9FF66CDE0D28}" type="datetime1">
               <a:rPr lang="en-US" smtClean="0"/>
-              <a:t>2/10/2016</a:t>
+              <a:t>2/18/16</a:t>
             </a:fld>
             <a:endParaRPr lang="en-US"/>
           </a:p>
@@ -4712,7 +4814,7 @@
           <a:p>
             <a:fld id="{B41DC396-F480-458F-A617-E2A131C1A534}" type="datetime1">
               <a:rPr lang="en-US" smtClean="0"/>
-              <a:t>2/10/2016</a:t>
+              <a:t>2/18/16</a:t>
             </a:fld>
             <a:endParaRPr lang="en-US"/>
           </a:p>
@@ -4994,7 +5096,7 @@
           <a:p>
             <a:fld id="{BC3E239C-DD20-4D31-8987-70917DA701D6}" type="datetime1">
               <a:rPr lang="en-US" smtClean="0"/>
-              <a:t>2/10/2016</a:t>
+              <a:t>2/18/16</a:t>
             </a:fld>
             <a:endParaRPr lang="en-US"/>
           </a:p>
@@ -5364,7 +5466,7 @@
           <a:p>
             <a:fld id="{1C7F388C-584A-471E-90E0-1A27058FC178}" type="datetime1">
               <a:rPr lang="en-US" smtClean="0"/>
-              <a:t>2/10/2016</a:t>
+              <a:t>2/18/16</a:t>
             </a:fld>
             <a:endParaRPr lang="en-US"/>
           </a:p>
@@ -5805,7 +5907,7 @@
           <a:p>
             <a:fld id="{C9D97F34-8B44-43ED-B3D6-1946E5B3EEDA}" type="datetime1">
               <a:rPr lang="en-US" smtClean="0"/>
-              <a:t>2/10/2016</a:t>
+              <a:t>2/18/16</a:t>
             </a:fld>
             <a:endParaRPr lang="en-US"/>
           </a:p>
@@ -6369,321 +6471,404 @@
           <a:p>
             <a:r>
               <a:rPr lang="en-US" dirty="0" smtClean="0"/>
-              <a:t>A Use Case </a:t>
-            </a:r>
-            <a:r>
-              <a:rPr lang="en-US" dirty="0"/>
-              <a:t>E</a:t>
-            </a:r>
-            <a:r>
-              <a:rPr lang="en-US" dirty="0" smtClean="0"/>
-              <a:t>xample</a:t>
+              <a:t>A Backlog Example</a:t>
             </a:r>
             <a:endParaRPr lang="en-US" dirty="0"/>
           </a:p>
         </p:txBody>
       </p:sp>
-      <p:sp>
-        <p:nvSpPr>
-          <p:cNvPr id="3" name="Content Placeholder 2"/>
-          <p:cNvSpPr>
-            <a:spLocks noGrp="1"/>
-          </p:cNvSpPr>
+      <p:graphicFrame>
+        <p:nvGraphicFramePr>
+          <p:cNvPr id="5" name="Content Placeholder 4"/>
+          <p:cNvGraphicFramePr>
+            <a:graphicFrameLocks noGrp="1"/>
+          </p:cNvGraphicFramePr>
           <p:nvPr>
             <p:ph idx="1"/>
-          </p:nvPr>
-        </p:nvSpPr>
-        <p:spPr/>
-        <p:txBody>
-          <a:bodyPr>
-            <a:noAutofit/>
-          </a:bodyPr>
-          <a:lstStyle/>
-          <a:p>
-            <a:pPr marL="0" indent="0">
-              <a:buNone/>
-            </a:pPr>
-            <a:r>
-              <a:rPr lang="en-US" sz="2800" dirty="0"/>
-              <a:t>Use case: Add an item to </a:t>
-            </a:r>
-            <a:r>
-              <a:rPr lang="en-US" sz="2800" dirty="0" smtClean="0"/>
-              <a:t>to-do </a:t>
-            </a:r>
-            <a:r>
-              <a:rPr lang="en-US" sz="2800" dirty="0"/>
-              <a:t>list</a:t>
-            </a:r>
-          </a:p>
-          <a:p>
-            <a:pPr marL="0" indent="0">
-              <a:buNone/>
-            </a:pPr>
-            <a:r>
-              <a:rPr lang="en-US" sz="2800" dirty="0"/>
-              <a:t>Primary Actor: </a:t>
-            </a:r>
-            <a:r>
-              <a:rPr lang="en-US" sz="2800" dirty="0" smtClean="0"/>
-              <a:t>To-do </a:t>
-            </a:r>
-            <a:r>
-              <a:rPr lang="en-US" sz="2800" dirty="0"/>
-              <a:t>list owner</a:t>
-            </a:r>
-          </a:p>
-          <a:p>
-            <a:pPr marL="0" indent="0">
-              <a:buNone/>
-            </a:pPr>
-            <a:r>
-              <a:rPr lang="en-US" sz="2800" dirty="0"/>
-              <a:t>Scope: A </a:t>
-            </a:r>
-            <a:r>
-              <a:rPr lang="en-US" sz="2800" dirty="0" smtClean="0"/>
-              <a:t>to-do </a:t>
-            </a:r>
-            <a:r>
-              <a:rPr lang="en-US" sz="2800" dirty="0"/>
-              <a:t>List</a:t>
-            </a:r>
-          </a:p>
-          <a:p>
-            <a:pPr marL="0" indent="0">
-              <a:buNone/>
-            </a:pPr>
-            <a:r>
-              <a:rPr lang="en-US" sz="2800" dirty="0"/>
-              <a:t>Description: The </a:t>
-            </a:r>
-            <a:r>
-              <a:rPr lang="en-US" sz="2800" dirty="0" smtClean="0"/>
-              <a:t>to-do </a:t>
-            </a:r>
-            <a:r>
-              <a:rPr lang="en-US" sz="2800" dirty="0"/>
-              <a:t>list owner adds an item to the existing list</a:t>
-            </a:r>
-          </a:p>
-          <a:p>
-            <a:pPr marL="0" indent="0">
-              <a:buNone/>
-            </a:pPr>
-            <a:r>
-              <a:rPr lang="en-US" sz="2800" dirty="0" err="1"/>
-              <a:t>Postconditions</a:t>
-            </a:r>
-            <a:r>
-              <a:rPr lang="en-US" sz="2800" dirty="0"/>
-              <a:t>: The new item is added to the list and saved for future retrieval. </a:t>
-            </a:r>
-          </a:p>
-          <a:p>
-            <a:pPr marL="0" indent="0">
-              <a:buNone/>
-            </a:pPr>
-            <a:r>
-              <a:rPr lang="en-US" sz="2800" dirty="0"/>
-              <a:t>Preconditions: The list is already existing. </a:t>
-            </a:r>
-            <a:endParaRPr lang="en-US" sz="2800" dirty="0" smtClean="0"/>
-          </a:p>
-          <a:p>
-            <a:pPr marL="0" indent="0">
-              <a:buNone/>
-            </a:pPr>
-            <a:endParaRPr lang="en-US" sz="2800" dirty="0"/>
-          </a:p>
-          <a:p>
-            <a:pPr marL="0" indent="0">
-              <a:buNone/>
-            </a:pPr>
-            <a:r>
-              <a:rPr lang="en-US" sz="2800" dirty="0"/>
-              <a:t>Basic flow:</a:t>
-            </a:r>
-          </a:p>
-          <a:p>
-            <a:pPr marL="0" indent="0">
-              <a:buNone/>
-            </a:pPr>
-            <a:r>
-              <a:rPr lang="en-US" sz="2800" dirty="0"/>
-              <a:t>1. The system provides a place for user’s input for the new </a:t>
-            </a:r>
-            <a:r>
-              <a:rPr lang="en-US" sz="2800" dirty="0" smtClean="0"/>
-              <a:t>to-do </a:t>
-            </a:r>
-            <a:r>
-              <a:rPr lang="en-US" sz="2800" dirty="0"/>
-              <a:t>item. </a:t>
-            </a:r>
-          </a:p>
-          <a:p>
-            <a:pPr marL="0" indent="0">
-              <a:buNone/>
-            </a:pPr>
-            <a:r>
-              <a:rPr lang="en-US" sz="2800" dirty="0"/>
-              <a:t>2. The user provides input of the content of the </a:t>
-            </a:r>
-            <a:r>
-              <a:rPr lang="en-US" sz="2800" dirty="0" smtClean="0"/>
-              <a:t>to-do item, and selects </a:t>
-            </a:r>
-            <a:r>
-              <a:rPr lang="en-US" sz="2800" dirty="0"/>
-              <a:t>the function to submit the </a:t>
-            </a:r>
-            <a:r>
-              <a:rPr lang="en-US" sz="2800" dirty="0" smtClean="0"/>
-              <a:t>to-do </a:t>
-            </a:r>
-            <a:r>
-              <a:rPr lang="en-US" sz="2800" dirty="0"/>
-              <a:t>item. </a:t>
-            </a:r>
-          </a:p>
-          <a:p>
-            <a:pPr marL="0" indent="0">
-              <a:buNone/>
-            </a:pPr>
-            <a:r>
-              <a:rPr lang="en-US" sz="2800" dirty="0" smtClean="0"/>
-              <a:t>3. </a:t>
-            </a:r>
-            <a:r>
-              <a:rPr lang="en-US" sz="2800" dirty="0"/>
-              <a:t>The system checks the </a:t>
-            </a:r>
-            <a:r>
-              <a:rPr lang="en-US" sz="2800" dirty="0" smtClean="0"/>
-              <a:t>to-do </a:t>
-            </a:r>
-            <a:r>
-              <a:rPr lang="en-US" sz="2800" dirty="0"/>
-              <a:t>item is valid. </a:t>
-            </a:r>
-          </a:p>
-          <a:p>
-            <a:pPr marL="0" indent="0">
-              <a:buNone/>
-            </a:pPr>
-            <a:r>
-              <a:rPr lang="en-US" sz="2800" dirty="0"/>
-              <a:t>4</a:t>
-            </a:r>
-            <a:r>
-              <a:rPr lang="en-US" sz="2800" dirty="0" smtClean="0"/>
-              <a:t>. </a:t>
-            </a:r>
-            <a:r>
-              <a:rPr lang="en-US" sz="2800" dirty="0"/>
-              <a:t>The system adds the valid item to the </a:t>
-            </a:r>
-            <a:r>
-              <a:rPr lang="en-US" sz="2800" dirty="0" smtClean="0"/>
-              <a:t>list, saves </a:t>
-            </a:r>
-            <a:r>
-              <a:rPr lang="en-US" sz="2800" dirty="0"/>
-              <a:t>the </a:t>
-            </a:r>
-            <a:r>
-              <a:rPr lang="en-US" sz="2800" dirty="0" smtClean="0"/>
-              <a:t>item, and confirms </a:t>
-            </a:r>
-            <a:r>
-              <a:rPr lang="en-US" sz="2800" dirty="0"/>
-              <a:t>with the user the operation has been successful. </a:t>
-            </a:r>
-          </a:p>
-          <a:p>
-            <a:pPr marL="0" indent="0">
-              <a:buNone/>
-            </a:pPr>
-            <a:r>
-              <a:rPr lang="en-US" sz="2800" dirty="0" smtClean="0"/>
-              <a:t>5. </a:t>
-            </a:r>
-            <a:r>
-              <a:rPr lang="en-US" sz="2800" dirty="0"/>
-              <a:t>The user acknowledges the status. </a:t>
-            </a:r>
-          </a:p>
-          <a:p>
-            <a:pPr marL="0" indent="0">
-              <a:buNone/>
-            </a:pPr>
-            <a:endParaRPr lang="en-US" sz="2800" dirty="0"/>
-          </a:p>
-          <a:p>
-            <a:pPr marL="0" indent="0">
-              <a:buNone/>
-            </a:pPr>
-            <a:r>
-              <a:rPr lang="en-US" sz="2800" dirty="0"/>
-              <a:t>Alternative Flows:</a:t>
-            </a:r>
-          </a:p>
-          <a:p>
-            <a:pPr marL="0" indent="0">
-              <a:buNone/>
-            </a:pPr>
-            <a:r>
-              <a:rPr lang="en-US" sz="2800" dirty="0" smtClean="0"/>
-              <a:t>3a</a:t>
-            </a:r>
-            <a:r>
-              <a:rPr lang="en-US" sz="2800" dirty="0"/>
-              <a:t>. If the system finds out that the item is empty, then</a:t>
-            </a:r>
-          </a:p>
-          <a:p>
-            <a:pPr marL="0" indent="0">
-              <a:buNone/>
-            </a:pPr>
-            <a:r>
-              <a:rPr lang="en-US" sz="2800" dirty="0" smtClean="0"/>
-              <a:t>3a-1</a:t>
-            </a:r>
-            <a:r>
-              <a:rPr lang="en-US" sz="2800" dirty="0"/>
-              <a:t>. The system alerts the user that the content is empty, and demands a valid input</a:t>
-            </a:r>
-          </a:p>
-          <a:p>
-            <a:pPr marL="0" indent="0">
-              <a:buNone/>
-            </a:pPr>
-            <a:r>
-              <a:rPr lang="en-US" sz="2800" dirty="0" smtClean="0"/>
-              <a:t>3a-2</a:t>
-            </a:r>
-            <a:r>
-              <a:rPr lang="en-US" sz="2800" dirty="0"/>
-              <a:t>. The user provides a valid input</a:t>
-            </a:r>
-          </a:p>
-          <a:p>
-            <a:pPr marL="0" indent="0">
-              <a:buNone/>
-            </a:pPr>
-            <a:r>
-              <a:rPr lang="en-US" sz="2800" dirty="0"/>
-              <a:t>[Go to </a:t>
-            </a:r>
-            <a:r>
-              <a:rPr lang="en-US" sz="2800" dirty="0" smtClean="0"/>
-              <a:t>3] </a:t>
-            </a:r>
-            <a:endParaRPr lang="en-US" sz="2800" dirty="0"/>
-          </a:p>
-        </p:txBody>
-      </p:sp>
+            <p:extLst>
+              <p:ext uri="{D42A27DB-BD31-4B8C-83A1-F6EECF244321}">
+                <p14:modId xmlns:p14="http://schemas.microsoft.com/office/powerpoint/2010/main" val="2752547845"/>
+              </p:ext>
+            </p:extLst>
+          </p:nvPr>
+        </p:nvGraphicFramePr>
+        <p:xfrm>
+          <a:off x="457200" y="1774825"/>
+          <a:ext cx="8229601" cy="2865120"/>
+        </p:xfrm>
+        <a:graphic>
+          <a:graphicData uri="http://schemas.openxmlformats.org/drawingml/2006/table">
+            <a:tbl>
+              <a:tblPr firstRow="1" bandRow="1">
+                <a:tableStyleId>{69012ECD-51FC-41F1-AA8D-1B2483CD663E}</a:tableStyleId>
+              </a:tblPr>
+              <a:tblGrid>
+                <a:gridCol w="1676400"/>
+                <a:gridCol w="5029200"/>
+                <a:gridCol w="1524001"/>
+              </a:tblGrid>
+              <a:tr h="370840">
+                <a:tc>
+                  <a:txBody>
+                    <a:bodyPr/>
+                    <a:lstStyle/>
+                    <a:p>
+                      <a:r>
+                        <a:rPr lang="en-US" dirty="0" smtClean="0"/>
+                        <a:t>Type</a:t>
+                      </a:r>
+                      <a:endParaRPr lang="en-US" dirty="0"/>
+                    </a:p>
+                  </a:txBody>
+                  <a:tcPr marL="91439" marR="91439"/>
+                </a:tc>
+                <a:tc>
+                  <a:txBody>
+                    <a:bodyPr/>
+                    <a:lstStyle/>
+                    <a:p>
+                      <a:r>
+                        <a:rPr lang="en-US" dirty="0" smtClean="0"/>
+                        <a:t>Title</a:t>
+                      </a:r>
+                      <a:endParaRPr lang="en-US" dirty="0"/>
+                    </a:p>
+                  </a:txBody>
+                  <a:tcPr marL="91439" marR="91439"/>
+                </a:tc>
+                <a:tc>
+                  <a:txBody>
+                    <a:bodyPr/>
+                    <a:lstStyle/>
+                    <a:p>
+                      <a:r>
+                        <a:rPr lang="en-US" dirty="0" smtClean="0"/>
+                        <a:t>Points</a:t>
+                      </a:r>
+                      <a:endParaRPr lang="en-US" dirty="0"/>
+                    </a:p>
+                  </a:txBody>
+                  <a:tcPr marL="91439" marR="91439"/>
+                </a:tc>
+              </a:tr>
+              <a:tr h="370840">
+                <a:tc gridSpan="3">
+                  <a:txBody>
+                    <a:bodyPr/>
+                    <a:lstStyle/>
+                    <a:p>
+                      <a:r>
+                        <a:rPr lang="en-US" dirty="0" smtClean="0"/>
+                        <a:t>02/08 – 02/12</a:t>
+                      </a:r>
+                      <a:endParaRPr lang="en-US" dirty="0"/>
+                    </a:p>
+                  </a:txBody>
+                  <a:tcPr marL="91439" marR="91439">
+                    <a:solidFill>
+                      <a:schemeClr val="bg1"/>
+                    </a:solidFill>
+                  </a:tcPr>
+                </a:tc>
+                <a:tc hMerge="1">
+                  <a:txBody>
+                    <a:bodyPr/>
+                    <a:lstStyle/>
+                    <a:p>
+                      <a:endParaRPr lang="en-US" dirty="0"/>
+                    </a:p>
+                  </a:txBody>
+                  <a:tcPr/>
+                </a:tc>
+                <a:tc hMerge="1">
+                  <a:txBody>
+                    <a:bodyPr/>
+                    <a:lstStyle/>
+                    <a:p>
+                      <a:endParaRPr lang="en-US" dirty="0"/>
+                    </a:p>
+                  </a:txBody>
+                  <a:tcPr/>
+                </a:tc>
+              </a:tr>
+              <a:tr h="370840">
+                <a:tc>
+                  <a:txBody>
+                    <a:bodyPr/>
+                    <a:lstStyle/>
+                    <a:p>
+                      <a:r>
+                        <a:rPr lang="en-US" dirty="0" smtClean="0"/>
+                        <a:t>Feature</a:t>
+                      </a:r>
+                      <a:endParaRPr lang="en-US" dirty="0"/>
+                    </a:p>
+                  </a:txBody>
+                  <a:tcPr marL="91439" marR="91439">
+                    <a:solidFill>
+                      <a:schemeClr val="accent3">
+                        <a:lumMod val="60000"/>
+                        <a:lumOff val="40000"/>
+                      </a:schemeClr>
+                    </a:solidFill>
+                  </a:tcPr>
+                </a:tc>
+                <a:tc>
+                  <a:txBody>
+                    <a:bodyPr/>
+                    <a:lstStyle/>
+                    <a:p>
+                      <a:r>
+                        <a:rPr lang="en-US" dirty="0" smtClean="0"/>
+                        <a:t>Display to-do</a:t>
+                      </a:r>
+                      <a:r>
+                        <a:rPr lang="en-US" baseline="0" dirty="0" smtClean="0"/>
+                        <a:t> list</a:t>
+                      </a:r>
+                      <a:endParaRPr lang="en-US" dirty="0"/>
+                    </a:p>
+                  </a:txBody>
+                  <a:tcPr marL="91439" marR="91439"/>
+                </a:tc>
+                <a:tc>
+                  <a:txBody>
+                    <a:bodyPr/>
+                    <a:lstStyle/>
+                    <a:p>
+                      <a:r>
+                        <a:rPr lang="en-US" dirty="0" smtClean="0"/>
+                        <a:t>3</a:t>
+                      </a:r>
+                      <a:endParaRPr lang="en-US" dirty="0"/>
+                    </a:p>
+                  </a:txBody>
+                  <a:tcPr marL="91439" marR="91439"/>
+                </a:tc>
+              </a:tr>
+              <a:tr h="370840">
+                <a:tc>
+                  <a:txBody>
+                    <a:bodyPr/>
+                    <a:lstStyle/>
+                    <a:p>
+                      <a:r>
+                        <a:rPr lang="en-US" dirty="0" smtClean="0"/>
+                        <a:t>Feature</a:t>
+                      </a:r>
+                      <a:endParaRPr lang="en-US" dirty="0"/>
+                    </a:p>
+                  </a:txBody>
+                  <a:tcPr marL="91439" marR="91439">
+                    <a:solidFill>
+                      <a:schemeClr val="accent3">
+                        <a:lumMod val="60000"/>
+                        <a:lumOff val="40000"/>
+                      </a:schemeClr>
+                    </a:solidFill>
+                  </a:tcPr>
+                </a:tc>
+                <a:tc>
+                  <a:txBody>
+                    <a:bodyPr/>
+                    <a:lstStyle/>
+                    <a:p>
+                      <a:r>
+                        <a:rPr lang="en-US" dirty="0" smtClean="0"/>
+                        <a:t>Add to-do</a:t>
+                      </a:r>
+                      <a:r>
+                        <a:rPr lang="en-US" baseline="0" dirty="0" smtClean="0"/>
+                        <a:t> item</a:t>
+                      </a:r>
+                      <a:endParaRPr lang="en-US" dirty="0"/>
+                    </a:p>
+                  </a:txBody>
+                  <a:tcPr marL="91439" marR="91439"/>
+                </a:tc>
+                <a:tc>
+                  <a:txBody>
+                    <a:bodyPr/>
+                    <a:lstStyle/>
+                    <a:p>
+                      <a:r>
+                        <a:rPr lang="en-US" dirty="0" smtClean="0"/>
+                        <a:t>4</a:t>
+                      </a:r>
+                      <a:endParaRPr lang="en-US" dirty="0"/>
+                    </a:p>
+                  </a:txBody>
+                  <a:tcPr marL="91439" marR="91439"/>
+                </a:tc>
+              </a:tr>
+              <a:tr h="370840">
+                <a:tc>
+                  <a:txBody>
+                    <a:bodyPr/>
+                    <a:lstStyle/>
+                    <a:p>
+                      <a:r>
+                        <a:rPr lang="en-US" dirty="0" smtClean="0"/>
+                        <a:t>Bug</a:t>
+                      </a:r>
+                      <a:endParaRPr lang="en-US" dirty="0"/>
+                    </a:p>
+                  </a:txBody>
+                  <a:tcPr marL="91439" marR="91439">
+                    <a:solidFill>
+                      <a:schemeClr val="accent2">
+                        <a:lumMod val="60000"/>
+                        <a:lumOff val="40000"/>
+                      </a:schemeClr>
+                    </a:solidFill>
+                  </a:tcPr>
+                </a:tc>
+                <a:tc>
+                  <a:txBody>
+                    <a:bodyPr/>
+                    <a:lstStyle/>
+                    <a:p>
+                      <a:r>
+                        <a:rPr lang="en-US" dirty="0" smtClean="0"/>
+                        <a:t>Empty to-do item is also</a:t>
+                      </a:r>
+                      <a:r>
+                        <a:rPr lang="en-US" baseline="0" dirty="0" smtClean="0"/>
+                        <a:t> added</a:t>
+                      </a:r>
+                    </a:p>
+                  </a:txBody>
+                  <a:tcPr marL="91439" marR="91439"/>
+                </a:tc>
+                <a:tc>
+                  <a:txBody>
+                    <a:bodyPr/>
+                    <a:lstStyle/>
+                    <a:p>
+                      <a:r>
+                        <a:rPr lang="en-US" dirty="0" smtClean="0"/>
+                        <a:t>2</a:t>
+                      </a:r>
+                      <a:endParaRPr lang="en-US" dirty="0"/>
+                    </a:p>
+                  </a:txBody>
+                  <a:tcPr marL="91439" marR="91439"/>
+                </a:tc>
+              </a:tr>
+              <a:tr h="370840">
+                <a:tc>
+                  <a:txBody>
+                    <a:bodyPr/>
+                    <a:lstStyle/>
+                    <a:p>
+                      <a:r>
+                        <a:rPr lang="en-US" dirty="0" smtClean="0"/>
+                        <a:t>Usability</a:t>
+                      </a:r>
+                      <a:endParaRPr lang="en-US" dirty="0"/>
+                    </a:p>
+                  </a:txBody>
+                  <a:tcPr marL="91439" marR="91439">
+                    <a:solidFill>
+                      <a:schemeClr val="accent4">
+                        <a:lumMod val="60000"/>
+                        <a:lumOff val="40000"/>
+                      </a:schemeClr>
+                    </a:solidFill>
+                  </a:tcPr>
+                </a:tc>
+                <a:tc>
+                  <a:txBody>
+                    <a:bodyPr/>
+                    <a:lstStyle/>
+                    <a:p>
+                      <a:r>
+                        <a:rPr lang="en-US" dirty="0" smtClean="0"/>
+                        <a:t>(De)select item more easily</a:t>
+                      </a:r>
+                      <a:endParaRPr lang="en-US" dirty="0"/>
+                    </a:p>
+                  </a:txBody>
+                  <a:tcPr marL="91439" marR="91439"/>
+                </a:tc>
+                <a:tc>
+                  <a:txBody>
+                    <a:bodyPr/>
+                    <a:lstStyle/>
+                    <a:p>
+                      <a:r>
+                        <a:rPr lang="en-US" dirty="0" smtClean="0"/>
+                        <a:t>1</a:t>
+                      </a:r>
+                      <a:endParaRPr lang="en-US" dirty="0"/>
+                    </a:p>
+                  </a:txBody>
+                  <a:tcPr marL="91439" marR="91439"/>
+                </a:tc>
+              </a:tr>
+              <a:tr h="370840">
+                <a:tc>
+                  <a:txBody>
+                    <a:bodyPr/>
+                    <a:lstStyle/>
+                    <a:p>
+                      <a:r>
+                        <a:rPr lang="en-US" dirty="0" smtClean="0"/>
+                        <a:t>Continuous</a:t>
+                      </a:r>
+                      <a:r>
+                        <a:rPr lang="en-US" baseline="0" dirty="0" smtClean="0"/>
+                        <a:t> Integration</a:t>
+                      </a:r>
+                      <a:endParaRPr lang="en-US" dirty="0"/>
+                    </a:p>
+                  </a:txBody>
+                  <a:tcPr marL="91439" marR="91439">
+                    <a:solidFill>
+                      <a:schemeClr val="accent5">
+                        <a:lumMod val="60000"/>
+                        <a:lumOff val="40000"/>
+                      </a:schemeClr>
+                    </a:solidFill>
+                  </a:tcPr>
+                </a:tc>
+                <a:tc>
+                  <a:txBody>
+                    <a:bodyPr/>
+                    <a:lstStyle/>
+                    <a:p>
+                      <a:r>
+                        <a:rPr lang="en-US" dirty="0" smtClean="0"/>
+                        <a:t>Set up</a:t>
+                      </a:r>
+                      <a:r>
+                        <a:rPr lang="en-US" baseline="0" dirty="0" smtClean="0"/>
+                        <a:t> build tools</a:t>
+                      </a:r>
+                      <a:endParaRPr lang="en-US" dirty="0"/>
+                    </a:p>
+                  </a:txBody>
+                  <a:tcPr marL="91439" marR="91439"/>
+                </a:tc>
+                <a:tc>
+                  <a:txBody>
+                    <a:bodyPr/>
+                    <a:lstStyle/>
+                    <a:p>
+                      <a:r>
+                        <a:rPr lang="en-US" dirty="0" smtClean="0"/>
+                        <a:t>5</a:t>
+                      </a:r>
+                      <a:endParaRPr lang="en-US" dirty="0"/>
+                    </a:p>
+                  </a:txBody>
+                  <a:tcPr marL="91439" marR="91439"/>
+                </a:tc>
+              </a:tr>
+            </a:tbl>
+          </a:graphicData>
+        </a:graphic>
+      </p:graphicFrame>
       <p:sp>
         <p:nvSpPr>
           <p:cNvPr id="4" name="Footer Placeholder 3"/>
@@ -6710,7 +6895,7 @@
     </p:spTree>
     <p:extLst>
       <p:ext uri="{BB962C8B-B14F-4D97-AF65-F5344CB8AC3E}">
-        <p14:creationId xmlns:p14="http://schemas.microsoft.com/office/powerpoint/2010/main" val="1571110833"/>
+        <p14:creationId xmlns:p14="http://schemas.microsoft.com/office/powerpoint/2010/main" val="2657050502"/>
       </p:ext>
     </p:extLst>
   </p:cSld>
@@ -6756,6 +6941,999 @@
         </p:nvSpPr>
         <p:spPr/>
         <p:txBody>
+          <a:bodyPr/>
+          <a:lstStyle/>
+          <a:p>
+            <a:r>
+              <a:rPr lang="en-US" dirty="0" smtClean="0"/>
+              <a:t>A User Story </a:t>
+            </a:r>
+            <a:r>
+              <a:rPr lang="en-US" dirty="0"/>
+              <a:t>E</a:t>
+            </a:r>
+            <a:r>
+              <a:rPr lang="en-US" dirty="0" smtClean="0"/>
+              <a:t>xample</a:t>
+            </a:r>
+            <a:endParaRPr lang="en-US" dirty="0"/>
+          </a:p>
+        </p:txBody>
+      </p:sp>
+      <p:sp>
+        <p:nvSpPr>
+          <p:cNvPr id="3" name="Content Placeholder 2"/>
+          <p:cNvSpPr>
+            <a:spLocks noGrp="1"/>
+          </p:cNvSpPr>
+          <p:nvPr>
+            <p:ph idx="1"/>
+          </p:nvPr>
+        </p:nvSpPr>
+        <p:spPr/>
+        <p:txBody>
+          <a:bodyPr>
+            <a:noAutofit/>
+          </a:bodyPr>
+          <a:lstStyle/>
+          <a:p>
+            <a:pPr marL="0" indent="0">
+              <a:buNone/>
+            </a:pPr>
+            <a:r>
+              <a:rPr lang="en-US" sz="1800" dirty="0" smtClean="0"/>
+              <a:t>As a student, I want to maintain a list of to-do items e.g. my assignments.</a:t>
+            </a:r>
+          </a:p>
+          <a:p>
+            <a:pPr marL="0" indent="0">
+              <a:buNone/>
+            </a:pPr>
+            <a:r>
+              <a:rPr lang="en-US" sz="1800" dirty="0" smtClean="0"/>
+              <a:t>As a developer, I want to be able to add an item to my to-do list.  </a:t>
+            </a:r>
+          </a:p>
+        </p:txBody>
+      </p:sp>
+      <p:sp>
+        <p:nvSpPr>
+          <p:cNvPr id="4" name="Footer Placeholder 3"/>
+          <p:cNvSpPr>
+            <a:spLocks noGrp="1"/>
+          </p:cNvSpPr>
+          <p:nvPr>
+            <p:ph type="ftr" sz="quarter" idx="11"/>
+          </p:nvPr>
+        </p:nvSpPr>
+        <p:spPr/>
+        <p:txBody>
+          <a:bodyPr/>
+          <a:lstStyle/>
+          <a:p>
+            <a:r>
+              <a:rPr lang="en-US" smtClean="0"/>
+              <a:t>Copyright 2016 Bloomberg L.P. All rights reserved</a:t>
+            </a:r>
+            <a:endParaRPr lang="en-US"/>
+          </a:p>
+        </p:txBody>
+      </p:sp>
+    </p:spTree>
+    <p:extLst>
+      <p:ext uri="{BB962C8B-B14F-4D97-AF65-F5344CB8AC3E}">
+        <p14:creationId xmlns:p14="http://schemas.microsoft.com/office/powerpoint/2010/main" val="864666941"/>
+      </p:ext>
+    </p:extLst>
+  </p:cSld>
+  <p:clrMapOvr>
+    <a:masterClrMapping/>
+  </p:clrMapOvr>
+  <p:timing>
+    <p:tnLst>
+      <p:par>
+        <p:cTn id="1" dur="indefinite" restart="never" nodeType="tmRoot"/>
+      </p:par>
+    </p:tnLst>
+  </p:timing>
+</p:sld>
+</file>
+
+<file path=ppt/slides/slide12.xml><?xml version="1.0" encoding="utf-8"?>
+<p:sld xmlns:a="http://schemas.openxmlformats.org/drawingml/2006/main" xmlns:r="http://schemas.openxmlformats.org/officeDocument/2006/relationships" xmlns:p="http://schemas.openxmlformats.org/presentationml/2006/main">
+  <p:cSld>
+    <p:spTree>
+      <p:nvGrpSpPr>
+        <p:cNvPr id="1" name=""/>
+        <p:cNvGrpSpPr/>
+        <p:nvPr/>
+      </p:nvGrpSpPr>
+      <p:grpSpPr>
+        <a:xfrm>
+          <a:off x="0" y="0"/>
+          <a:ext cx="0" cy="0"/>
+          <a:chOff x="0" y="0"/>
+          <a:chExt cx="0" cy="0"/>
+        </a:xfrm>
+      </p:grpSpPr>
+      <p:sp>
+        <p:nvSpPr>
+          <p:cNvPr id="2" name="Title 1"/>
+          <p:cNvSpPr>
+            <a:spLocks noGrp="1"/>
+          </p:cNvSpPr>
+          <p:nvPr>
+            <p:ph type="title"/>
+          </p:nvPr>
+        </p:nvSpPr>
+        <p:spPr/>
+        <p:txBody>
+          <a:bodyPr/>
+          <a:lstStyle/>
+          <a:p>
+            <a:r>
+              <a:rPr lang="en-US" dirty="0" smtClean="0"/>
+              <a:t>A Use Case </a:t>
+            </a:r>
+            <a:r>
+              <a:rPr lang="en-US" dirty="0"/>
+              <a:t>E</a:t>
+            </a:r>
+            <a:r>
+              <a:rPr lang="en-US" dirty="0" smtClean="0"/>
+              <a:t>xample</a:t>
+            </a:r>
+            <a:endParaRPr lang="en-US" dirty="0"/>
+          </a:p>
+        </p:txBody>
+      </p:sp>
+      <p:sp>
+        <p:nvSpPr>
+          <p:cNvPr id="3" name="Content Placeholder 2"/>
+          <p:cNvSpPr>
+            <a:spLocks noGrp="1"/>
+          </p:cNvSpPr>
+          <p:nvPr>
+            <p:ph idx="1"/>
+          </p:nvPr>
+        </p:nvSpPr>
+        <p:spPr/>
+        <p:txBody>
+          <a:bodyPr>
+            <a:noAutofit/>
+          </a:bodyPr>
+          <a:lstStyle/>
+          <a:p>
+            <a:pPr marL="0" indent="0">
+              <a:buNone/>
+            </a:pPr>
+            <a:r>
+              <a:rPr lang="en-US" sz="2800" dirty="0"/>
+              <a:t>Use case: Add an item to </a:t>
+            </a:r>
+            <a:r>
+              <a:rPr lang="en-US" sz="2800" dirty="0" smtClean="0"/>
+              <a:t>to-do </a:t>
+            </a:r>
+            <a:r>
+              <a:rPr lang="en-US" sz="2800" dirty="0"/>
+              <a:t>list</a:t>
+            </a:r>
+          </a:p>
+          <a:p>
+            <a:pPr marL="0" indent="0">
+              <a:buNone/>
+            </a:pPr>
+            <a:r>
+              <a:rPr lang="en-US" sz="2800" dirty="0"/>
+              <a:t>Primary Actor: </a:t>
+            </a:r>
+            <a:r>
+              <a:rPr lang="en-US" sz="2800" dirty="0" smtClean="0"/>
+              <a:t>To-do </a:t>
+            </a:r>
+            <a:r>
+              <a:rPr lang="en-US" sz="2800" dirty="0"/>
+              <a:t>list owner</a:t>
+            </a:r>
+          </a:p>
+          <a:p>
+            <a:pPr marL="0" indent="0">
+              <a:buNone/>
+            </a:pPr>
+            <a:r>
+              <a:rPr lang="en-US" sz="2800" dirty="0"/>
+              <a:t>Scope: A </a:t>
+            </a:r>
+            <a:r>
+              <a:rPr lang="en-US" sz="2800" dirty="0" smtClean="0"/>
+              <a:t>to-do </a:t>
+            </a:r>
+            <a:r>
+              <a:rPr lang="en-US" sz="2800" dirty="0"/>
+              <a:t>List</a:t>
+            </a:r>
+          </a:p>
+          <a:p>
+            <a:pPr marL="0" indent="0">
+              <a:buNone/>
+            </a:pPr>
+            <a:r>
+              <a:rPr lang="en-US" sz="2800" dirty="0"/>
+              <a:t>Description: The </a:t>
+            </a:r>
+            <a:r>
+              <a:rPr lang="en-US" sz="2800" dirty="0" smtClean="0"/>
+              <a:t>to-do </a:t>
+            </a:r>
+            <a:r>
+              <a:rPr lang="en-US" sz="2800" dirty="0"/>
+              <a:t>list owner adds an item to the existing list</a:t>
+            </a:r>
+          </a:p>
+          <a:p>
+            <a:pPr marL="0" indent="0">
+              <a:buNone/>
+            </a:pPr>
+            <a:r>
+              <a:rPr lang="en-US" sz="2800" dirty="0" err="1"/>
+              <a:t>Postconditions</a:t>
+            </a:r>
+            <a:r>
+              <a:rPr lang="en-US" sz="2800" dirty="0"/>
+              <a:t>: The new item is added to the list and saved for future retrieval. </a:t>
+            </a:r>
+          </a:p>
+          <a:p>
+            <a:pPr marL="0" indent="0">
+              <a:buNone/>
+            </a:pPr>
+            <a:r>
+              <a:rPr lang="en-US" sz="2800" dirty="0"/>
+              <a:t>Preconditions: The list is already existing. </a:t>
+            </a:r>
+            <a:endParaRPr lang="en-US" sz="2800" dirty="0" smtClean="0"/>
+          </a:p>
+          <a:p>
+            <a:pPr marL="0" indent="0">
+              <a:buNone/>
+            </a:pPr>
+            <a:endParaRPr lang="en-US" sz="2800" dirty="0"/>
+          </a:p>
+          <a:p>
+            <a:pPr marL="0" indent="0">
+              <a:buNone/>
+            </a:pPr>
+            <a:r>
+              <a:rPr lang="en-US" sz="2800" dirty="0"/>
+              <a:t>Basic flow:</a:t>
+            </a:r>
+          </a:p>
+          <a:p>
+            <a:pPr marL="0" indent="0">
+              <a:buNone/>
+            </a:pPr>
+            <a:r>
+              <a:rPr lang="en-US" sz="2800" dirty="0"/>
+              <a:t>1. The system provides a place for user’s input for the new </a:t>
+            </a:r>
+            <a:r>
+              <a:rPr lang="en-US" sz="2800" dirty="0" smtClean="0"/>
+              <a:t>to-do </a:t>
+            </a:r>
+            <a:r>
+              <a:rPr lang="en-US" sz="2800" dirty="0"/>
+              <a:t>item. </a:t>
+            </a:r>
+          </a:p>
+          <a:p>
+            <a:pPr marL="0" indent="0">
+              <a:buNone/>
+            </a:pPr>
+            <a:r>
+              <a:rPr lang="en-US" sz="2800" dirty="0"/>
+              <a:t>2. The user provides input of the content of the </a:t>
+            </a:r>
+            <a:r>
+              <a:rPr lang="en-US" sz="2800" dirty="0" smtClean="0"/>
+              <a:t>to-do item, and selects </a:t>
+            </a:r>
+            <a:r>
+              <a:rPr lang="en-US" sz="2800" dirty="0"/>
+              <a:t>the function to submit the </a:t>
+            </a:r>
+            <a:r>
+              <a:rPr lang="en-US" sz="2800" dirty="0" smtClean="0"/>
+              <a:t>to-do </a:t>
+            </a:r>
+            <a:r>
+              <a:rPr lang="en-US" sz="2800" dirty="0"/>
+              <a:t>item. </a:t>
+            </a:r>
+          </a:p>
+          <a:p>
+            <a:pPr marL="0" indent="0">
+              <a:buNone/>
+            </a:pPr>
+            <a:r>
+              <a:rPr lang="en-US" sz="2800" dirty="0" smtClean="0"/>
+              <a:t>3. </a:t>
+            </a:r>
+            <a:r>
+              <a:rPr lang="en-US" sz="2800" dirty="0"/>
+              <a:t>The system checks the </a:t>
+            </a:r>
+            <a:r>
+              <a:rPr lang="en-US" sz="2800" dirty="0" smtClean="0"/>
+              <a:t>to-do </a:t>
+            </a:r>
+            <a:r>
+              <a:rPr lang="en-US" sz="2800" dirty="0"/>
+              <a:t>item is valid. </a:t>
+            </a:r>
+          </a:p>
+          <a:p>
+            <a:pPr marL="0" indent="0">
+              <a:buNone/>
+            </a:pPr>
+            <a:r>
+              <a:rPr lang="en-US" sz="2800" dirty="0"/>
+              <a:t>4</a:t>
+            </a:r>
+            <a:r>
+              <a:rPr lang="en-US" sz="2800" dirty="0" smtClean="0"/>
+              <a:t>. </a:t>
+            </a:r>
+            <a:r>
+              <a:rPr lang="en-US" sz="2800" dirty="0"/>
+              <a:t>The system adds the valid item to the </a:t>
+            </a:r>
+            <a:r>
+              <a:rPr lang="en-US" sz="2800" dirty="0" smtClean="0"/>
+              <a:t>list, saves </a:t>
+            </a:r>
+            <a:r>
+              <a:rPr lang="en-US" sz="2800" dirty="0"/>
+              <a:t>the </a:t>
+            </a:r>
+            <a:r>
+              <a:rPr lang="en-US" sz="2800" dirty="0" smtClean="0"/>
+              <a:t>item, and confirms </a:t>
+            </a:r>
+            <a:r>
+              <a:rPr lang="en-US" sz="2800" dirty="0"/>
+              <a:t>with the user the operation has been successful. </a:t>
+            </a:r>
+          </a:p>
+          <a:p>
+            <a:pPr marL="0" indent="0">
+              <a:buNone/>
+            </a:pPr>
+            <a:r>
+              <a:rPr lang="en-US" sz="2800" dirty="0" smtClean="0"/>
+              <a:t>5. </a:t>
+            </a:r>
+            <a:r>
+              <a:rPr lang="en-US" sz="2800" dirty="0"/>
+              <a:t>The user acknowledges the status. </a:t>
+            </a:r>
+          </a:p>
+          <a:p>
+            <a:pPr marL="0" indent="0">
+              <a:buNone/>
+            </a:pPr>
+            <a:endParaRPr lang="en-US" sz="2800" dirty="0"/>
+          </a:p>
+          <a:p>
+            <a:pPr marL="0" indent="0">
+              <a:buNone/>
+            </a:pPr>
+            <a:r>
+              <a:rPr lang="en-US" sz="2800" dirty="0"/>
+              <a:t>Alternative Flows:</a:t>
+            </a:r>
+          </a:p>
+          <a:p>
+            <a:pPr marL="0" indent="0">
+              <a:buNone/>
+            </a:pPr>
+            <a:r>
+              <a:rPr lang="en-US" sz="2800" dirty="0" smtClean="0"/>
+              <a:t>3a</a:t>
+            </a:r>
+            <a:r>
+              <a:rPr lang="en-US" sz="2800" dirty="0"/>
+              <a:t>. If the system finds out that the item is empty, then</a:t>
+            </a:r>
+          </a:p>
+          <a:p>
+            <a:pPr marL="0" indent="0">
+              <a:buNone/>
+            </a:pPr>
+            <a:r>
+              <a:rPr lang="en-US" sz="2800" dirty="0" smtClean="0"/>
+              <a:t>3a-1</a:t>
+            </a:r>
+            <a:r>
+              <a:rPr lang="en-US" sz="2800" dirty="0"/>
+              <a:t>. The system alerts the user that the content is empty, and demands a valid input</a:t>
+            </a:r>
+          </a:p>
+          <a:p>
+            <a:pPr marL="0" indent="0">
+              <a:buNone/>
+            </a:pPr>
+            <a:r>
+              <a:rPr lang="en-US" sz="2800" dirty="0" smtClean="0"/>
+              <a:t>3a-2</a:t>
+            </a:r>
+            <a:r>
+              <a:rPr lang="en-US" sz="2800" dirty="0"/>
+              <a:t>. The user provides a valid input</a:t>
+            </a:r>
+          </a:p>
+          <a:p>
+            <a:pPr marL="0" indent="0">
+              <a:buNone/>
+            </a:pPr>
+            <a:r>
+              <a:rPr lang="en-US" sz="2800" dirty="0"/>
+              <a:t>[Go to </a:t>
+            </a:r>
+            <a:r>
+              <a:rPr lang="en-US" sz="2800" dirty="0" smtClean="0"/>
+              <a:t>3] </a:t>
+            </a:r>
+            <a:endParaRPr lang="en-US" sz="2800" dirty="0"/>
+          </a:p>
+        </p:txBody>
+      </p:sp>
+      <p:sp>
+        <p:nvSpPr>
+          <p:cNvPr id="4" name="Footer Placeholder 3"/>
+          <p:cNvSpPr>
+            <a:spLocks noGrp="1"/>
+          </p:cNvSpPr>
+          <p:nvPr>
+            <p:ph type="ftr" sz="quarter" idx="11"/>
+          </p:nvPr>
+        </p:nvSpPr>
+        <p:spPr/>
+        <p:txBody>
+          <a:bodyPr/>
+          <a:lstStyle/>
+          <a:p>
+            <a:r>
+              <a:rPr lang="en-US" smtClean="0"/>
+              <a:t>Copyright 2016 Bloomberg L.P. All rights reserved</a:t>
+            </a:r>
+            <a:endParaRPr lang="en-US"/>
+          </a:p>
+        </p:txBody>
+      </p:sp>
+    </p:spTree>
+    <p:extLst>
+      <p:ext uri="{BB962C8B-B14F-4D97-AF65-F5344CB8AC3E}">
+        <p14:creationId xmlns:p14="http://schemas.microsoft.com/office/powerpoint/2010/main" val="1571110833"/>
+      </p:ext>
+    </p:extLst>
+  </p:cSld>
+  <p:clrMapOvr>
+    <a:masterClrMapping/>
+  </p:clrMapOvr>
+  <p:timing>
+    <p:tnLst>
+      <p:par>
+        <p:cTn id="1" dur="indefinite" restart="never" nodeType="tmRoot"/>
+      </p:par>
+    </p:tnLst>
+  </p:timing>
+</p:sld>
+</file>
+
+<file path=ppt/slides/slide13.xml><?xml version="1.0" encoding="utf-8"?>
+<p:sld xmlns:a="http://schemas.openxmlformats.org/drawingml/2006/main" xmlns:r="http://schemas.openxmlformats.org/officeDocument/2006/relationships" xmlns:p="http://schemas.openxmlformats.org/presentationml/2006/main">
+  <p:cSld>
+    <p:spTree>
+      <p:nvGrpSpPr>
+        <p:cNvPr id="1" name=""/>
+        <p:cNvGrpSpPr/>
+        <p:nvPr/>
+      </p:nvGrpSpPr>
+      <p:grpSpPr>
+        <a:xfrm>
+          <a:off x="0" y="0"/>
+          <a:ext cx="0" cy="0"/>
+          <a:chOff x="0" y="0"/>
+          <a:chExt cx="0" cy="0"/>
+        </a:xfrm>
+      </p:grpSpPr>
+      <p:sp>
+        <p:nvSpPr>
+          <p:cNvPr id="2" name="Title 1"/>
+          <p:cNvSpPr>
+            <a:spLocks noGrp="1"/>
+          </p:cNvSpPr>
+          <p:nvPr>
+            <p:ph type="title"/>
+          </p:nvPr>
+        </p:nvSpPr>
+        <p:spPr/>
+        <p:txBody>
+          <a:bodyPr/>
+          <a:lstStyle/>
+          <a:p>
+            <a:r>
+              <a:rPr lang="en-US" dirty="0" smtClean="0"/>
+              <a:t>A Use Case </a:t>
+            </a:r>
+            <a:r>
+              <a:rPr lang="en-US" dirty="0"/>
+              <a:t>E</a:t>
+            </a:r>
+            <a:r>
+              <a:rPr lang="en-US" dirty="0" smtClean="0"/>
+              <a:t>xample</a:t>
+            </a:r>
+            <a:endParaRPr lang="en-US" dirty="0"/>
+          </a:p>
+        </p:txBody>
+      </p:sp>
+      <p:sp>
+        <p:nvSpPr>
+          <p:cNvPr id="3" name="Content Placeholder 2"/>
+          <p:cNvSpPr>
+            <a:spLocks noGrp="1"/>
+          </p:cNvSpPr>
+          <p:nvPr>
+            <p:ph idx="1"/>
+          </p:nvPr>
+        </p:nvSpPr>
+        <p:spPr/>
+        <p:txBody>
+          <a:bodyPr>
+            <a:noAutofit/>
+          </a:bodyPr>
+          <a:lstStyle/>
+          <a:p>
+            <a:pPr marL="0" indent="0">
+              <a:buNone/>
+            </a:pPr>
+            <a:r>
+              <a:rPr lang="en-US" sz="2800" dirty="0" smtClean="0"/>
+              <a:t>Basic </a:t>
+            </a:r>
+            <a:r>
+              <a:rPr lang="en-US" sz="2800" dirty="0"/>
+              <a:t>flow:</a:t>
+            </a:r>
+          </a:p>
+          <a:p>
+            <a:pPr marL="0" indent="0">
+              <a:buNone/>
+            </a:pPr>
+            <a:r>
+              <a:rPr lang="en-US" sz="2800" dirty="0"/>
+              <a:t>1. The system provides a place for user’s input for the new </a:t>
+            </a:r>
+            <a:r>
+              <a:rPr lang="en-US" sz="2800" dirty="0" smtClean="0"/>
+              <a:t>to-do </a:t>
+            </a:r>
+            <a:r>
+              <a:rPr lang="en-US" sz="2800" dirty="0"/>
+              <a:t>item. </a:t>
+            </a:r>
+          </a:p>
+          <a:p>
+            <a:pPr marL="0" indent="0">
+              <a:buNone/>
+            </a:pPr>
+            <a:r>
+              <a:rPr lang="en-US" sz="2800" dirty="0"/>
+              <a:t>2. The user provides input of the content of the </a:t>
+            </a:r>
+            <a:r>
+              <a:rPr lang="en-US" sz="2800" dirty="0" smtClean="0"/>
+              <a:t>to-do item, and selects </a:t>
+            </a:r>
+            <a:r>
+              <a:rPr lang="en-US" sz="2800" dirty="0"/>
+              <a:t>the function to submit the </a:t>
+            </a:r>
+            <a:r>
+              <a:rPr lang="en-US" sz="2800" dirty="0" smtClean="0"/>
+              <a:t>to-do </a:t>
+            </a:r>
+            <a:r>
+              <a:rPr lang="en-US" sz="2800" dirty="0"/>
+              <a:t>item. </a:t>
+            </a:r>
+          </a:p>
+          <a:p>
+            <a:pPr marL="0" indent="0">
+              <a:buNone/>
+            </a:pPr>
+            <a:r>
+              <a:rPr lang="en-US" sz="2800" dirty="0" smtClean="0"/>
+              <a:t>3. </a:t>
+            </a:r>
+            <a:r>
+              <a:rPr lang="en-US" sz="2800" dirty="0"/>
+              <a:t>The system checks the </a:t>
+            </a:r>
+            <a:r>
+              <a:rPr lang="en-US" sz="2800" dirty="0" smtClean="0"/>
+              <a:t>to-do </a:t>
+            </a:r>
+            <a:r>
+              <a:rPr lang="en-US" sz="2800" dirty="0"/>
+              <a:t>item is valid. </a:t>
+            </a:r>
+          </a:p>
+          <a:p>
+            <a:pPr marL="0" indent="0">
+              <a:buNone/>
+            </a:pPr>
+            <a:r>
+              <a:rPr lang="en-US" sz="2800" dirty="0"/>
+              <a:t>4</a:t>
+            </a:r>
+            <a:r>
+              <a:rPr lang="en-US" sz="2800" dirty="0" smtClean="0"/>
+              <a:t>. </a:t>
+            </a:r>
+            <a:r>
+              <a:rPr lang="en-US" sz="2800" dirty="0"/>
+              <a:t>The system adds the valid item to the </a:t>
+            </a:r>
+            <a:r>
+              <a:rPr lang="en-US" sz="2800" dirty="0" smtClean="0"/>
+              <a:t>list, saves </a:t>
+            </a:r>
+            <a:r>
+              <a:rPr lang="en-US" sz="2800" dirty="0"/>
+              <a:t>the </a:t>
+            </a:r>
+            <a:r>
+              <a:rPr lang="en-US" sz="2800" dirty="0" smtClean="0"/>
+              <a:t>item, and confirms </a:t>
+            </a:r>
+            <a:r>
+              <a:rPr lang="en-US" sz="2800" dirty="0"/>
+              <a:t>with the user the operation has been successful. </a:t>
+            </a:r>
+          </a:p>
+          <a:p>
+            <a:pPr marL="0" indent="0">
+              <a:buNone/>
+            </a:pPr>
+            <a:r>
+              <a:rPr lang="en-US" sz="2800" dirty="0" smtClean="0"/>
+              <a:t>5. </a:t>
+            </a:r>
+            <a:r>
+              <a:rPr lang="en-US" sz="2800" dirty="0"/>
+              <a:t>The user acknowledges the status. </a:t>
+            </a:r>
+          </a:p>
+          <a:p>
+            <a:pPr marL="0" indent="0">
+              <a:buNone/>
+            </a:pPr>
+            <a:endParaRPr lang="en-US" sz="2800" dirty="0"/>
+          </a:p>
+          <a:p>
+            <a:pPr marL="0" indent="0">
+              <a:buNone/>
+            </a:pPr>
+            <a:r>
+              <a:rPr lang="en-US" sz="2800" dirty="0"/>
+              <a:t>Alternative Flows:</a:t>
+            </a:r>
+          </a:p>
+          <a:p>
+            <a:pPr marL="0" indent="0">
+              <a:buNone/>
+            </a:pPr>
+            <a:r>
+              <a:rPr lang="en-US" sz="2800" dirty="0" smtClean="0"/>
+              <a:t>3a</a:t>
+            </a:r>
+            <a:r>
+              <a:rPr lang="en-US" sz="2800" dirty="0"/>
+              <a:t>. If the system finds out that the item is empty, then</a:t>
+            </a:r>
+          </a:p>
+          <a:p>
+            <a:pPr marL="0" indent="0">
+              <a:buNone/>
+            </a:pPr>
+            <a:r>
+              <a:rPr lang="en-US" sz="2800" dirty="0" smtClean="0"/>
+              <a:t>3a-1</a:t>
+            </a:r>
+            <a:r>
+              <a:rPr lang="en-US" sz="2800" dirty="0"/>
+              <a:t>. The system alerts the user that the content is empty, and demands a valid input</a:t>
+            </a:r>
+          </a:p>
+          <a:p>
+            <a:pPr marL="0" indent="0">
+              <a:buNone/>
+            </a:pPr>
+            <a:r>
+              <a:rPr lang="en-US" sz="2800" dirty="0" smtClean="0"/>
+              <a:t>3a-2</a:t>
+            </a:r>
+            <a:r>
+              <a:rPr lang="en-US" sz="2800" dirty="0"/>
+              <a:t>. The user provides a valid input</a:t>
+            </a:r>
+          </a:p>
+          <a:p>
+            <a:pPr marL="0" indent="0">
+              <a:buNone/>
+            </a:pPr>
+            <a:r>
+              <a:rPr lang="en-US" sz="2800" dirty="0"/>
+              <a:t>[Go to </a:t>
+            </a:r>
+            <a:r>
+              <a:rPr lang="en-US" sz="2800" dirty="0" smtClean="0"/>
+              <a:t>3] </a:t>
+            </a:r>
+            <a:endParaRPr lang="en-US" sz="2800" dirty="0"/>
+          </a:p>
+        </p:txBody>
+      </p:sp>
+      <p:sp>
+        <p:nvSpPr>
+          <p:cNvPr id="4" name="Footer Placeholder 3"/>
+          <p:cNvSpPr>
+            <a:spLocks noGrp="1"/>
+          </p:cNvSpPr>
+          <p:nvPr>
+            <p:ph type="ftr" sz="quarter" idx="11"/>
+          </p:nvPr>
+        </p:nvSpPr>
+        <p:spPr/>
+        <p:txBody>
+          <a:bodyPr/>
+          <a:lstStyle/>
+          <a:p>
+            <a:r>
+              <a:rPr lang="en-US" smtClean="0"/>
+              <a:t>Copyright 2016 Bloomberg L.P. All rights reserved</a:t>
+            </a:r>
+            <a:endParaRPr lang="en-US"/>
+          </a:p>
+        </p:txBody>
+      </p:sp>
+    </p:spTree>
+    <p:extLst>
+      <p:ext uri="{BB962C8B-B14F-4D97-AF65-F5344CB8AC3E}">
+        <p14:creationId xmlns:p14="http://schemas.microsoft.com/office/powerpoint/2010/main" val="1967341716"/>
+      </p:ext>
+    </p:extLst>
+  </p:cSld>
+  <p:clrMapOvr>
+    <a:masterClrMapping/>
+  </p:clrMapOvr>
+  <p:timing>
+    <p:tnLst>
+      <p:par>
+        <p:cTn id="1" dur="indefinite" restart="never" nodeType="tmRoot"/>
+      </p:par>
+    </p:tnLst>
+  </p:timing>
+</p:sld>
+</file>
+
+<file path=ppt/slides/slide14.xml><?xml version="1.0" encoding="utf-8"?>
+<p:sld xmlns:a="http://schemas.openxmlformats.org/drawingml/2006/main" xmlns:r="http://schemas.openxmlformats.org/officeDocument/2006/relationships" xmlns:p="http://schemas.openxmlformats.org/presentationml/2006/main">
+  <p:cSld>
+    <p:spTree>
+      <p:nvGrpSpPr>
+        <p:cNvPr id="1" name=""/>
+        <p:cNvGrpSpPr/>
+        <p:nvPr/>
+      </p:nvGrpSpPr>
+      <p:grpSpPr>
+        <a:xfrm>
+          <a:off x="0" y="0"/>
+          <a:ext cx="0" cy="0"/>
+          <a:chOff x="0" y="0"/>
+          <a:chExt cx="0" cy="0"/>
+        </a:xfrm>
+      </p:grpSpPr>
+      <p:sp>
+        <p:nvSpPr>
+          <p:cNvPr id="2" name="Title 1"/>
+          <p:cNvSpPr>
+            <a:spLocks noGrp="1"/>
+          </p:cNvSpPr>
+          <p:nvPr>
+            <p:ph type="title"/>
+          </p:nvPr>
+        </p:nvSpPr>
+        <p:spPr/>
+        <p:txBody>
+          <a:bodyPr/>
+          <a:lstStyle/>
+          <a:p>
+            <a:r>
+              <a:rPr lang="en-US" dirty="0" smtClean="0"/>
+              <a:t>A Use Case </a:t>
+            </a:r>
+            <a:r>
+              <a:rPr lang="en-US" dirty="0"/>
+              <a:t>E</a:t>
+            </a:r>
+            <a:r>
+              <a:rPr lang="en-US" dirty="0" smtClean="0"/>
+              <a:t>xample</a:t>
+            </a:r>
+            <a:endParaRPr lang="en-US" dirty="0"/>
+          </a:p>
+        </p:txBody>
+      </p:sp>
+      <p:sp>
+        <p:nvSpPr>
+          <p:cNvPr id="3" name="Content Placeholder 2"/>
+          <p:cNvSpPr>
+            <a:spLocks noGrp="1"/>
+          </p:cNvSpPr>
+          <p:nvPr>
+            <p:ph idx="1"/>
+          </p:nvPr>
+        </p:nvSpPr>
+        <p:spPr/>
+        <p:txBody>
+          <a:bodyPr>
+            <a:noAutofit/>
+          </a:bodyPr>
+          <a:lstStyle/>
+          <a:p>
+            <a:pPr marL="0" indent="0">
+              <a:buNone/>
+            </a:pPr>
+            <a:r>
+              <a:rPr lang="en-US" sz="2800" dirty="0" smtClean="0"/>
+              <a:t>Alternative </a:t>
+            </a:r>
+            <a:r>
+              <a:rPr lang="en-US" sz="2800" dirty="0"/>
+              <a:t>Flows:</a:t>
+            </a:r>
+          </a:p>
+          <a:p>
+            <a:pPr marL="0" indent="0">
+              <a:buNone/>
+            </a:pPr>
+            <a:r>
+              <a:rPr lang="en-US" sz="2800" dirty="0" smtClean="0"/>
+              <a:t>3a</a:t>
+            </a:r>
+            <a:r>
+              <a:rPr lang="en-US" sz="2800" dirty="0"/>
+              <a:t>. If the system finds out that the item is empty, then</a:t>
+            </a:r>
+          </a:p>
+          <a:p>
+            <a:pPr marL="0" indent="0">
+              <a:buNone/>
+            </a:pPr>
+            <a:r>
+              <a:rPr lang="en-US" sz="2800" dirty="0" smtClean="0"/>
+              <a:t>3a-1</a:t>
+            </a:r>
+            <a:r>
+              <a:rPr lang="en-US" sz="2800" dirty="0"/>
+              <a:t>. The system alerts the user that the content is empty, and demands a valid input</a:t>
+            </a:r>
+          </a:p>
+          <a:p>
+            <a:pPr marL="0" indent="0">
+              <a:buNone/>
+            </a:pPr>
+            <a:r>
+              <a:rPr lang="en-US" sz="2800" dirty="0" smtClean="0"/>
+              <a:t>3a-2</a:t>
+            </a:r>
+            <a:r>
+              <a:rPr lang="en-US" sz="2800" dirty="0"/>
+              <a:t>. The user provides a valid input</a:t>
+            </a:r>
+          </a:p>
+          <a:p>
+            <a:pPr marL="0" indent="0">
+              <a:buNone/>
+            </a:pPr>
+            <a:r>
+              <a:rPr lang="en-US" sz="2800" dirty="0"/>
+              <a:t>[Go to </a:t>
+            </a:r>
+            <a:r>
+              <a:rPr lang="en-US" sz="2800" dirty="0" smtClean="0"/>
+              <a:t>3] </a:t>
+            </a:r>
+            <a:endParaRPr lang="en-US" sz="2800" dirty="0"/>
+          </a:p>
+        </p:txBody>
+      </p:sp>
+      <p:sp>
+        <p:nvSpPr>
+          <p:cNvPr id="4" name="Footer Placeholder 3"/>
+          <p:cNvSpPr>
+            <a:spLocks noGrp="1"/>
+          </p:cNvSpPr>
+          <p:nvPr>
+            <p:ph type="ftr" sz="quarter" idx="11"/>
+          </p:nvPr>
+        </p:nvSpPr>
+        <p:spPr/>
+        <p:txBody>
+          <a:bodyPr/>
+          <a:lstStyle/>
+          <a:p>
+            <a:r>
+              <a:rPr lang="en-US" smtClean="0"/>
+              <a:t>Copyright 2016 Bloomberg L.P. All rights reserved</a:t>
+            </a:r>
+            <a:endParaRPr lang="en-US"/>
+          </a:p>
+        </p:txBody>
+      </p:sp>
+    </p:spTree>
+    <p:extLst>
+      <p:ext uri="{BB962C8B-B14F-4D97-AF65-F5344CB8AC3E}">
+        <p14:creationId xmlns:p14="http://schemas.microsoft.com/office/powerpoint/2010/main" val="33442229"/>
+      </p:ext>
+    </p:extLst>
+  </p:cSld>
+  <p:clrMapOvr>
+    <a:masterClrMapping/>
+  </p:clrMapOvr>
+  <p:timing>
+    <p:tnLst>
+      <p:par>
+        <p:cTn id="1" dur="indefinite" restart="never" nodeType="tmRoot"/>
+      </p:par>
+    </p:tnLst>
+  </p:timing>
+</p:sld>
+</file>
+
+<file path=ppt/slides/slide15.xml><?xml version="1.0" encoding="utf-8"?>
+<p:sld xmlns:a="http://schemas.openxmlformats.org/drawingml/2006/main" xmlns:r="http://schemas.openxmlformats.org/officeDocument/2006/relationships" xmlns:p="http://schemas.openxmlformats.org/presentationml/2006/main">
+  <p:cSld>
+    <p:spTree>
+      <p:nvGrpSpPr>
+        <p:cNvPr id="1" name=""/>
+        <p:cNvGrpSpPr/>
+        <p:nvPr/>
+      </p:nvGrpSpPr>
+      <p:grpSpPr>
+        <a:xfrm>
+          <a:off x="0" y="0"/>
+          <a:ext cx="0" cy="0"/>
+          <a:chOff x="0" y="0"/>
+          <a:chExt cx="0" cy="0"/>
+        </a:xfrm>
+      </p:grpSpPr>
+      <p:sp>
+        <p:nvSpPr>
+          <p:cNvPr id="2" name="Title 1"/>
+          <p:cNvSpPr>
+            <a:spLocks noGrp="1"/>
+          </p:cNvSpPr>
+          <p:nvPr>
+            <p:ph type="title"/>
+          </p:nvPr>
+        </p:nvSpPr>
+        <p:spPr/>
+        <p:txBody>
           <a:bodyPr>
             <a:normAutofit/>
           </a:bodyPr>
@@ -6763,15 +7941,7 @@
           <a:p>
             <a:r>
               <a:rPr lang="en-US" dirty="0" smtClean="0"/>
-              <a:t>How </a:t>
-            </a:r>
-            <a:r>
-              <a:rPr lang="en-US" dirty="0" smtClean="0"/>
-              <a:t>expectations are </a:t>
-            </a:r>
-            <a:r>
-              <a:rPr lang="en-US" dirty="0" smtClean="0"/>
-              <a:t>NOT met</a:t>
+              <a:t>How expectations are NOT met</a:t>
             </a:r>
             <a:endParaRPr lang="en-US" dirty="0"/>
           </a:p>
@@ -6925,13 +8095,8 @@
             <a:p>
               <a:r>
                 <a:rPr lang="en-US" dirty="0" smtClean="0"/>
-                <a:t>Product Manager &amp; Other </a:t>
+                <a:t>Product Manager &amp; Other Stakeholders</a:t>
               </a:r>
-              <a:r>
-                <a:rPr lang="en-US" dirty="0" smtClean="0"/>
-                <a:t>Stakeholders</a:t>
-              </a:r>
-              <a:endParaRPr lang="en-US" dirty="0" smtClean="0"/>
             </a:p>
           </p:txBody>
         </p:sp>
@@ -7450,7 +8615,7 @@
 </p:sld>
 </file>
 
-<file path=ppt/slides/slide12.xml><?xml version="1.0" encoding="utf-8"?>
+<file path=ppt/slides/slide16.xml><?xml version="1.0" encoding="utf-8"?>
 <p:sld xmlns:a="http://schemas.openxmlformats.org/drawingml/2006/main" xmlns:r="http://schemas.openxmlformats.org/officeDocument/2006/relationships" xmlns:p="http://schemas.openxmlformats.org/presentationml/2006/main">
   <p:cSld>
     <p:spTree>
@@ -7584,7 +8749,7 @@
 </p:sld>
 </file>
 
-<file path=ppt/slides/slide13.xml><?xml version="1.0" encoding="utf-8"?>
+<file path=ppt/slides/slide17.xml><?xml version="1.0" encoding="utf-8"?>
 <p:sld xmlns:a="http://schemas.openxmlformats.org/drawingml/2006/main" xmlns:r="http://schemas.openxmlformats.org/officeDocument/2006/relationships" xmlns:p="http://schemas.openxmlformats.org/presentationml/2006/main">
   <p:cSld>
     <p:spTree>
@@ -7692,11 +8857,6 @@
               </a:rPr>
               <a:t>Prototype</a:t>
             </a:r>
-            <a:endParaRPr lang="en-US" dirty="0">
-              <a:solidFill>
-                <a:schemeClr val="tx1"/>
-              </a:solidFill>
-            </a:endParaRPr>
           </a:p>
         </p:txBody>
       </p:sp>
@@ -8532,14 +9692,6 @@
               </a:rPr>
               <a:t>Exp2</a:t>
             </a:r>
-            <a:endParaRPr lang="en-US" dirty="0">
-              <a:solidFill>
-                <a:schemeClr val="tx2">
-                  <a:lumMod val="60000"/>
-                  <a:lumOff val="40000"/>
-                </a:schemeClr>
-              </a:solidFill>
-            </a:endParaRPr>
           </a:p>
         </p:txBody>
       </p:sp>
@@ -8589,14 +9741,6 @@
               </a:rPr>
               <a:t>Exp3</a:t>
             </a:r>
-            <a:endParaRPr lang="en-US" dirty="0">
-              <a:solidFill>
-                <a:schemeClr val="tx2">
-                  <a:lumMod val="60000"/>
-                  <a:lumOff val="40000"/>
-                </a:schemeClr>
-              </a:solidFill>
-            </a:endParaRPr>
           </a:p>
         </p:txBody>
       </p:sp>
@@ -8646,14 +9790,6 @@
               </a:rPr>
               <a:t>Exp4</a:t>
             </a:r>
-            <a:endParaRPr lang="en-US" dirty="0">
-              <a:solidFill>
-                <a:schemeClr val="tx2">
-                  <a:lumMod val="60000"/>
-                  <a:lumOff val="40000"/>
-                </a:schemeClr>
-              </a:solidFill>
-            </a:endParaRPr>
           </a:p>
         </p:txBody>
       </p:sp>
@@ -8703,14 +9839,6 @@
               </a:rPr>
               <a:t>Exp1</a:t>
             </a:r>
-            <a:endParaRPr lang="en-US" dirty="0">
-              <a:solidFill>
-                <a:schemeClr val="tx2">
-                  <a:lumMod val="60000"/>
-                  <a:lumOff val="40000"/>
-                </a:schemeClr>
-              </a:solidFill>
-            </a:endParaRPr>
           </a:p>
         </p:txBody>
       </p:sp>
@@ -8734,7 +9862,7 @@
 </p:sld>
 </file>
 
-<file path=ppt/slides/slide14.xml><?xml version="1.0" encoding="utf-8"?>
+<file path=ppt/slides/slide18.xml><?xml version="1.0" encoding="utf-8"?>
 <p:sld xmlns:a="http://schemas.openxmlformats.org/drawingml/2006/main" xmlns:r="http://schemas.openxmlformats.org/officeDocument/2006/relationships" xmlns:p="http://schemas.openxmlformats.org/presentationml/2006/main">
   <p:cSld>
     <p:spTree>
@@ -8867,11 +9995,6 @@
                 </a:rPr>
                 <a:t>Prototype</a:t>
               </a:r>
-              <a:endParaRPr lang="en-US" sz="1100" dirty="0">
-                <a:solidFill>
-                  <a:schemeClr val="tx1"/>
-                </a:solidFill>
-              </a:endParaRPr>
             </a:p>
           </p:txBody>
         </p:sp>
@@ -9150,11 +10273,6 @@
                 </a:rPr>
                 <a:t>Prototype</a:t>
               </a:r>
-              <a:endParaRPr lang="en-US" sz="1100" dirty="0">
-                <a:solidFill>
-                  <a:schemeClr val="tx1"/>
-                </a:solidFill>
-              </a:endParaRPr>
             </a:p>
           </p:txBody>
         </p:sp>
@@ -9433,11 +10551,6 @@
                 </a:rPr>
                 <a:t>Prototype</a:t>
               </a:r>
-              <a:endParaRPr lang="en-US" sz="1100" dirty="0">
-                <a:solidFill>
-                  <a:schemeClr val="tx1"/>
-                </a:solidFill>
-              </a:endParaRPr>
             </a:p>
           </p:txBody>
         </p:sp>
@@ -9716,11 +10829,6 @@
                 </a:rPr>
                 <a:t>Prototype</a:t>
               </a:r>
-              <a:endParaRPr lang="en-US" sz="1100" dirty="0">
-                <a:solidFill>
-                  <a:schemeClr val="tx1"/>
-                </a:solidFill>
-              </a:endParaRPr>
             </a:p>
           </p:txBody>
         </p:sp>
@@ -10040,13 +11148,8 @@
           <a:p>
             <a:r>
               <a:rPr lang="en-US" dirty="0" smtClean="0"/>
-              <a:t>Product Manager &amp; Other </a:t>
-            </a:r>
-            <a:r>
-              <a:rPr lang="en-US" dirty="0" smtClean="0"/>
-              <a:t>Stakeholders</a:t>
-            </a:r>
-            <a:endParaRPr lang="en-US" dirty="0" smtClean="0"/>
+              <a:t>Product Manager &amp; Other Stakeholders</a:t>
+            </a:r>
           </a:p>
         </p:txBody>
       </p:sp>
@@ -10054,556 +11157,6 @@
     <p:extLst>
       <p:ext uri="{BB962C8B-B14F-4D97-AF65-F5344CB8AC3E}">
         <p14:creationId xmlns:p14="http://schemas.microsoft.com/office/powerpoint/2010/main" val="336803920"/>
-      </p:ext>
-    </p:extLst>
-  </p:cSld>
-  <p:clrMapOvr>
-    <a:masterClrMapping/>
-  </p:clrMapOvr>
-  <p:timing>
-    <p:tnLst>
-      <p:par>
-        <p:cTn id="1" dur="indefinite" restart="never" nodeType="tmRoot"/>
-      </p:par>
-    </p:tnLst>
-  </p:timing>
-</p:sld>
-</file>
-
-<file path=ppt/slides/slide15.xml><?xml version="1.0" encoding="utf-8"?>
-<p:sld xmlns:a="http://schemas.openxmlformats.org/drawingml/2006/main" xmlns:r="http://schemas.openxmlformats.org/officeDocument/2006/relationships" xmlns:p="http://schemas.openxmlformats.org/presentationml/2006/main">
-  <p:cSld>
-    <p:spTree>
-      <p:nvGrpSpPr>
-        <p:cNvPr id="1" name=""/>
-        <p:cNvGrpSpPr/>
-        <p:nvPr/>
-      </p:nvGrpSpPr>
-      <p:grpSpPr>
-        <a:xfrm>
-          <a:off x="0" y="0"/>
-          <a:ext cx="0" cy="0"/>
-          <a:chOff x="0" y="0"/>
-          <a:chExt cx="0" cy="0"/>
-        </a:xfrm>
-      </p:grpSpPr>
-      <p:sp>
-        <p:nvSpPr>
-          <p:cNvPr id="2" name="Title 1"/>
-          <p:cNvSpPr>
-            <a:spLocks noGrp="1"/>
-          </p:cNvSpPr>
-          <p:nvPr>
-            <p:ph type="title"/>
-          </p:nvPr>
-        </p:nvSpPr>
-        <p:spPr/>
-        <p:txBody>
-          <a:bodyPr/>
-          <a:lstStyle/>
-          <a:p>
-            <a:r>
-              <a:rPr lang="en-US" dirty="0" smtClean="0"/>
-              <a:t>Paper Prototype</a:t>
-            </a:r>
-            <a:endParaRPr lang="en-US" dirty="0"/>
-          </a:p>
-        </p:txBody>
-      </p:sp>
-      <p:pic>
-        <p:nvPicPr>
-          <p:cNvPr id="4" name="Content Placeholder 3"/>
-          <p:cNvPicPr>
-            <a:picLocks noGrp="1" noChangeAspect="1"/>
-          </p:cNvPicPr>
-          <p:nvPr>
-            <p:ph idx="1"/>
-          </p:nvPr>
-        </p:nvPicPr>
-        <p:blipFill>
-          <a:blip r:embed="rId3">
-            <a:extLst>
-              <a:ext uri="{28A0092B-C50C-407E-A947-70E740481C1C}">
-                <a14:useLocalDpi xmlns:a14="http://schemas.microsoft.com/office/drawing/2010/main" val="0"/>
-              </a:ext>
-            </a:extLst>
-          </a:blip>
-          <a:stretch>
-            <a:fillRect/>
-          </a:stretch>
-        </p:blipFill>
-        <p:spPr>
-          <a:xfrm>
-            <a:off x="1488017" y="1774825"/>
-            <a:ext cx="6167966" cy="4625975"/>
-          </a:xfrm>
-        </p:spPr>
-      </p:pic>
-      <p:sp>
-        <p:nvSpPr>
-          <p:cNvPr id="3" name="Footer Placeholder 2"/>
-          <p:cNvSpPr>
-            <a:spLocks noGrp="1"/>
-          </p:cNvSpPr>
-          <p:nvPr>
-            <p:ph type="ftr" sz="quarter" idx="11"/>
-          </p:nvPr>
-        </p:nvSpPr>
-        <p:spPr/>
-        <p:txBody>
-          <a:bodyPr/>
-          <a:lstStyle/>
-          <a:p>
-            <a:r>
-              <a:rPr lang="en-US" smtClean="0"/>
-              <a:t>Copyright 2016 Bloomberg L.P. All rights reserved</a:t>
-            </a:r>
-            <a:endParaRPr lang="en-US"/>
-          </a:p>
-        </p:txBody>
-      </p:sp>
-    </p:spTree>
-    <p:extLst>
-      <p:ext uri="{BB962C8B-B14F-4D97-AF65-F5344CB8AC3E}">
-        <p14:creationId xmlns:p14="http://schemas.microsoft.com/office/powerpoint/2010/main" val="1184504251"/>
-      </p:ext>
-    </p:extLst>
-  </p:cSld>
-  <p:clrMapOvr>
-    <a:masterClrMapping/>
-  </p:clrMapOvr>
-  <p:timing>
-    <p:tnLst>
-      <p:par>
-        <p:cTn id="1" dur="indefinite" restart="never" nodeType="tmRoot"/>
-      </p:par>
-    </p:tnLst>
-  </p:timing>
-</p:sld>
-</file>
-
-<file path=ppt/slides/slide16.xml><?xml version="1.0" encoding="utf-8"?>
-<p:sld xmlns:a="http://schemas.openxmlformats.org/drawingml/2006/main" xmlns:r="http://schemas.openxmlformats.org/officeDocument/2006/relationships" xmlns:p="http://schemas.openxmlformats.org/presentationml/2006/main">
-  <p:cSld>
-    <p:spTree>
-      <p:nvGrpSpPr>
-        <p:cNvPr id="1" name=""/>
-        <p:cNvGrpSpPr/>
-        <p:nvPr/>
-      </p:nvGrpSpPr>
-      <p:grpSpPr>
-        <a:xfrm>
-          <a:off x="0" y="0"/>
-          <a:ext cx="0" cy="0"/>
-          <a:chOff x="0" y="0"/>
-          <a:chExt cx="0" cy="0"/>
-        </a:xfrm>
-      </p:grpSpPr>
-      <p:sp>
-        <p:nvSpPr>
-          <p:cNvPr id="2" name="Title 1"/>
-          <p:cNvSpPr>
-            <a:spLocks noGrp="1"/>
-          </p:cNvSpPr>
-          <p:nvPr>
-            <p:ph type="title"/>
-          </p:nvPr>
-        </p:nvSpPr>
-        <p:spPr/>
-        <p:txBody>
-          <a:bodyPr/>
-          <a:lstStyle/>
-          <a:p>
-            <a:r>
-              <a:rPr lang="en-US" dirty="0" smtClean="0"/>
-              <a:t>Other Prototypes</a:t>
-            </a:r>
-            <a:endParaRPr lang="en-US" dirty="0"/>
-          </a:p>
-        </p:txBody>
-      </p:sp>
-      <p:sp>
-        <p:nvSpPr>
-          <p:cNvPr id="3" name="Content Placeholder 2"/>
-          <p:cNvSpPr>
-            <a:spLocks noGrp="1"/>
-          </p:cNvSpPr>
-          <p:nvPr>
-            <p:ph idx="1"/>
-          </p:nvPr>
-        </p:nvSpPr>
-        <p:spPr/>
-        <p:txBody>
-          <a:bodyPr>
-            <a:normAutofit/>
-          </a:bodyPr>
-          <a:lstStyle/>
-          <a:p>
-            <a:r>
-              <a:rPr lang="en-US" sz="2400" dirty="0" smtClean="0"/>
-              <a:t>Microsoft PowerPoint: a storyboard to illustrate a series of user-system interaction (use case). </a:t>
-            </a:r>
-          </a:p>
-          <a:p>
-            <a:pPr marL="118872" indent="0">
-              <a:buNone/>
-            </a:pPr>
-            <a:endParaRPr lang="en-US" sz="2400" dirty="0" smtClean="0"/>
-          </a:p>
-          <a:p>
-            <a:r>
-              <a:rPr lang="en-US" sz="2400" dirty="0" smtClean="0"/>
-              <a:t>Interactive: a minimal running program that provides the UI interactions to the user. </a:t>
-            </a:r>
-          </a:p>
-          <a:p>
-            <a:pPr lvl="1"/>
-            <a:r>
-              <a:rPr lang="en-US" sz="2000" dirty="0">
-                <a:hlinkClick r:id="rId3"/>
-              </a:rPr>
-              <a:t>http://</a:t>
-            </a:r>
-            <a:r>
-              <a:rPr lang="en-US" sz="2000" dirty="0" smtClean="0">
-                <a:hlinkClick r:id="rId3"/>
-              </a:rPr>
-              <a:t>plnkr.co/edit/9s3RAnFEE2r8PWeCQmLO?p=preview</a:t>
-            </a:r>
-            <a:endParaRPr lang="en-US" sz="2000" dirty="0" smtClean="0"/>
-          </a:p>
-          <a:p>
-            <a:endParaRPr lang="en-US" sz="2400" dirty="0" smtClean="0"/>
-          </a:p>
-          <a:p>
-            <a:r>
-              <a:rPr lang="en-US" sz="2400" dirty="0" smtClean="0"/>
-              <a:t>When building a prototype</a:t>
-            </a:r>
-            <a:endParaRPr lang="en-US" sz="2400" dirty="0"/>
-          </a:p>
-          <a:p>
-            <a:pPr lvl="1"/>
-            <a:r>
-              <a:rPr lang="en-US" sz="2000" dirty="0" smtClean="0"/>
-              <a:t>Keep it fast</a:t>
-            </a:r>
-          </a:p>
-          <a:p>
-            <a:pPr lvl="1"/>
-            <a:r>
-              <a:rPr lang="en-US" sz="2000" dirty="0" smtClean="0"/>
-              <a:t>Keep it small</a:t>
-            </a:r>
-          </a:p>
-          <a:p>
-            <a:pPr lvl="1"/>
-            <a:r>
-              <a:rPr lang="en-US" sz="2000" dirty="0" smtClean="0"/>
-              <a:t>Keep it “ugly”</a:t>
-            </a:r>
-          </a:p>
-          <a:p>
-            <a:endParaRPr lang="en-US" sz="2400" dirty="0"/>
-          </a:p>
-          <a:p>
-            <a:endParaRPr lang="en-US" sz="2400" dirty="0"/>
-          </a:p>
-        </p:txBody>
-      </p:sp>
-      <p:sp>
-        <p:nvSpPr>
-          <p:cNvPr id="4" name="Footer Placeholder 3"/>
-          <p:cNvSpPr>
-            <a:spLocks noGrp="1"/>
-          </p:cNvSpPr>
-          <p:nvPr>
-            <p:ph type="ftr" sz="quarter" idx="11"/>
-          </p:nvPr>
-        </p:nvSpPr>
-        <p:spPr/>
-        <p:txBody>
-          <a:bodyPr/>
-          <a:lstStyle/>
-          <a:p>
-            <a:r>
-              <a:rPr lang="en-US" smtClean="0"/>
-              <a:t>Copyright 2016 Bloomberg L.P. All rights reserved</a:t>
-            </a:r>
-            <a:endParaRPr lang="en-US"/>
-          </a:p>
-        </p:txBody>
-      </p:sp>
-    </p:spTree>
-    <p:extLst>
-      <p:ext uri="{BB962C8B-B14F-4D97-AF65-F5344CB8AC3E}">
-        <p14:creationId xmlns:p14="http://schemas.microsoft.com/office/powerpoint/2010/main" val="107484900"/>
-      </p:ext>
-    </p:extLst>
-  </p:cSld>
-  <p:clrMapOvr>
-    <a:masterClrMapping/>
-  </p:clrMapOvr>
-  <p:timing>
-    <p:tnLst>
-      <p:par>
-        <p:cTn id="1" dur="indefinite" restart="never" nodeType="tmRoot"/>
-      </p:par>
-    </p:tnLst>
-  </p:timing>
-</p:sld>
-</file>
-
-<file path=ppt/slides/slide17.xml><?xml version="1.0" encoding="utf-8"?>
-<p:sld xmlns:a="http://schemas.openxmlformats.org/drawingml/2006/main" xmlns:r="http://schemas.openxmlformats.org/officeDocument/2006/relationships" xmlns:p="http://schemas.openxmlformats.org/presentationml/2006/main">
-  <p:cSld>
-    <p:spTree>
-      <p:nvGrpSpPr>
-        <p:cNvPr id="1" name=""/>
-        <p:cNvGrpSpPr/>
-        <p:nvPr/>
-      </p:nvGrpSpPr>
-      <p:grpSpPr>
-        <a:xfrm>
-          <a:off x="0" y="0"/>
-          <a:ext cx="0" cy="0"/>
-          <a:chOff x="0" y="0"/>
-          <a:chExt cx="0" cy="0"/>
-        </a:xfrm>
-      </p:grpSpPr>
-      <p:sp>
-        <p:nvSpPr>
-          <p:cNvPr id="2" name="Title 1"/>
-          <p:cNvSpPr>
-            <a:spLocks noGrp="1"/>
-          </p:cNvSpPr>
-          <p:nvPr>
-            <p:ph type="title"/>
-          </p:nvPr>
-        </p:nvSpPr>
-        <p:spPr/>
-        <p:txBody>
-          <a:bodyPr/>
-          <a:lstStyle/>
-          <a:p>
-            <a:r>
-              <a:rPr lang="en-US" dirty="0" smtClean="0"/>
-              <a:t>Prototype --&gt; </a:t>
-            </a:r>
-            <a:r>
-              <a:rPr lang="en-US" dirty="0" smtClean="0">
-                <a:sym typeface="Wingdings" panose="05000000000000000000" pitchFamily="2" charset="2"/>
-              </a:rPr>
-              <a:t>Product?</a:t>
-            </a:r>
-            <a:endParaRPr lang="en-US" dirty="0"/>
-          </a:p>
-        </p:txBody>
-      </p:sp>
-      <p:sp>
-        <p:nvSpPr>
-          <p:cNvPr id="3" name="Content Placeholder 2"/>
-          <p:cNvSpPr>
-            <a:spLocks noGrp="1"/>
-          </p:cNvSpPr>
-          <p:nvPr>
-            <p:ph idx="1"/>
-          </p:nvPr>
-        </p:nvSpPr>
-        <p:spPr/>
-        <p:txBody>
-          <a:bodyPr/>
-          <a:lstStyle/>
-          <a:p>
-            <a:r>
-              <a:rPr lang="en-US" dirty="0" smtClean="0"/>
-              <a:t>In front end web development, we can integrate a prototype into the product we are building. </a:t>
-            </a:r>
-          </a:p>
-        </p:txBody>
-      </p:sp>
-      <p:sp>
-        <p:nvSpPr>
-          <p:cNvPr id="4" name="Footer Placeholder 3"/>
-          <p:cNvSpPr>
-            <a:spLocks noGrp="1"/>
-          </p:cNvSpPr>
-          <p:nvPr>
-            <p:ph type="ftr" sz="quarter" idx="11"/>
-          </p:nvPr>
-        </p:nvSpPr>
-        <p:spPr/>
-        <p:txBody>
-          <a:bodyPr/>
-          <a:lstStyle/>
-          <a:p>
-            <a:r>
-              <a:rPr lang="en-US" smtClean="0"/>
-              <a:t>Copyright 2016 Bloomberg L.P. All rights reserved</a:t>
-            </a:r>
-            <a:endParaRPr lang="en-US"/>
-          </a:p>
-        </p:txBody>
-      </p:sp>
-    </p:spTree>
-    <p:extLst>
-      <p:ext uri="{BB962C8B-B14F-4D97-AF65-F5344CB8AC3E}">
-        <p14:creationId xmlns:p14="http://schemas.microsoft.com/office/powerpoint/2010/main" val="2456047975"/>
-      </p:ext>
-    </p:extLst>
-  </p:cSld>
-  <p:clrMapOvr>
-    <a:masterClrMapping/>
-  </p:clrMapOvr>
-  <p:timing>
-    <p:tnLst>
-      <p:par>
-        <p:cTn id="1" dur="indefinite" restart="never" nodeType="tmRoot"/>
-      </p:par>
-    </p:tnLst>
-  </p:timing>
-</p:sld>
-</file>
-
-<file path=ppt/slides/slide18.xml><?xml version="1.0" encoding="utf-8"?>
-<p:sld xmlns:a="http://schemas.openxmlformats.org/drawingml/2006/main" xmlns:r="http://schemas.openxmlformats.org/officeDocument/2006/relationships" xmlns:p="http://schemas.openxmlformats.org/presentationml/2006/main">
-  <p:cSld>
-    <p:spTree>
-      <p:nvGrpSpPr>
-        <p:cNvPr id="1" name=""/>
-        <p:cNvGrpSpPr/>
-        <p:nvPr/>
-      </p:nvGrpSpPr>
-      <p:grpSpPr>
-        <a:xfrm>
-          <a:off x="0" y="0"/>
-          <a:ext cx="0" cy="0"/>
-          <a:chOff x="0" y="0"/>
-          <a:chExt cx="0" cy="0"/>
-        </a:xfrm>
-      </p:grpSpPr>
-      <p:sp>
-        <p:nvSpPr>
-          <p:cNvPr id="2" name="Title 1"/>
-          <p:cNvSpPr>
-            <a:spLocks noGrp="1"/>
-          </p:cNvSpPr>
-          <p:nvPr>
-            <p:ph type="title"/>
-          </p:nvPr>
-        </p:nvSpPr>
-        <p:spPr/>
-        <p:txBody>
-          <a:bodyPr/>
-          <a:lstStyle/>
-          <a:p>
-            <a:r>
-              <a:rPr lang="en-US" dirty="0" smtClean="0"/>
-              <a:t>Let’s build a to-do List</a:t>
-            </a:r>
-            <a:endParaRPr lang="en-US" dirty="0"/>
-          </a:p>
-        </p:txBody>
-      </p:sp>
-      <p:sp>
-        <p:nvSpPr>
-          <p:cNvPr id="3" name="Content Placeholder 2"/>
-          <p:cNvSpPr>
-            <a:spLocks noGrp="1"/>
-          </p:cNvSpPr>
-          <p:nvPr>
-            <p:ph idx="1"/>
-          </p:nvPr>
-        </p:nvSpPr>
-        <p:spPr/>
-        <p:txBody>
-          <a:bodyPr>
-            <a:normAutofit/>
-          </a:bodyPr>
-          <a:lstStyle/>
-          <a:p>
-            <a:r>
-              <a:rPr lang="en-US" dirty="0" smtClean="0"/>
-              <a:t>A to-do list is like “</a:t>
-            </a:r>
-            <a:r>
-              <a:rPr lang="en-US" dirty="0" err="1" smtClean="0"/>
-              <a:t>HelloWorld</a:t>
-            </a:r>
-            <a:r>
-              <a:rPr lang="en-US" dirty="0" smtClean="0"/>
-              <a:t>” in front end web development.</a:t>
-            </a:r>
-          </a:p>
-          <a:p>
-            <a:pPr marL="0" indent="0">
-              <a:buNone/>
-            </a:pPr>
-            <a:endParaRPr lang="en-US" dirty="0" smtClean="0"/>
-          </a:p>
-          <a:p>
-            <a:r>
-              <a:rPr lang="en-US" dirty="0" smtClean="0"/>
-              <a:t>Real world precondition:</a:t>
-            </a:r>
-          </a:p>
-          <a:p>
-            <a:pPr lvl="1"/>
-            <a:r>
-              <a:rPr lang="en-US" dirty="0" smtClean="0"/>
-              <a:t>Vision document</a:t>
-            </a:r>
-          </a:p>
-          <a:p>
-            <a:pPr lvl="1"/>
-            <a:r>
-              <a:rPr lang="en-US" dirty="0" smtClean="0"/>
-              <a:t>Backlog</a:t>
-            </a:r>
-          </a:p>
-          <a:p>
-            <a:pPr lvl="1"/>
-            <a:r>
-              <a:rPr lang="en-US" dirty="0" smtClean="0"/>
-              <a:t>Use cases</a:t>
-            </a:r>
-          </a:p>
-          <a:p>
-            <a:pPr lvl="1"/>
-            <a:r>
-              <a:rPr lang="en-US" dirty="0" smtClean="0"/>
-              <a:t>(Ideally) Prototypes verified with stakeholders</a:t>
-            </a:r>
-          </a:p>
-        </p:txBody>
-      </p:sp>
-      <p:sp>
-        <p:nvSpPr>
-          <p:cNvPr id="4" name="Footer Placeholder 3"/>
-          <p:cNvSpPr>
-            <a:spLocks noGrp="1"/>
-          </p:cNvSpPr>
-          <p:nvPr>
-            <p:ph type="ftr" sz="quarter" idx="11"/>
-          </p:nvPr>
-        </p:nvSpPr>
-        <p:spPr/>
-        <p:txBody>
-          <a:bodyPr/>
-          <a:lstStyle/>
-          <a:p>
-            <a:r>
-              <a:rPr lang="en-US" smtClean="0"/>
-              <a:t>Copyright 2016 Bloomberg L.P. All rights reserved</a:t>
-            </a:r>
-            <a:endParaRPr lang="en-US"/>
-          </a:p>
-        </p:txBody>
-      </p:sp>
-    </p:spTree>
-    <p:extLst>
-      <p:ext uri="{BB962C8B-B14F-4D97-AF65-F5344CB8AC3E}">
-        <p14:creationId xmlns:p14="http://schemas.microsoft.com/office/powerpoint/2010/main" val="3823782817"/>
       </p:ext>
     </p:extLst>
   </p:cSld>
@@ -10639,7 +11192,7 @@
       </p:grpSpPr>
       <p:sp>
         <p:nvSpPr>
-          <p:cNvPr id="4" name="Title 3"/>
+          <p:cNvPr id="2" name="Title 1"/>
           <p:cNvSpPr>
             <a:spLocks noGrp="1"/>
           </p:cNvSpPr>
@@ -10654,277 +11207,44 @@
           <a:p>
             <a:r>
               <a:rPr lang="en-US" dirty="0" smtClean="0"/>
-              <a:t>Working Together</a:t>
+              <a:t>Paper Prototype</a:t>
             </a:r>
             <a:endParaRPr lang="en-US" dirty="0"/>
           </a:p>
         </p:txBody>
       </p:sp>
-      <p:sp>
-        <p:nvSpPr>
-          <p:cNvPr id="5" name="Content Placeholder 4"/>
-          <p:cNvSpPr>
-            <a:spLocks noGrp="1"/>
-          </p:cNvSpPr>
-          <p:nvPr>
-            <p:ph sz="half" idx="1"/>
-          </p:nvPr>
-        </p:nvSpPr>
-        <p:spPr/>
-        <p:txBody>
-          <a:bodyPr>
-            <a:normAutofit/>
-          </a:bodyPr>
-          <a:lstStyle/>
-          <a:p>
-            <a:r>
-              <a:rPr lang="en-US" dirty="0" smtClean="0"/>
-              <a:t>Designers deliver</a:t>
-            </a:r>
-          </a:p>
-          <a:p>
-            <a:pPr lvl="1"/>
-            <a:r>
-              <a:rPr lang="en-US" dirty="0" smtClean="0">
-                <a:solidFill>
-                  <a:srgbClr val="C00000"/>
-                </a:solidFill>
-              </a:rPr>
-              <a:t>Wireframes</a:t>
-            </a:r>
-          </a:p>
-          <a:p>
-            <a:pPr marL="457200" lvl="1" indent="0">
-              <a:buNone/>
-            </a:pPr>
-            <a:r>
-              <a:rPr lang="en-US" dirty="0">
-                <a:solidFill>
-                  <a:srgbClr val="C00000"/>
-                </a:solidFill>
-              </a:rPr>
-              <a:t>  </a:t>
-            </a:r>
-            <a:r>
-              <a:rPr lang="en-US" dirty="0" smtClean="0">
-                <a:solidFill>
-                  <a:srgbClr val="C00000"/>
-                </a:solidFill>
-              </a:rPr>
-              <a:t>   (structure)</a:t>
-            </a:r>
-          </a:p>
-          <a:p>
-            <a:pPr lvl="1"/>
-            <a:endParaRPr lang="en-US" dirty="0" smtClean="0">
-              <a:solidFill>
-                <a:schemeClr val="accent5">
-                  <a:lumMod val="75000"/>
-                </a:schemeClr>
-              </a:solidFill>
-            </a:endParaRPr>
-          </a:p>
-          <a:p>
-            <a:pPr lvl="1"/>
-            <a:r>
-              <a:rPr lang="en-US" dirty="0" smtClean="0">
-                <a:solidFill>
-                  <a:schemeClr val="accent5">
-                    <a:lumMod val="75000"/>
-                  </a:schemeClr>
-                </a:solidFill>
-              </a:rPr>
-              <a:t>Storyboards</a:t>
-            </a:r>
-          </a:p>
-          <a:p>
-            <a:pPr marL="457200" lvl="1" indent="0">
-              <a:buNone/>
-            </a:pPr>
-            <a:r>
-              <a:rPr lang="en-US" dirty="0" smtClean="0">
-                <a:solidFill>
-                  <a:schemeClr val="accent5">
-                    <a:lumMod val="75000"/>
-                  </a:schemeClr>
-                </a:solidFill>
-              </a:rPr>
-              <a:t>     (interaction)</a:t>
-            </a:r>
-          </a:p>
-          <a:p>
-            <a:pPr lvl="1"/>
-            <a:endParaRPr lang="en-US" dirty="0" smtClean="0">
-              <a:solidFill>
-                <a:schemeClr val="accent4">
-                  <a:lumMod val="75000"/>
-                </a:schemeClr>
-              </a:solidFill>
-            </a:endParaRPr>
-          </a:p>
-          <a:p>
-            <a:pPr lvl="1"/>
-            <a:r>
-              <a:rPr lang="en-US" dirty="0" smtClean="0">
-                <a:solidFill>
-                  <a:schemeClr val="accent4">
-                    <a:lumMod val="75000"/>
-                  </a:schemeClr>
-                </a:solidFill>
-              </a:rPr>
-              <a:t>Visual style guides    (visual detail)</a:t>
-            </a:r>
-          </a:p>
-          <a:p>
-            <a:pPr lvl="1"/>
-            <a:endParaRPr lang="en-US" dirty="0"/>
-          </a:p>
-        </p:txBody>
-      </p:sp>
-      <p:sp>
-        <p:nvSpPr>
-          <p:cNvPr id="6" name="Content Placeholder 5"/>
-          <p:cNvSpPr>
-            <a:spLocks noGrp="1"/>
-          </p:cNvSpPr>
-          <p:nvPr>
-            <p:ph sz="half" idx="2"/>
-          </p:nvPr>
-        </p:nvSpPr>
-        <p:spPr/>
-        <p:txBody>
-          <a:bodyPr>
-            <a:normAutofit/>
-          </a:bodyPr>
-          <a:lstStyle/>
-          <a:p>
-            <a:r>
-              <a:rPr lang="en-US" dirty="0" smtClean="0"/>
-              <a:t>Developers deliver</a:t>
-            </a:r>
-          </a:p>
-          <a:p>
-            <a:pPr lvl="1"/>
-            <a:r>
-              <a:rPr lang="en-US" dirty="0" smtClean="0">
-                <a:solidFill>
-                  <a:srgbClr val="C00000"/>
-                </a:solidFill>
-              </a:rPr>
-              <a:t>HTML</a:t>
-            </a:r>
-          </a:p>
-          <a:p>
-            <a:pPr marL="457200" lvl="1" indent="0">
-              <a:buNone/>
-            </a:pPr>
-            <a:r>
-              <a:rPr lang="en-US" dirty="0" smtClean="0">
-                <a:solidFill>
-                  <a:srgbClr val="C00000"/>
-                </a:solidFill>
-              </a:rPr>
-              <a:t>    (structure)</a:t>
-            </a:r>
-          </a:p>
-          <a:p>
-            <a:pPr lvl="1"/>
-            <a:endParaRPr lang="en-US" dirty="0" smtClean="0">
-              <a:solidFill>
-                <a:schemeClr val="accent5">
-                  <a:lumMod val="75000"/>
-                </a:schemeClr>
-              </a:solidFill>
-            </a:endParaRPr>
-          </a:p>
-          <a:p>
-            <a:pPr lvl="1"/>
-            <a:r>
-              <a:rPr lang="en-US" dirty="0" smtClean="0">
-                <a:solidFill>
-                  <a:schemeClr val="accent5">
-                    <a:lumMod val="75000"/>
-                  </a:schemeClr>
-                </a:solidFill>
-              </a:rPr>
-              <a:t>JavaScript</a:t>
-            </a:r>
-          </a:p>
-          <a:p>
-            <a:pPr marL="457200" lvl="1" indent="0">
-              <a:buNone/>
-            </a:pPr>
-            <a:r>
-              <a:rPr lang="en-US" dirty="0" smtClean="0">
-                <a:solidFill>
-                  <a:schemeClr val="accent5">
-                    <a:lumMod val="75000"/>
-                  </a:schemeClr>
-                </a:solidFill>
-              </a:rPr>
-              <a:t>    (interaction)</a:t>
-            </a:r>
-          </a:p>
-          <a:p>
-            <a:pPr lvl="1"/>
-            <a:endParaRPr lang="en-US" dirty="0" smtClean="0">
-              <a:solidFill>
-                <a:schemeClr val="accent4">
-                  <a:lumMod val="75000"/>
-                </a:schemeClr>
-              </a:solidFill>
-            </a:endParaRPr>
-          </a:p>
-          <a:p>
-            <a:pPr lvl="1"/>
-            <a:r>
-              <a:rPr lang="en-US" dirty="0" smtClean="0">
-                <a:solidFill>
-                  <a:schemeClr val="accent4">
-                    <a:lumMod val="75000"/>
-                  </a:schemeClr>
-                </a:solidFill>
-              </a:rPr>
-              <a:t>CSS</a:t>
-            </a:r>
-          </a:p>
-          <a:p>
-            <a:pPr marL="457200" lvl="1" indent="0">
-              <a:buNone/>
-            </a:pPr>
-            <a:r>
-              <a:rPr lang="en-US" dirty="0">
-                <a:solidFill>
-                  <a:schemeClr val="accent4">
-                    <a:lumMod val="75000"/>
-                  </a:schemeClr>
-                </a:solidFill>
-              </a:rPr>
-              <a:t> </a:t>
-            </a:r>
-            <a:r>
-              <a:rPr lang="en-US" dirty="0" smtClean="0">
-                <a:solidFill>
-                  <a:schemeClr val="accent4">
-                    <a:lumMod val="75000"/>
-                  </a:schemeClr>
-                </a:solidFill>
-              </a:rPr>
-              <a:t>   (visual detail)</a:t>
-            </a:r>
-            <a:endParaRPr lang="en-US" dirty="0">
-              <a:solidFill>
-                <a:schemeClr val="accent4">
-                  <a:lumMod val="75000"/>
-                </a:schemeClr>
-              </a:solidFill>
-            </a:endParaRPr>
-          </a:p>
-        </p:txBody>
-      </p:sp>
-      <p:sp>
-        <p:nvSpPr>
-          <p:cNvPr id="2" name="Footer Placeholder 1"/>
+      <p:pic>
+        <p:nvPicPr>
+          <p:cNvPr id="4" name="Content Placeholder 3"/>
+          <p:cNvPicPr>
+            <a:picLocks noGrp="1" noChangeAspect="1"/>
+          </p:cNvPicPr>
+          <p:nvPr>
+            <p:ph idx="1"/>
+          </p:nvPr>
+        </p:nvPicPr>
+        <p:blipFill>
+          <a:blip r:embed="rId3">
+            <a:extLst>
+              <a:ext uri="{28A0092B-C50C-407E-A947-70E740481C1C}">
+                <a14:useLocalDpi xmlns:a14="http://schemas.microsoft.com/office/drawing/2010/main" val="0"/>
+              </a:ext>
+            </a:extLst>
+          </a:blip>
+          <a:stretch>
+            <a:fillRect/>
+          </a:stretch>
+        </p:blipFill>
+        <p:spPr>
+          <a:xfrm>
+            <a:off x="1488017" y="1774825"/>
+            <a:ext cx="6167966" cy="4625975"/>
+          </a:xfrm>
+        </p:spPr>
+      </p:pic>
+      <p:sp>
+        <p:nvSpPr>
+          <p:cNvPr id="3" name="Footer Placeholder 2"/>
           <p:cNvSpPr>
             <a:spLocks noGrp="1"/>
           </p:cNvSpPr>
@@ -10942,89 +11262,13 @@
               <a:t>Copyright 2016 Bloomberg L.P. All rights reserved</a:t>
             </a:r>
             <a:endParaRPr lang="en-US"/>
-          </a:p>
-        </p:txBody>
-      </p:sp>
-      <p:sp>
-        <p:nvSpPr>
-          <p:cNvPr id="7" name="Right Arrow 6"/>
-          <p:cNvSpPr/>
-          <p:nvPr/>
-        </p:nvSpPr>
-        <p:spPr>
-          <a:xfrm>
-            <a:off x="3581400" y="3276600"/>
-            <a:ext cx="1143000" cy="990600"/>
-          </a:xfrm>
-          <a:prstGeom prst="rightArrow">
-            <a:avLst/>
-          </a:prstGeom>
-          <a:effectLst/>
-        </p:spPr>
-        <p:style>
-          <a:lnRef idx="1">
-            <a:schemeClr val="accent2"/>
-          </a:lnRef>
-          <a:fillRef idx="3">
-            <a:schemeClr val="accent2"/>
-          </a:fillRef>
-          <a:effectRef idx="2">
-            <a:schemeClr val="accent2"/>
-          </a:effectRef>
-          <a:fontRef idx="minor">
-            <a:schemeClr val="lt1"/>
-          </a:fontRef>
-        </p:style>
-        <p:txBody>
-          <a:bodyPr rtlCol="0" anchor="ctr"/>
-          <a:lstStyle/>
-          <a:p>
-            <a:pPr algn="ctr"/>
-            <a:endParaRPr lang="en-US"/>
-          </a:p>
-        </p:txBody>
-      </p:sp>
-      <p:sp>
-        <p:nvSpPr>
-          <p:cNvPr id="3" name="Rectangle 2"/>
-          <p:cNvSpPr/>
-          <p:nvPr/>
-        </p:nvSpPr>
-        <p:spPr>
-          <a:xfrm>
-            <a:off x="1665514" y="5747266"/>
-            <a:ext cx="6096000" cy="646331"/>
-          </a:xfrm>
-          <a:prstGeom prst="rect">
-            <a:avLst/>
-          </a:prstGeom>
-        </p:spPr>
-        <p:txBody>
-          <a:bodyPr wrap="square">
-            <a:spAutoFit/>
-          </a:bodyPr>
-          <a:lstStyle/>
-          <a:p>
-            <a:r>
-              <a:rPr lang="en-US" dirty="0" smtClean="0">
-                <a:hlinkClick r:id="rId2"/>
-              </a:rPr>
-              <a:t>Prototype </a:t>
-            </a:r>
-            <a:r>
-              <a:rPr lang="en-US" dirty="0">
-                <a:hlinkClick r:id="rId2"/>
-              </a:rPr>
-              <a:t>http://plnkr.co/edit/9s3RAnFEE2r8PWeCQmLO?p=preview</a:t>
-            </a:r>
-            <a:endParaRPr lang="en-US" dirty="0"/>
           </a:p>
         </p:txBody>
       </p:sp>
     </p:spTree>
     <p:extLst>
       <p:ext uri="{BB962C8B-B14F-4D97-AF65-F5344CB8AC3E}">
-        <p14:creationId xmlns:p14="http://schemas.microsoft.com/office/powerpoint/2010/main" val="2891085134"/>
+        <p14:creationId xmlns:p14="http://schemas.microsoft.com/office/powerpoint/2010/main" val="1184504251"/>
       </p:ext>
     </p:extLst>
   </p:cSld>
@@ -11192,7 +11436,7 @@
           <a:p>
             <a:r>
               <a:rPr lang="en-US" dirty="0" smtClean="0"/>
-              <a:t>Web Designer</a:t>
+              <a:t>Other Prototypes</a:t>
             </a:r>
             <a:endParaRPr lang="en-US" dirty="0"/>
           </a:p>
@@ -11210,43 +11454,80 @@
         </p:nvSpPr>
         <p:spPr/>
         <p:txBody>
-          <a:bodyPr/>
-          <a:lstStyle/>
-          <a:p>
-            <a:r>
-              <a:rPr lang="en-US" dirty="0" smtClean="0"/>
-              <a:t>Page layout</a:t>
-            </a:r>
-          </a:p>
-          <a:p>
-            <a:r>
-              <a:rPr lang="en-US" dirty="0" smtClean="0"/>
-              <a:t>Typography</a:t>
-            </a:r>
-          </a:p>
-          <a:p>
-            <a:r>
-              <a:rPr lang="en-US" dirty="0" smtClean="0"/>
-              <a:t>Color</a:t>
-            </a:r>
-          </a:p>
-          <a:p>
-            <a:r>
-              <a:rPr lang="en-US" dirty="0" smtClean="0"/>
-              <a:t>Animation</a:t>
-            </a:r>
-          </a:p>
-          <a:p>
-            <a:r>
-              <a:rPr lang="en-US" dirty="0" smtClean="0"/>
-              <a:t>Interaction</a:t>
-            </a:r>
-          </a:p>
-          <a:p>
-            <a:pPr marL="0" indent="0">
+          <a:bodyPr>
+            <a:normAutofit/>
+          </a:bodyPr>
+          <a:lstStyle/>
+          <a:p>
+            <a:r>
+              <a:rPr lang="en-US" sz="2400" dirty="0" smtClean="0"/>
+              <a:t>Microsoft PowerPoint: a storyboard to illustrate a series of user-system interaction (use case). </a:t>
+            </a:r>
+          </a:p>
+          <a:p>
+            <a:pPr marL="118872" indent="0">
               <a:buNone/>
             </a:pPr>
-            <a:endParaRPr lang="en-US" dirty="0"/>
+            <a:endParaRPr lang="en-US" sz="2400" dirty="0" smtClean="0"/>
+          </a:p>
+          <a:p>
+            <a:r>
+              <a:rPr lang="en-US" sz="2400" dirty="0" smtClean="0"/>
+              <a:t>Interactive: a minimal running program that provides the UI interactions to the user. </a:t>
+            </a:r>
+          </a:p>
+          <a:p>
+            <a:pPr lvl="1"/>
+            <a:r>
+              <a:rPr lang="en-US" sz="2000" dirty="0">
+                <a:hlinkClick r:id="rId3"/>
+              </a:rPr>
+              <a:t>http://</a:t>
+            </a:r>
+            <a:r>
+              <a:rPr lang="en-US" sz="2000" dirty="0" smtClean="0">
+                <a:hlinkClick r:id="rId3"/>
+              </a:rPr>
+              <a:t>plnkr.co/edit/9s3RAnFEE2r8PWeCQmLO?p=preview</a:t>
+            </a:r>
+            <a:endParaRPr lang="en-US" sz="2000" dirty="0" smtClean="0"/>
+          </a:p>
+          <a:p>
+            <a:endParaRPr lang="en-US" sz="2400" dirty="0" smtClean="0"/>
+          </a:p>
+          <a:p>
+            <a:r>
+              <a:rPr lang="en-US" sz="2400" dirty="0" smtClean="0"/>
+              <a:t>When building a prototype</a:t>
+            </a:r>
+            <a:endParaRPr lang="en-US" sz="2400" dirty="0"/>
+          </a:p>
+          <a:p>
+            <a:pPr lvl="1"/>
+            <a:r>
+              <a:rPr lang="en-US" sz="2000" dirty="0" smtClean="0"/>
+              <a:t>Keep it fast</a:t>
+            </a:r>
+          </a:p>
+          <a:p>
+            <a:pPr lvl="1"/>
+            <a:r>
+              <a:rPr lang="en-US" sz="2000" dirty="0" smtClean="0"/>
+              <a:t>Keep it small</a:t>
+            </a:r>
+          </a:p>
+          <a:p>
+            <a:pPr lvl="1"/>
+            <a:r>
+              <a:rPr lang="en-US" sz="2000" dirty="0" smtClean="0"/>
+              <a:t>Keep it “ugly”</a:t>
+            </a:r>
+          </a:p>
+          <a:p>
+            <a:endParaRPr lang="en-US" sz="2400" dirty="0"/>
+          </a:p>
+          <a:p>
+            <a:endParaRPr lang="en-US" sz="2400" dirty="0"/>
           </a:p>
         </p:txBody>
       </p:sp>
@@ -11276,7 +11557,7 @@
     </p:spTree>
     <p:extLst>
       <p:ext uri="{BB962C8B-B14F-4D97-AF65-F5344CB8AC3E}">
-        <p14:creationId xmlns:p14="http://schemas.microsoft.com/office/powerpoint/2010/main" val="1318406266"/>
+        <p14:creationId xmlns:p14="http://schemas.microsoft.com/office/powerpoint/2010/main" val="107484900"/>
       </p:ext>
     </p:extLst>
   </p:cSld>
@@ -11327,6 +11608,828 @@
           <a:p>
             <a:r>
               <a:rPr lang="en-US" dirty="0" smtClean="0"/>
+              <a:t>Prototype --&gt; </a:t>
+            </a:r>
+            <a:r>
+              <a:rPr lang="en-US" dirty="0" smtClean="0">
+                <a:sym typeface="Wingdings" panose="05000000000000000000" pitchFamily="2" charset="2"/>
+              </a:rPr>
+              <a:t>Product?</a:t>
+            </a:r>
+            <a:endParaRPr lang="en-US" dirty="0"/>
+          </a:p>
+        </p:txBody>
+      </p:sp>
+      <p:sp>
+        <p:nvSpPr>
+          <p:cNvPr id="3" name="Content Placeholder 2"/>
+          <p:cNvSpPr>
+            <a:spLocks noGrp="1"/>
+          </p:cNvSpPr>
+          <p:nvPr>
+            <p:ph idx="1"/>
+          </p:nvPr>
+        </p:nvSpPr>
+        <p:spPr/>
+        <p:txBody>
+          <a:bodyPr/>
+          <a:lstStyle/>
+          <a:p>
+            <a:r>
+              <a:rPr lang="en-US" dirty="0" smtClean="0"/>
+              <a:t>In front end web development, we can integrate a prototype into the product we are building. </a:t>
+            </a:r>
+          </a:p>
+        </p:txBody>
+      </p:sp>
+      <p:sp>
+        <p:nvSpPr>
+          <p:cNvPr id="4" name="Footer Placeholder 3"/>
+          <p:cNvSpPr>
+            <a:spLocks noGrp="1"/>
+          </p:cNvSpPr>
+          <p:nvPr>
+            <p:ph type="ftr" sz="quarter" idx="11"/>
+          </p:nvPr>
+        </p:nvSpPr>
+        <p:spPr/>
+        <p:txBody>
+          <a:bodyPr/>
+          <a:lstStyle/>
+          <a:p>
+            <a:r>
+              <a:rPr lang="en-US" smtClean="0"/>
+              <a:t>Copyright 2016 Bloomberg L.P. All rights reserved</a:t>
+            </a:r>
+            <a:endParaRPr lang="en-US"/>
+          </a:p>
+        </p:txBody>
+      </p:sp>
+    </p:spTree>
+    <p:extLst>
+      <p:ext uri="{BB962C8B-B14F-4D97-AF65-F5344CB8AC3E}">
+        <p14:creationId xmlns:p14="http://schemas.microsoft.com/office/powerpoint/2010/main" val="2456047975"/>
+      </p:ext>
+    </p:extLst>
+  </p:cSld>
+  <p:clrMapOvr>
+    <a:masterClrMapping/>
+  </p:clrMapOvr>
+  <p:timing>
+    <p:tnLst>
+      <p:par>
+        <p:cTn id="1" dur="indefinite" restart="never" nodeType="tmRoot"/>
+      </p:par>
+    </p:tnLst>
+  </p:timing>
+</p:sld>
+</file>
+
+<file path=ppt/slides/slide22.xml><?xml version="1.0" encoding="utf-8"?>
+<p:sld xmlns:a="http://schemas.openxmlformats.org/drawingml/2006/main" xmlns:r="http://schemas.openxmlformats.org/officeDocument/2006/relationships" xmlns:p="http://schemas.openxmlformats.org/presentationml/2006/main">
+  <p:cSld>
+    <p:spTree>
+      <p:nvGrpSpPr>
+        <p:cNvPr id="1" name=""/>
+        <p:cNvGrpSpPr/>
+        <p:nvPr/>
+      </p:nvGrpSpPr>
+      <p:grpSpPr>
+        <a:xfrm>
+          <a:off x="0" y="0"/>
+          <a:ext cx="0" cy="0"/>
+          <a:chOff x="0" y="0"/>
+          <a:chExt cx="0" cy="0"/>
+        </a:xfrm>
+      </p:grpSpPr>
+      <p:sp>
+        <p:nvSpPr>
+          <p:cNvPr id="2" name="Title 1"/>
+          <p:cNvSpPr>
+            <a:spLocks noGrp="1"/>
+          </p:cNvSpPr>
+          <p:nvPr>
+            <p:ph type="title"/>
+          </p:nvPr>
+        </p:nvSpPr>
+        <p:spPr/>
+        <p:txBody>
+          <a:bodyPr/>
+          <a:lstStyle/>
+          <a:p>
+            <a:r>
+              <a:rPr lang="en-US" dirty="0" smtClean="0"/>
+              <a:t>Let’s build a to-do List</a:t>
+            </a:r>
+            <a:endParaRPr lang="en-US" dirty="0"/>
+          </a:p>
+        </p:txBody>
+      </p:sp>
+      <p:sp>
+        <p:nvSpPr>
+          <p:cNvPr id="3" name="Content Placeholder 2"/>
+          <p:cNvSpPr>
+            <a:spLocks noGrp="1"/>
+          </p:cNvSpPr>
+          <p:nvPr>
+            <p:ph idx="1"/>
+          </p:nvPr>
+        </p:nvSpPr>
+        <p:spPr/>
+        <p:txBody>
+          <a:bodyPr>
+            <a:normAutofit/>
+          </a:bodyPr>
+          <a:lstStyle/>
+          <a:p>
+            <a:r>
+              <a:rPr lang="en-US" dirty="0" smtClean="0"/>
+              <a:t>A to-do list is like “</a:t>
+            </a:r>
+            <a:r>
+              <a:rPr lang="en-US" dirty="0" err="1" smtClean="0"/>
+              <a:t>HelloWorld</a:t>
+            </a:r>
+            <a:r>
+              <a:rPr lang="en-US" dirty="0" smtClean="0"/>
+              <a:t>” in front end web development.</a:t>
+            </a:r>
+          </a:p>
+          <a:p>
+            <a:pPr marL="0" indent="0">
+              <a:buNone/>
+            </a:pPr>
+            <a:endParaRPr lang="en-US" dirty="0" smtClean="0"/>
+          </a:p>
+          <a:p>
+            <a:r>
+              <a:rPr lang="en-US" dirty="0" smtClean="0"/>
+              <a:t>Real world precondition:</a:t>
+            </a:r>
+          </a:p>
+          <a:p>
+            <a:pPr lvl="1"/>
+            <a:r>
+              <a:rPr lang="en-US" dirty="0" smtClean="0"/>
+              <a:t>Vision document</a:t>
+            </a:r>
+          </a:p>
+          <a:p>
+            <a:pPr lvl="1"/>
+            <a:r>
+              <a:rPr lang="en-US" dirty="0" smtClean="0"/>
+              <a:t>Backlog</a:t>
+            </a:r>
+          </a:p>
+          <a:p>
+            <a:pPr lvl="1"/>
+            <a:r>
+              <a:rPr lang="en-US" dirty="0" smtClean="0"/>
+              <a:t>Use cases</a:t>
+            </a:r>
+          </a:p>
+          <a:p>
+            <a:pPr lvl="1"/>
+            <a:r>
+              <a:rPr lang="en-US" dirty="0" smtClean="0"/>
+              <a:t>(Ideally) Prototypes verified with stakeholders</a:t>
+            </a:r>
+          </a:p>
+        </p:txBody>
+      </p:sp>
+      <p:sp>
+        <p:nvSpPr>
+          <p:cNvPr id="4" name="Footer Placeholder 3"/>
+          <p:cNvSpPr>
+            <a:spLocks noGrp="1"/>
+          </p:cNvSpPr>
+          <p:nvPr>
+            <p:ph type="ftr" sz="quarter" idx="11"/>
+          </p:nvPr>
+        </p:nvSpPr>
+        <p:spPr/>
+        <p:txBody>
+          <a:bodyPr/>
+          <a:lstStyle/>
+          <a:p>
+            <a:r>
+              <a:rPr lang="en-US" smtClean="0"/>
+              <a:t>Copyright 2016 Bloomberg L.P. All rights reserved</a:t>
+            </a:r>
+            <a:endParaRPr lang="en-US"/>
+          </a:p>
+        </p:txBody>
+      </p:sp>
+    </p:spTree>
+    <p:extLst>
+      <p:ext uri="{BB962C8B-B14F-4D97-AF65-F5344CB8AC3E}">
+        <p14:creationId xmlns:p14="http://schemas.microsoft.com/office/powerpoint/2010/main" val="3823782817"/>
+      </p:ext>
+    </p:extLst>
+  </p:cSld>
+  <p:clrMapOvr>
+    <a:masterClrMapping/>
+  </p:clrMapOvr>
+  <p:timing>
+    <p:tnLst>
+      <p:par>
+        <p:cTn id="1" dur="indefinite" restart="never" nodeType="tmRoot"/>
+      </p:par>
+    </p:tnLst>
+  </p:timing>
+</p:sld>
+</file>
+
+<file path=ppt/slides/slide23.xml><?xml version="1.0" encoding="utf-8"?>
+<p:sld xmlns:a="http://schemas.openxmlformats.org/drawingml/2006/main" xmlns:r="http://schemas.openxmlformats.org/officeDocument/2006/relationships" xmlns:p="http://schemas.openxmlformats.org/presentationml/2006/main">
+  <p:cSld>
+    <p:spTree>
+      <p:nvGrpSpPr>
+        <p:cNvPr id="1" name=""/>
+        <p:cNvGrpSpPr/>
+        <p:nvPr/>
+      </p:nvGrpSpPr>
+      <p:grpSpPr>
+        <a:xfrm>
+          <a:off x="0" y="0"/>
+          <a:ext cx="0" cy="0"/>
+          <a:chOff x="0" y="0"/>
+          <a:chExt cx="0" cy="0"/>
+        </a:xfrm>
+      </p:grpSpPr>
+      <p:sp>
+        <p:nvSpPr>
+          <p:cNvPr id="4" name="Title 3"/>
+          <p:cNvSpPr>
+            <a:spLocks noGrp="1"/>
+          </p:cNvSpPr>
+          <p:nvPr>
+            <p:ph type="title"/>
+          </p:nvPr>
+        </p:nvSpPr>
+        <p:spPr/>
+        <p:txBody>
+          <a:bodyPr/>
+          <a:lstStyle/>
+          <a:p>
+            <a:r>
+              <a:rPr lang="en-US" dirty="0" smtClean="0"/>
+              <a:t>Working Together</a:t>
+            </a:r>
+            <a:endParaRPr lang="en-US" dirty="0"/>
+          </a:p>
+        </p:txBody>
+      </p:sp>
+      <p:sp>
+        <p:nvSpPr>
+          <p:cNvPr id="5" name="Content Placeholder 4"/>
+          <p:cNvSpPr>
+            <a:spLocks noGrp="1"/>
+          </p:cNvSpPr>
+          <p:nvPr>
+            <p:ph sz="half" idx="1"/>
+          </p:nvPr>
+        </p:nvSpPr>
+        <p:spPr/>
+        <p:txBody>
+          <a:bodyPr>
+            <a:normAutofit/>
+          </a:bodyPr>
+          <a:lstStyle/>
+          <a:p>
+            <a:r>
+              <a:rPr lang="en-US" dirty="0" smtClean="0"/>
+              <a:t>Designers deliver</a:t>
+            </a:r>
+          </a:p>
+          <a:p>
+            <a:pPr lvl="1"/>
+            <a:r>
+              <a:rPr lang="en-US" dirty="0" smtClean="0">
+                <a:solidFill>
+                  <a:srgbClr val="C00000"/>
+                </a:solidFill>
+              </a:rPr>
+              <a:t>Wireframes</a:t>
+            </a:r>
+          </a:p>
+          <a:p>
+            <a:pPr marL="457200" lvl="1" indent="0">
+              <a:buNone/>
+            </a:pPr>
+            <a:r>
+              <a:rPr lang="en-US" dirty="0">
+                <a:solidFill>
+                  <a:srgbClr val="C00000"/>
+                </a:solidFill>
+              </a:rPr>
+              <a:t>  </a:t>
+            </a:r>
+            <a:r>
+              <a:rPr lang="en-US" dirty="0" smtClean="0">
+                <a:solidFill>
+                  <a:srgbClr val="C00000"/>
+                </a:solidFill>
+              </a:rPr>
+              <a:t>   (structure)</a:t>
+            </a:r>
+          </a:p>
+          <a:p>
+            <a:pPr lvl="1"/>
+            <a:endParaRPr lang="en-US" dirty="0" smtClean="0">
+              <a:solidFill>
+                <a:schemeClr val="accent5">
+                  <a:lumMod val="75000"/>
+                </a:schemeClr>
+              </a:solidFill>
+            </a:endParaRPr>
+          </a:p>
+          <a:p>
+            <a:pPr lvl="1"/>
+            <a:r>
+              <a:rPr lang="en-US" dirty="0" smtClean="0">
+                <a:solidFill>
+                  <a:schemeClr val="accent5">
+                    <a:lumMod val="75000"/>
+                  </a:schemeClr>
+                </a:solidFill>
+              </a:rPr>
+              <a:t>Storyboards</a:t>
+            </a:r>
+          </a:p>
+          <a:p>
+            <a:pPr marL="457200" lvl="1" indent="0">
+              <a:buNone/>
+            </a:pPr>
+            <a:r>
+              <a:rPr lang="en-US" dirty="0" smtClean="0">
+                <a:solidFill>
+                  <a:schemeClr val="accent5">
+                    <a:lumMod val="75000"/>
+                  </a:schemeClr>
+                </a:solidFill>
+              </a:rPr>
+              <a:t>     (interaction)</a:t>
+            </a:r>
+          </a:p>
+          <a:p>
+            <a:pPr lvl="1"/>
+            <a:endParaRPr lang="en-US" dirty="0" smtClean="0">
+              <a:solidFill>
+                <a:schemeClr val="accent4">
+                  <a:lumMod val="75000"/>
+                </a:schemeClr>
+              </a:solidFill>
+            </a:endParaRPr>
+          </a:p>
+          <a:p>
+            <a:pPr lvl="1"/>
+            <a:r>
+              <a:rPr lang="en-US" dirty="0" smtClean="0">
+                <a:solidFill>
+                  <a:schemeClr val="accent4">
+                    <a:lumMod val="75000"/>
+                  </a:schemeClr>
+                </a:solidFill>
+              </a:rPr>
+              <a:t>Visual style guides    (visual detail)</a:t>
+            </a:r>
+          </a:p>
+          <a:p>
+            <a:pPr lvl="1"/>
+            <a:endParaRPr lang="en-US" dirty="0"/>
+          </a:p>
+        </p:txBody>
+      </p:sp>
+      <p:sp>
+        <p:nvSpPr>
+          <p:cNvPr id="6" name="Content Placeholder 5"/>
+          <p:cNvSpPr>
+            <a:spLocks noGrp="1"/>
+          </p:cNvSpPr>
+          <p:nvPr>
+            <p:ph sz="half" idx="2"/>
+          </p:nvPr>
+        </p:nvSpPr>
+        <p:spPr/>
+        <p:txBody>
+          <a:bodyPr>
+            <a:normAutofit/>
+          </a:bodyPr>
+          <a:lstStyle/>
+          <a:p>
+            <a:r>
+              <a:rPr lang="en-US" dirty="0" smtClean="0"/>
+              <a:t>Developers deliver</a:t>
+            </a:r>
+          </a:p>
+          <a:p>
+            <a:pPr lvl="1"/>
+            <a:r>
+              <a:rPr lang="en-US" dirty="0" smtClean="0">
+                <a:solidFill>
+                  <a:srgbClr val="C00000"/>
+                </a:solidFill>
+              </a:rPr>
+              <a:t>HTML</a:t>
+            </a:r>
+          </a:p>
+          <a:p>
+            <a:pPr marL="457200" lvl="1" indent="0">
+              <a:buNone/>
+            </a:pPr>
+            <a:r>
+              <a:rPr lang="en-US" dirty="0" smtClean="0">
+                <a:solidFill>
+                  <a:srgbClr val="C00000"/>
+                </a:solidFill>
+              </a:rPr>
+              <a:t>    (structure)</a:t>
+            </a:r>
+          </a:p>
+          <a:p>
+            <a:pPr lvl="1"/>
+            <a:endParaRPr lang="en-US" dirty="0" smtClean="0">
+              <a:solidFill>
+                <a:schemeClr val="accent5">
+                  <a:lumMod val="75000"/>
+                </a:schemeClr>
+              </a:solidFill>
+            </a:endParaRPr>
+          </a:p>
+          <a:p>
+            <a:pPr lvl="1"/>
+            <a:r>
+              <a:rPr lang="en-US" dirty="0" smtClean="0">
+                <a:solidFill>
+                  <a:schemeClr val="accent5">
+                    <a:lumMod val="75000"/>
+                  </a:schemeClr>
+                </a:solidFill>
+              </a:rPr>
+              <a:t>JavaScript</a:t>
+            </a:r>
+          </a:p>
+          <a:p>
+            <a:pPr marL="457200" lvl="1" indent="0">
+              <a:buNone/>
+            </a:pPr>
+            <a:r>
+              <a:rPr lang="en-US" dirty="0" smtClean="0">
+                <a:solidFill>
+                  <a:schemeClr val="accent5">
+                    <a:lumMod val="75000"/>
+                  </a:schemeClr>
+                </a:solidFill>
+              </a:rPr>
+              <a:t>    (interaction)</a:t>
+            </a:r>
+          </a:p>
+          <a:p>
+            <a:pPr lvl="1"/>
+            <a:endParaRPr lang="en-US" dirty="0" smtClean="0">
+              <a:solidFill>
+                <a:schemeClr val="accent4">
+                  <a:lumMod val="75000"/>
+                </a:schemeClr>
+              </a:solidFill>
+            </a:endParaRPr>
+          </a:p>
+          <a:p>
+            <a:pPr lvl="1"/>
+            <a:r>
+              <a:rPr lang="en-US" dirty="0" smtClean="0">
+                <a:solidFill>
+                  <a:schemeClr val="accent4">
+                    <a:lumMod val="75000"/>
+                  </a:schemeClr>
+                </a:solidFill>
+              </a:rPr>
+              <a:t>CSS</a:t>
+            </a:r>
+          </a:p>
+          <a:p>
+            <a:pPr marL="457200" lvl="1" indent="0">
+              <a:buNone/>
+            </a:pPr>
+            <a:r>
+              <a:rPr lang="en-US" dirty="0">
+                <a:solidFill>
+                  <a:schemeClr val="accent4">
+                    <a:lumMod val="75000"/>
+                  </a:schemeClr>
+                </a:solidFill>
+              </a:rPr>
+              <a:t> </a:t>
+            </a:r>
+            <a:r>
+              <a:rPr lang="en-US" dirty="0" smtClean="0">
+                <a:solidFill>
+                  <a:schemeClr val="accent4">
+                    <a:lumMod val="75000"/>
+                  </a:schemeClr>
+                </a:solidFill>
+              </a:rPr>
+              <a:t>   (visual detail)</a:t>
+            </a:r>
+            <a:endParaRPr lang="en-US" dirty="0">
+              <a:solidFill>
+                <a:schemeClr val="accent4">
+                  <a:lumMod val="75000"/>
+                </a:schemeClr>
+              </a:solidFill>
+            </a:endParaRPr>
+          </a:p>
+        </p:txBody>
+      </p:sp>
+      <p:sp>
+        <p:nvSpPr>
+          <p:cNvPr id="2" name="Footer Placeholder 1"/>
+          <p:cNvSpPr>
+            <a:spLocks noGrp="1"/>
+          </p:cNvSpPr>
+          <p:nvPr>
+            <p:ph type="ftr" sz="quarter" idx="11"/>
+          </p:nvPr>
+        </p:nvSpPr>
+        <p:spPr/>
+        <p:txBody>
+          <a:bodyPr/>
+          <a:lstStyle/>
+          <a:p>
+            <a:r>
+              <a:rPr lang="en-US" smtClean="0"/>
+              <a:t>Copyright 2016 Bloomberg L.P. All rights reserved</a:t>
+            </a:r>
+            <a:endParaRPr lang="en-US"/>
+          </a:p>
+        </p:txBody>
+      </p:sp>
+      <p:sp>
+        <p:nvSpPr>
+          <p:cNvPr id="7" name="Right Arrow 6"/>
+          <p:cNvSpPr/>
+          <p:nvPr/>
+        </p:nvSpPr>
+        <p:spPr>
+          <a:xfrm>
+            <a:off x="3581400" y="3276600"/>
+            <a:ext cx="1143000" cy="990600"/>
+          </a:xfrm>
+          <a:prstGeom prst="rightArrow">
+            <a:avLst/>
+          </a:prstGeom>
+          <a:effectLst/>
+        </p:spPr>
+        <p:style>
+          <a:lnRef idx="1">
+            <a:schemeClr val="accent2"/>
+          </a:lnRef>
+          <a:fillRef idx="3">
+            <a:schemeClr val="accent2"/>
+          </a:fillRef>
+          <a:effectRef idx="2">
+            <a:schemeClr val="accent2"/>
+          </a:effectRef>
+          <a:fontRef idx="minor">
+            <a:schemeClr val="lt1"/>
+          </a:fontRef>
+        </p:style>
+        <p:txBody>
+          <a:bodyPr rtlCol="0" anchor="ctr"/>
+          <a:lstStyle/>
+          <a:p>
+            <a:pPr algn="ctr"/>
+            <a:endParaRPr lang="en-US"/>
+          </a:p>
+        </p:txBody>
+      </p:sp>
+      <p:sp>
+        <p:nvSpPr>
+          <p:cNvPr id="3" name="Rectangle 2"/>
+          <p:cNvSpPr/>
+          <p:nvPr/>
+        </p:nvSpPr>
+        <p:spPr>
+          <a:xfrm>
+            <a:off x="1665514" y="5747266"/>
+            <a:ext cx="6096000" cy="646331"/>
+          </a:xfrm>
+          <a:prstGeom prst="rect">
+            <a:avLst/>
+          </a:prstGeom>
+        </p:spPr>
+        <p:txBody>
+          <a:bodyPr wrap="square">
+            <a:spAutoFit/>
+          </a:bodyPr>
+          <a:lstStyle/>
+          <a:p>
+            <a:r>
+              <a:rPr lang="en-US" dirty="0" smtClean="0">
+                <a:hlinkClick r:id="rId2"/>
+              </a:rPr>
+              <a:t>Prototype </a:t>
+            </a:r>
+            <a:r>
+              <a:rPr lang="en-US" dirty="0">
+                <a:hlinkClick r:id="rId2"/>
+              </a:rPr>
+              <a:t>http://plnkr.co/edit/9s3RAnFEE2r8PWeCQmLO?p=preview</a:t>
+            </a:r>
+            <a:endParaRPr lang="en-US" dirty="0"/>
+          </a:p>
+        </p:txBody>
+      </p:sp>
+    </p:spTree>
+    <p:extLst>
+      <p:ext uri="{BB962C8B-B14F-4D97-AF65-F5344CB8AC3E}">
+        <p14:creationId xmlns:p14="http://schemas.microsoft.com/office/powerpoint/2010/main" val="2891085134"/>
+      </p:ext>
+    </p:extLst>
+  </p:cSld>
+  <p:clrMapOvr>
+    <a:masterClrMapping/>
+  </p:clrMapOvr>
+  <p:timing>
+    <p:tnLst>
+      <p:par>
+        <p:cTn id="1" dur="indefinite" restart="never" nodeType="tmRoot"/>
+      </p:par>
+    </p:tnLst>
+  </p:timing>
+</p:sld>
+</file>
+
+<file path=ppt/slides/slide24.xml><?xml version="1.0" encoding="utf-8"?>
+<p:sld xmlns:a="http://schemas.openxmlformats.org/drawingml/2006/main" xmlns:r="http://schemas.openxmlformats.org/officeDocument/2006/relationships" xmlns:p="http://schemas.openxmlformats.org/presentationml/2006/main">
+  <p:cSld>
+    <p:spTree>
+      <p:nvGrpSpPr>
+        <p:cNvPr id="1" name=""/>
+        <p:cNvGrpSpPr/>
+        <p:nvPr/>
+      </p:nvGrpSpPr>
+      <p:grpSpPr>
+        <a:xfrm>
+          <a:off x="0" y="0"/>
+          <a:ext cx="0" cy="0"/>
+          <a:chOff x="0" y="0"/>
+          <a:chExt cx="0" cy="0"/>
+        </a:xfrm>
+      </p:grpSpPr>
+      <p:sp>
+        <p:nvSpPr>
+          <p:cNvPr id="2" name="Title 1"/>
+          <p:cNvSpPr>
+            <a:spLocks noGrp="1"/>
+          </p:cNvSpPr>
+          <p:nvPr>
+            <p:ph type="title"/>
+          </p:nvPr>
+        </p:nvSpPr>
+        <p:spPr/>
+        <p:txBody>
+          <a:bodyPr/>
+          <a:lstStyle/>
+          <a:p>
+            <a:r>
+              <a:rPr lang="en-US" dirty="0" smtClean="0"/>
+              <a:t>Web Designer</a:t>
+            </a:r>
+            <a:endParaRPr lang="en-US" dirty="0"/>
+          </a:p>
+        </p:txBody>
+      </p:sp>
+      <p:sp>
+        <p:nvSpPr>
+          <p:cNvPr id="3" name="Content Placeholder 2"/>
+          <p:cNvSpPr>
+            <a:spLocks noGrp="1"/>
+          </p:cNvSpPr>
+          <p:nvPr>
+            <p:ph idx="1"/>
+          </p:nvPr>
+        </p:nvSpPr>
+        <p:spPr/>
+        <p:txBody>
+          <a:bodyPr/>
+          <a:lstStyle/>
+          <a:p>
+            <a:r>
+              <a:rPr lang="en-US" dirty="0" smtClean="0"/>
+              <a:t>Page layout</a:t>
+            </a:r>
+          </a:p>
+          <a:p>
+            <a:r>
+              <a:rPr lang="en-US" dirty="0" smtClean="0"/>
+              <a:t>Typography</a:t>
+            </a:r>
+          </a:p>
+          <a:p>
+            <a:r>
+              <a:rPr lang="en-US" dirty="0" smtClean="0"/>
+              <a:t>Color</a:t>
+            </a:r>
+          </a:p>
+          <a:p>
+            <a:r>
+              <a:rPr lang="en-US" dirty="0" smtClean="0"/>
+              <a:t>Animation</a:t>
+            </a:r>
+          </a:p>
+          <a:p>
+            <a:r>
+              <a:rPr lang="en-US" dirty="0" smtClean="0"/>
+              <a:t>Interaction</a:t>
+            </a:r>
+          </a:p>
+          <a:p>
+            <a:pPr marL="0" indent="0">
+              <a:buNone/>
+            </a:pPr>
+            <a:endParaRPr lang="en-US" dirty="0"/>
+          </a:p>
+        </p:txBody>
+      </p:sp>
+      <p:sp>
+        <p:nvSpPr>
+          <p:cNvPr id="4" name="Footer Placeholder 3"/>
+          <p:cNvSpPr>
+            <a:spLocks noGrp="1"/>
+          </p:cNvSpPr>
+          <p:nvPr>
+            <p:ph type="ftr" sz="quarter" idx="11"/>
+          </p:nvPr>
+        </p:nvSpPr>
+        <p:spPr/>
+        <p:txBody>
+          <a:bodyPr/>
+          <a:lstStyle/>
+          <a:p>
+            <a:r>
+              <a:rPr lang="en-US" smtClean="0"/>
+              <a:t>Copyright 2016 Bloomberg L.P. All rights reserved</a:t>
+            </a:r>
+            <a:endParaRPr lang="en-US"/>
+          </a:p>
+        </p:txBody>
+      </p:sp>
+    </p:spTree>
+    <p:extLst>
+      <p:ext uri="{BB962C8B-B14F-4D97-AF65-F5344CB8AC3E}">
+        <p14:creationId xmlns:p14="http://schemas.microsoft.com/office/powerpoint/2010/main" val="1318406266"/>
+      </p:ext>
+    </p:extLst>
+  </p:cSld>
+  <p:clrMapOvr>
+    <a:masterClrMapping/>
+  </p:clrMapOvr>
+  <p:timing>
+    <p:tnLst>
+      <p:par>
+        <p:cTn id="1" dur="indefinite" restart="never" nodeType="tmRoot"/>
+      </p:par>
+    </p:tnLst>
+  </p:timing>
+</p:sld>
+</file>
+
+<file path=ppt/slides/slide25.xml><?xml version="1.0" encoding="utf-8"?>
+<p:sld xmlns:a="http://schemas.openxmlformats.org/drawingml/2006/main" xmlns:r="http://schemas.openxmlformats.org/officeDocument/2006/relationships" xmlns:p="http://schemas.openxmlformats.org/presentationml/2006/main">
+  <p:cSld>
+    <p:spTree>
+      <p:nvGrpSpPr>
+        <p:cNvPr id="1" name=""/>
+        <p:cNvGrpSpPr/>
+        <p:nvPr/>
+      </p:nvGrpSpPr>
+      <p:grpSpPr>
+        <a:xfrm>
+          <a:off x="0" y="0"/>
+          <a:ext cx="0" cy="0"/>
+          <a:chOff x="0" y="0"/>
+          <a:chExt cx="0" cy="0"/>
+        </a:xfrm>
+      </p:grpSpPr>
+      <p:sp>
+        <p:nvSpPr>
+          <p:cNvPr id="2" name="Title 1"/>
+          <p:cNvSpPr>
+            <a:spLocks noGrp="1"/>
+          </p:cNvSpPr>
+          <p:nvPr>
+            <p:ph type="title"/>
+          </p:nvPr>
+        </p:nvSpPr>
+        <p:spPr/>
+        <p:txBody>
+          <a:bodyPr/>
+          <a:lstStyle/>
+          <a:p>
+            <a:r>
+              <a:rPr lang="en-US" dirty="0" smtClean="0"/>
               <a:t>Web Developer</a:t>
             </a:r>
             <a:endParaRPr lang="en-US" dirty="0"/>
@@ -11423,7 +12526,7 @@
 </p:sld>
 </file>
 
-<file path=ppt/slides/slide22.xml><?xml version="1.0" encoding="utf-8"?>
+<file path=ppt/slides/slide26.xml><?xml version="1.0" encoding="utf-8"?>
 <p:sld xmlns:a="http://schemas.openxmlformats.org/drawingml/2006/main" xmlns:r="http://schemas.openxmlformats.org/officeDocument/2006/relationships" xmlns:p="http://schemas.openxmlformats.org/presentationml/2006/main">
   <p:cSld>
     <p:spTree>
@@ -11905,7 +13008,7 @@
 </p:sld>
 </file>
 
-<file path=ppt/slides/slide23.xml><?xml version="1.0" encoding="utf-8"?>
+<file path=ppt/slides/slide27.xml><?xml version="1.0" encoding="utf-8"?>
 <p:sld xmlns:a="http://schemas.openxmlformats.org/drawingml/2006/main" xmlns:r="http://schemas.openxmlformats.org/officeDocument/2006/relationships" xmlns:p="http://schemas.openxmlformats.org/presentationml/2006/main">
   <p:cSld>
     <p:spTree>
@@ -13946,7 +15049,7 @@
 </p:sld>
 </file>
 
-<file path=ppt/slides/slide24.xml><?xml version="1.0" encoding="utf-8"?>
+<file path=ppt/slides/slide28.xml><?xml version="1.0" encoding="utf-8"?>
 <p:sld xmlns:a="http://schemas.openxmlformats.org/drawingml/2006/main" xmlns:r="http://schemas.openxmlformats.org/officeDocument/2006/relationships" xmlns:p="http://schemas.openxmlformats.org/presentationml/2006/main">
   <p:cSld>
     <p:spTree>
@@ -15253,665 +16356,6 @@
 </p:sld>
 </file>
 
-<file path=ppt/slides/slide25.xml><?xml version="1.0" encoding="utf-8"?>
-<p:sld xmlns:a="http://schemas.openxmlformats.org/drawingml/2006/main" xmlns:r="http://schemas.openxmlformats.org/officeDocument/2006/relationships" xmlns:p="http://schemas.openxmlformats.org/presentationml/2006/main">
-  <p:cSld>
-    <p:spTree>
-      <p:nvGrpSpPr>
-        <p:cNvPr id="1" name=""/>
-        <p:cNvGrpSpPr/>
-        <p:nvPr/>
-      </p:nvGrpSpPr>
-      <p:grpSpPr>
-        <a:xfrm>
-          <a:off x="0" y="0"/>
-          <a:ext cx="0" cy="0"/>
-          <a:chOff x="0" y="0"/>
-          <a:chExt cx="0" cy="0"/>
-        </a:xfrm>
-      </p:grpSpPr>
-      <p:sp>
-        <p:nvSpPr>
-          <p:cNvPr id="5" name="Title 4"/>
-          <p:cNvSpPr>
-            <a:spLocks noGrp="1"/>
-          </p:cNvSpPr>
-          <p:nvPr>
-            <p:ph type="title"/>
-          </p:nvPr>
-        </p:nvSpPr>
-        <p:spPr/>
-        <p:txBody>
-          <a:bodyPr>
-            <a:normAutofit/>
-          </a:bodyPr>
-          <a:lstStyle/>
-          <a:p>
-            <a:r>
-              <a:rPr lang="en-US" sz="4000" dirty="0" smtClean="0"/>
-              <a:t>Things a Front End Developer Needs</a:t>
-            </a:r>
-            <a:endParaRPr lang="en-US" sz="4000" dirty="0"/>
-          </a:p>
-        </p:txBody>
-      </p:sp>
-      <p:sp>
-        <p:nvSpPr>
-          <p:cNvPr id="6" name="Content Placeholder 5"/>
-          <p:cNvSpPr>
-            <a:spLocks noGrp="1"/>
-          </p:cNvSpPr>
-          <p:nvPr>
-            <p:ph idx="1"/>
-          </p:nvPr>
-        </p:nvSpPr>
-        <p:spPr/>
-        <p:txBody>
-          <a:bodyPr/>
-          <a:lstStyle/>
-          <a:p>
-            <a:r>
-              <a:rPr lang="en-US" dirty="0" smtClean="0"/>
-              <a:t>System environment</a:t>
-            </a:r>
-          </a:p>
-          <a:p>
-            <a:r>
-              <a:rPr lang="en-US" dirty="0" smtClean="0"/>
-              <a:t>Running platform, aka the server and the browser</a:t>
-            </a:r>
-          </a:p>
-          <a:p>
-            <a:r>
-              <a:rPr lang="en-US" dirty="0" smtClean="0"/>
-              <a:t>Frameworks and libraries</a:t>
-            </a:r>
-          </a:p>
-          <a:p>
-            <a:r>
-              <a:rPr lang="en-US" dirty="0" smtClean="0"/>
-              <a:t>Development tools</a:t>
-            </a:r>
-          </a:p>
-          <a:p>
-            <a:pPr lvl="1"/>
-            <a:r>
-              <a:rPr lang="en-US" dirty="0" smtClean="0"/>
-              <a:t>IDE, Code editor</a:t>
-            </a:r>
-          </a:p>
-          <a:p>
-            <a:pPr lvl="1"/>
-            <a:r>
-              <a:rPr lang="en-US" dirty="0" smtClean="0"/>
-              <a:t>Version control system</a:t>
-            </a:r>
-          </a:p>
-          <a:p>
-            <a:pPr lvl="1"/>
-            <a:r>
-              <a:rPr lang="en-US" dirty="0" smtClean="0"/>
-              <a:t>Build tools</a:t>
-            </a:r>
-          </a:p>
-          <a:p>
-            <a:endParaRPr lang="en-US" dirty="0" smtClean="0"/>
-          </a:p>
-          <a:p>
-            <a:endParaRPr lang="en-US" dirty="0"/>
-          </a:p>
-        </p:txBody>
-      </p:sp>
-      <p:sp>
-        <p:nvSpPr>
-          <p:cNvPr id="2" name="Footer Placeholder 1"/>
-          <p:cNvSpPr>
-            <a:spLocks noGrp="1"/>
-          </p:cNvSpPr>
-          <p:nvPr>
-            <p:ph type="ftr" sz="quarter" idx="11"/>
-          </p:nvPr>
-        </p:nvSpPr>
-        <p:spPr/>
-        <p:txBody>
-          <a:bodyPr/>
-          <a:lstStyle/>
-          <a:p>
-            <a:r>
-              <a:rPr lang="en-US" smtClean="0"/>
-              <a:t>Copyright 2016 Bloomberg L.P. All rights reserved</a:t>
-            </a:r>
-            <a:endParaRPr lang="en-US"/>
-          </a:p>
-        </p:txBody>
-      </p:sp>
-    </p:spTree>
-    <p:extLst>
-      <p:ext uri="{BB962C8B-B14F-4D97-AF65-F5344CB8AC3E}">
-        <p14:creationId xmlns:p14="http://schemas.microsoft.com/office/powerpoint/2010/main" val="3587090261"/>
-      </p:ext>
-    </p:extLst>
-  </p:cSld>
-  <p:clrMapOvr>
-    <a:masterClrMapping/>
-  </p:clrMapOvr>
-  <p:timing>
-    <p:tnLst>
-      <p:par>
-        <p:cTn id="1" dur="indefinite" restart="never" nodeType="tmRoot"/>
-      </p:par>
-    </p:tnLst>
-  </p:timing>
-</p:sld>
-</file>
-
-<file path=ppt/slides/slide26.xml><?xml version="1.0" encoding="utf-8"?>
-<p:sld xmlns:a="http://schemas.openxmlformats.org/drawingml/2006/main" xmlns:r="http://schemas.openxmlformats.org/officeDocument/2006/relationships" xmlns:p="http://schemas.openxmlformats.org/presentationml/2006/main">
-  <p:cSld>
-    <p:spTree>
-      <p:nvGrpSpPr>
-        <p:cNvPr id="1" name=""/>
-        <p:cNvGrpSpPr/>
-        <p:nvPr/>
-      </p:nvGrpSpPr>
-      <p:grpSpPr>
-        <a:xfrm>
-          <a:off x="0" y="0"/>
-          <a:ext cx="0" cy="0"/>
-          <a:chOff x="0" y="0"/>
-          <a:chExt cx="0" cy="0"/>
-        </a:xfrm>
-      </p:grpSpPr>
-      <p:sp>
-        <p:nvSpPr>
-          <p:cNvPr id="2" name="Title 1"/>
-          <p:cNvSpPr>
-            <a:spLocks noGrp="1"/>
-          </p:cNvSpPr>
-          <p:nvPr>
-            <p:ph type="title"/>
-          </p:nvPr>
-        </p:nvSpPr>
-        <p:spPr/>
-        <p:txBody>
-          <a:bodyPr/>
-          <a:lstStyle/>
-          <a:p>
-            <a:r>
-              <a:rPr lang="en-US" dirty="0" smtClean="0"/>
-              <a:t>Frameworks and Libraries</a:t>
-            </a:r>
-            <a:endParaRPr lang="en-US" dirty="0"/>
-          </a:p>
-        </p:txBody>
-      </p:sp>
-      <p:sp>
-        <p:nvSpPr>
-          <p:cNvPr id="3" name="Content Placeholder 2"/>
-          <p:cNvSpPr>
-            <a:spLocks noGrp="1"/>
-          </p:cNvSpPr>
-          <p:nvPr>
-            <p:ph idx="1"/>
-          </p:nvPr>
-        </p:nvSpPr>
-        <p:spPr/>
-        <p:txBody>
-          <a:bodyPr>
-            <a:normAutofit fontScale="77500" lnSpcReduction="20000"/>
-          </a:bodyPr>
-          <a:lstStyle/>
-          <a:p>
-            <a:r>
-              <a:rPr lang="en-US" dirty="0" smtClean="0"/>
-              <a:t>A Framework</a:t>
-            </a:r>
-          </a:p>
-          <a:p>
-            <a:pPr lvl="1"/>
-            <a:r>
-              <a:rPr lang="en-US" dirty="0" smtClean="0"/>
-              <a:t>An abstraction of software</a:t>
-            </a:r>
-          </a:p>
-          <a:p>
-            <a:pPr lvl="1"/>
-            <a:r>
-              <a:rPr lang="en-US" dirty="0" smtClean="0"/>
-              <a:t>Defines how a system is constructed</a:t>
-            </a:r>
-          </a:p>
-          <a:p>
-            <a:pPr lvl="1"/>
-            <a:r>
-              <a:rPr lang="en-US" dirty="0" smtClean="0"/>
-              <a:t>Generic functionality can be changed with user-written code</a:t>
-            </a:r>
-          </a:p>
-          <a:p>
-            <a:r>
-              <a:rPr lang="en-US" dirty="0" smtClean="0"/>
-              <a:t>A Library</a:t>
-            </a:r>
-            <a:endParaRPr lang="en-US" dirty="0"/>
-          </a:p>
-          <a:p>
-            <a:pPr lvl="1"/>
-            <a:r>
-              <a:rPr lang="en-US" dirty="0"/>
-              <a:t>A collection of reusable objects and methods</a:t>
-            </a:r>
-          </a:p>
-          <a:p>
-            <a:pPr lvl="1"/>
-            <a:r>
-              <a:rPr lang="en-US" dirty="0"/>
-              <a:t>Can be easily imported into a </a:t>
-            </a:r>
-            <a:r>
-              <a:rPr lang="en-US" dirty="0" smtClean="0"/>
-              <a:t>system</a:t>
-            </a:r>
-          </a:p>
-          <a:p>
-            <a:endParaRPr lang="en-US" dirty="0" smtClean="0"/>
-          </a:p>
-          <a:p>
-            <a:r>
-              <a:rPr lang="en-US" dirty="0" smtClean="0"/>
-              <a:t>Examples of Frameworks</a:t>
-            </a:r>
-          </a:p>
-          <a:p>
-            <a:pPr lvl="1"/>
-            <a:r>
-              <a:rPr lang="en-US" dirty="0" smtClean="0"/>
-              <a:t>Angular, Ember, Express-generator</a:t>
-            </a:r>
-          </a:p>
-          <a:p>
-            <a:r>
-              <a:rPr lang="en-US" dirty="0" smtClean="0"/>
-              <a:t>Examples of Libraries</a:t>
-            </a:r>
-          </a:p>
-          <a:p>
-            <a:pPr lvl="1"/>
-            <a:r>
-              <a:rPr lang="en-US" dirty="0" smtClean="0"/>
-              <a:t>jQuery, React, Bluebird</a:t>
-            </a:r>
-            <a:endParaRPr lang="en-US" dirty="0"/>
-          </a:p>
-        </p:txBody>
-      </p:sp>
-      <p:sp>
-        <p:nvSpPr>
-          <p:cNvPr id="4" name="Footer Placeholder 3"/>
-          <p:cNvSpPr>
-            <a:spLocks noGrp="1"/>
-          </p:cNvSpPr>
-          <p:nvPr>
-            <p:ph type="ftr" sz="quarter" idx="11"/>
-          </p:nvPr>
-        </p:nvSpPr>
-        <p:spPr/>
-        <p:txBody>
-          <a:bodyPr/>
-          <a:lstStyle/>
-          <a:p>
-            <a:r>
-              <a:rPr lang="en-US" smtClean="0"/>
-              <a:t>Copyright 2016 Bloomberg L.P. All rights reserved</a:t>
-            </a:r>
-            <a:endParaRPr lang="en-US"/>
-          </a:p>
-        </p:txBody>
-      </p:sp>
-    </p:spTree>
-    <p:extLst>
-      <p:ext uri="{BB962C8B-B14F-4D97-AF65-F5344CB8AC3E}">
-        <p14:creationId xmlns:p14="http://schemas.microsoft.com/office/powerpoint/2010/main" val="1806271282"/>
-      </p:ext>
-    </p:extLst>
-  </p:cSld>
-  <p:clrMapOvr>
-    <a:masterClrMapping/>
-  </p:clrMapOvr>
-  <p:timing>
-    <p:tnLst>
-      <p:par>
-        <p:cTn id="1" dur="indefinite" restart="never" nodeType="tmRoot"/>
-      </p:par>
-    </p:tnLst>
-  </p:timing>
-</p:sld>
-</file>
-
-<file path=ppt/slides/slide27.xml><?xml version="1.0" encoding="utf-8"?>
-<p:sld xmlns:a="http://schemas.openxmlformats.org/drawingml/2006/main" xmlns:r="http://schemas.openxmlformats.org/officeDocument/2006/relationships" xmlns:p="http://schemas.openxmlformats.org/presentationml/2006/main">
-  <p:cSld>
-    <p:spTree>
-      <p:nvGrpSpPr>
-        <p:cNvPr id="1" name=""/>
-        <p:cNvGrpSpPr/>
-        <p:nvPr/>
-      </p:nvGrpSpPr>
-      <p:grpSpPr>
-        <a:xfrm>
-          <a:off x="0" y="0"/>
-          <a:ext cx="0" cy="0"/>
-          <a:chOff x="0" y="0"/>
-          <a:chExt cx="0" cy="0"/>
-        </a:xfrm>
-      </p:grpSpPr>
-      <p:sp>
-        <p:nvSpPr>
-          <p:cNvPr id="2" name="Title 1"/>
-          <p:cNvSpPr>
-            <a:spLocks noGrp="1"/>
-          </p:cNvSpPr>
-          <p:nvPr>
-            <p:ph type="title"/>
-          </p:nvPr>
-        </p:nvSpPr>
-        <p:spPr/>
-        <p:txBody>
-          <a:bodyPr>
-            <a:noAutofit/>
-          </a:bodyPr>
-          <a:lstStyle/>
-          <a:p>
-            <a:r>
-              <a:rPr lang="en-US" sz="4400" dirty="0"/>
-              <a:t>Coding </a:t>
-            </a:r>
-            <a:r>
-              <a:rPr lang="en-US" sz="4400" dirty="0" smtClean="0"/>
-              <a:t>Walkthrough</a:t>
-            </a:r>
-            <a:endParaRPr lang="en-US" sz="4400" dirty="0"/>
-          </a:p>
-        </p:txBody>
-      </p:sp>
-      <p:pic>
-        <p:nvPicPr>
-          <p:cNvPr id="6" name="Content Placeholder 5"/>
-          <p:cNvPicPr>
-            <a:picLocks noGrp="1" noChangeAspect="1"/>
-          </p:cNvPicPr>
-          <p:nvPr>
-            <p:ph idx="1"/>
-          </p:nvPr>
-        </p:nvPicPr>
-        <p:blipFill>
-          <a:blip r:embed="rId2"/>
-          <a:stretch>
-            <a:fillRect/>
-          </a:stretch>
-        </p:blipFill>
-        <p:spPr>
-          <a:xfrm>
-            <a:off x="457200" y="1676400"/>
-            <a:ext cx="3137315" cy="4625975"/>
-          </a:xfrm>
-        </p:spPr>
-      </p:pic>
-      <p:sp>
-        <p:nvSpPr>
-          <p:cNvPr id="3" name="Footer Placeholder 2"/>
-          <p:cNvSpPr>
-            <a:spLocks noGrp="1"/>
-          </p:cNvSpPr>
-          <p:nvPr>
-            <p:ph type="ftr" sz="quarter" idx="11"/>
-          </p:nvPr>
-        </p:nvSpPr>
-        <p:spPr/>
-        <p:txBody>
-          <a:bodyPr/>
-          <a:lstStyle/>
-          <a:p>
-            <a:r>
-              <a:rPr lang="en-US" smtClean="0"/>
-              <a:t>Copyright 2016 Bloomberg L.P. All rights reserved</a:t>
-            </a:r>
-            <a:endParaRPr lang="en-US"/>
-          </a:p>
-        </p:txBody>
-      </p:sp>
-      <p:sp>
-        <p:nvSpPr>
-          <p:cNvPr id="4" name="Rectangle 3"/>
-          <p:cNvSpPr/>
-          <p:nvPr/>
-        </p:nvSpPr>
-        <p:spPr>
-          <a:xfrm>
-            <a:off x="3886200" y="1905000"/>
-            <a:ext cx="5029200" cy="369332"/>
-          </a:xfrm>
-          <a:prstGeom prst="rect">
-            <a:avLst/>
-          </a:prstGeom>
-        </p:spPr>
-        <p:txBody>
-          <a:bodyPr wrap="square">
-            <a:spAutoFit/>
-          </a:bodyPr>
-          <a:lstStyle/>
-          <a:p>
-            <a:r>
-              <a:rPr lang="en-US" dirty="0">
-                <a:hlinkClick r:id="rId3"/>
-              </a:rPr>
-              <a:t>https://github.com/szhangpitt/todo-step-by-step</a:t>
-            </a:r>
-            <a:endParaRPr lang="en-US" dirty="0"/>
-          </a:p>
-        </p:txBody>
-      </p:sp>
-    </p:spTree>
-    <p:extLst>
-      <p:ext uri="{BB962C8B-B14F-4D97-AF65-F5344CB8AC3E}">
-        <p14:creationId xmlns:p14="http://schemas.microsoft.com/office/powerpoint/2010/main" val="814135187"/>
-      </p:ext>
-    </p:extLst>
-  </p:cSld>
-  <p:clrMapOvr>
-    <a:masterClrMapping/>
-  </p:clrMapOvr>
-  <p:timing>
-    <p:tnLst>
-      <p:par>
-        <p:cTn id="1" dur="indefinite" restart="never" nodeType="tmRoot"/>
-      </p:par>
-    </p:tnLst>
-  </p:timing>
-</p:sld>
-</file>
-
-<file path=ppt/slides/slide28.xml><?xml version="1.0" encoding="utf-8"?>
-<p:sld xmlns:a="http://schemas.openxmlformats.org/drawingml/2006/main" xmlns:r="http://schemas.openxmlformats.org/officeDocument/2006/relationships" xmlns:p="http://schemas.openxmlformats.org/presentationml/2006/main">
-  <p:cSld>
-    <p:spTree>
-      <p:nvGrpSpPr>
-        <p:cNvPr id="1" name=""/>
-        <p:cNvGrpSpPr/>
-        <p:nvPr/>
-      </p:nvGrpSpPr>
-      <p:grpSpPr>
-        <a:xfrm>
-          <a:off x="0" y="0"/>
-          <a:ext cx="0" cy="0"/>
-          <a:chOff x="0" y="0"/>
-          <a:chExt cx="0" cy="0"/>
-        </a:xfrm>
-      </p:grpSpPr>
-      <p:sp>
-        <p:nvSpPr>
-          <p:cNvPr id="2" name="Title 1"/>
-          <p:cNvSpPr>
-            <a:spLocks noGrp="1"/>
-          </p:cNvSpPr>
-          <p:nvPr>
-            <p:ph type="title"/>
-          </p:nvPr>
-        </p:nvSpPr>
-        <p:spPr/>
-        <p:txBody>
-          <a:bodyPr/>
-          <a:lstStyle/>
-          <a:p>
-            <a:r>
-              <a:rPr lang="en-US" dirty="0" smtClean="0"/>
-              <a:t>Resources</a:t>
-            </a:r>
-            <a:endParaRPr lang="en-US" dirty="0"/>
-          </a:p>
-        </p:txBody>
-      </p:sp>
-      <p:sp>
-        <p:nvSpPr>
-          <p:cNvPr id="3" name="Content Placeholder 2"/>
-          <p:cNvSpPr>
-            <a:spLocks noGrp="1"/>
-          </p:cNvSpPr>
-          <p:nvPr>
-            <p:ph idx="1"/>
-          </p:nvPr>
-        </p:nvSpPr>
-        <p:spPr/>
-        <p:txBody>
-          <a:bodyPr>
-            <a:normAutofit/>
-          </a:bodyPr>
-          <a:lstStyle/>
-          <a:p>
-            <a:r>
-              <a:rPr lang="en-US" sz="2400" dirty="0" smtClean="0">
-                <a:hlinkClick r:id="rId3"/>
-              </a:rPr>
-              <a:t>Book: Managing </a:t>
-            </a:r>
-            <a:r>
-              <a:rPr lang="en-US" sz="2400" dirty="0">
-                <a:hlinkClick r:id="rId3"/>
-              </a:rPr>
-              <a:t>Software Requirements: A Use Case </a:t>
-            </a:r>
-            <a:r>
-              <a:rPr lang="en-US" sz="2400" dirty="0" smtClean="0">
-                <a:hlinkClick r:id="rId3"/>
-              </a:rPr>
-              <a:t>Approach</a:t>
-            </a:r>
-            <a:endParaRPr lang="en-US" sz="2400" dirty="0"/>
-          </a:p>
-          <a:p>
-            <a:r>
-              <a:rPr lang="en-US" sz="2400" dirty="0">
-                <a:hlinkClick r:id="rId4"/>
-              </a:rPr>
-              <a:t>Book: Cognitive Psychology and its Implications, Sixth </a:t>
-            </a:r>
-            <a:r>
-              <a:rPr lang="en-US" sz="2400" dirty="0" smtClean="0">
-                <a:hlinkClick r:id="rId4"/>
-              </a:rPr>
-              <a:t>Edition</a:t>
-            </a:r>
-            <a:endParaRPr lang="en-US" sz="2400" dirty="0"/>
-          </a:p>
-          <a:p>
-            <a:r>
-              <a:rPr lang="en-US" sz="2400" dirty="0">
-                <a:hlinkClick r:id="rId5"/>
-              </a:rPr>
-              <a:t>Link: Comparison of software prototyping </a:t>
-            </a:r>
-            <a:r>
-              <a:rPr lang="en-US" sz="2400" dirty="0" smtClean="0">
-                <a:hlinkClick r:id="rId5"/>
-              </a:rPr>
-              <a:t>tools</a:t>
-            </a:r>
-            <a:endParaRPr lang="en-US" sz="2400" dirty="0">
-              <a:hlinkClick r:id="rId6"/>
-            </a:endParaRPr>
-          </a:p>
-          <a:p>
-            <a:r>
-              <a:rPr lang="en-US" sz="2400" dirty="0" smtClean="0">
-                <a:hlinkClick r:id="rId6"/>
-              </a:rPr>
-              <a:t>Link: Google Web Fundamentals</a:t>
-            </a:r>
-            <a:endParaRPr lang="en-US" sz="2400" dirty="0" smtClean="0"/>
-          </a:p>
-          <a:p>
-            <a:r>
-              <a:rPr lang="en-US" sz="2400" dirty="0" smtClean="0">
-                <a:hlinkClick r:id="rId7"/>
-              </a:rPr>
-              <a:t>Link: Mozilla Developer Network</a:t>
-            </a:r>
-            <a:endParaRPr lang="en-US" sz="2400" dirty="0" smtClean="0"/>
-          </a:p>
-          <a:p>
-            <a:r>
-              <a:rPr lang="en-US" sz="2400" dirty="0" smtClean="0">
-                <a:hlinkClick r:id="rId8"/>
-              </a:rPr>
-              <a:t>Link: Writing Testable JavaScript</a:t>
-            </a:r>
-            <a:endParaRPr lang="en-US" sz="2400" dirty="0"/>
-          </a:p>
-        </p:txBody>
-      </p:sp>
-      <p:sp>
-        <p:nvSpPr>
-          <p:cNvPr id="4" name="Footer Placeholder 3"/>
-          <p:cNvSpPr>
-            <a:spLocks noGrp="1"/>
-          </p:cNvSpPr>
-          <p:nvPr>
-            <p:ph type="ftr" sz="quarter" idx="11"/>
-          </p:nvPr>
-        </p:nvSpPr>
-        <p:spPr/>
-        <p:txBody>
-          <a:bodyPr/>
-          <a:lstStyle/>
-          <a:p>
-            <a:r>
-              <a:rPr lang="en-US" smtClean="0"/>
-              <a:t>Copyright 2016 Bloomberg L.P. All rights reserved</a:t>
-            </a:r>
-            <a:endParaRPr lang="en-US"/>
-          </a:p>
-        </p:txBody>
-      </p:sp>
-    </p:spTree>
-    <p:extLst>
-      <p:ext uri="{BB962C8B-B14F-4D97-AF65-F5344CB8AC3E}">
-        <p14:creationId xmlns:p14="http://schemas.microsoft.com/office/powerpoint/2010/main" val="3140265235"/>
-      </p:ext>
-    </p:extLst>
-  </p:cSld>
-  <p:clrMapOvr>
-    <a:masterClrMapping/>
-  </p:clrMapOvr>
-  <p:timing>
-    <p:tnLst>
-      <p:par>
-        <p:cTn id="1" dur="indefinite" restart="never" nodeType="tmRoot"/>
-      </p:par>
-    </p:tnLst>
-  </p:timing>
-</p:sld>
-</file>
-
 <file path=ppt/slides/slide29.xml><?xml version="1.0" encoding="utf-8"?>
 <p:sld xmlns:a="http://schemas.openxmlformats.org/drawingml/2006/main" xmlns:r="http://schemas.openxmlformats.org/officeDocument/2006/relationships" xmlns:p="http://schemas.openxmlformats.org/presentationml/2006/main">
   <p:cSld>
@@ -15931,7 +16375,7 @@
       </p:grpSpPr>
       <p:sp>
         <p:nvSpPr>
-          <p:cNvPr id="2" name="Title 1"/>
+          <p:cNvPr id="5" name="Title 4"/>
           <p:cNvSpPr>
             <a:spLocks noGrp="1"/>
           </p:cNvSpPr>
@@ -15941,63 +16385,89 @@
         </p:nvSpPr>
         <p:spPr/>
         <p:txBody>
+          <a:bodyPr>
+            <a:normAutofit/>
+          </a:bodyPr>
+          <a:lstStyle/>
+          <a:p>
+            <a:r>
+              <a:rPr lang="en-US" sz="4000" dirty="0" smtClean="0"/>
+              <a:t>Things a Front End Developer Needs</a:t>
+            </a:r>
+            <a:endParaRPr lang="en-US" sz="4000" dirty="0"/>
+          </a:p>
+        </p:txBody>
+      </p:sp>
+      <p:sp>
+        <p:nvSpPr>
+          <p:cNvPr id="6" name="Content Placeholder 5"/>
+          <p:cNvSpPr>
+            <a:spLocks noGrp="1"/>
+          </p:cNvSpPr>
+          <p:nvPr>
+            <p:ph idx="1"/>
+          </p:nvPr>
+        </p:nvSpPr>
+        <p:spPr/>
+        <p:txBody>
           <a:bodyPr/>
           <a:lstStyle/>
           <a:p>
             <a:r>
               <a:rPr lang="en-US" dirty="0" smtClean="0"/>
-              <a:t>Summary</a:t>
-            </a:r>
+              <a:t>System environment</a:t>
+            </a:r>
+          </a:p>
+          <a:p>
+            <a:r>
+              <a:rPr lang="en-US" dirty="0" smtClean="0"/>
+              <a:t>Running platform, aka the server and the browser</a:t>
+            </a:r>
+          </a:p>
+          <a:p>
+            <a:r>
+              <a:rPr lang="en-US" dirty="0" smtClean="0"/>
+              <a:t>Frameworks and libraries</a:t>
+            </a:r>
+          </a:p>
+          <a:p>
+            <a:r>
+              <a:rPr lang="en-US" dirty="0" smtClean="0"/>
+              <a:t>Development tools</a:t>
+            </a:r>
+          </a:p>
+          <a:p>
+            <a:pPr lvl="1"/>
+            <a:r>
+              <a:rPr lang="en-US" dirty="0" smtClean="0"/>
+              <a:t>IDE, Code editor</a:t>
+            </a:r>
+          </a:p>
+          <a:p>
+            <a:pPr lvl="1"/>
+            <a:r>
+              <a:rPr lang="en-US" dirty="0" smtClean="0"/>
+              <a:t>Version control system</a:t>
+            </a:r>
+          </a:p>
+          <a:p>
+            <a:pPr lvl="1"/>
+            <a:r>
+              <a:rPr lang="en-US" dirty="0" smtClean="0"/>
+              <a:t>Build tools</a:t>
+            </a:r>
+          </a:p>
+          <a:p>
+            <a:endParaRPr lang="en-US" dirty="0" smtClean="0"/>
+          </a:p>
+          <a:p>
             <a:endParaRPr lang="en-US" dirty="0"/>
           </a:p>
         </p:txBody>
       </p:sp>
       <p:sp>
         <p:nvSpPr>
-          <p:cNvPr id="3" name="Content Placeholder 2"/>
-          <p:cNvSpPr>
-            <a:spLocks noGrp="1"/>
-          </p:cNvSpPr>
-          <p:nvPr>
-            <p:ph idx="1"/>
-          </p:nvPr>
-        </p:nvSpPr>
-        <p:spPr/>
-        <p:txBody>
-          <a:bodyPr/>
-          <a:lstStyle/>
-          <a:p>
-            <a:r>
-              <a:rPr lang="en-US" dirty="0" smtClean="0"/>
-              <a:t>Skill sets for designers and developers</a:t>
-            </a:r>
-          </a:p>
-          <a:p>
-            <a:r>
-              <a:rPr lang="en-US" dirty="0" smtClean="0"/>
-              <a:t>“What are the requirements?”</a:t>
-            </a:r>
-          </a:p>
-          <a:p>
-            <a:r>
-              <a:rPr lang="en-US" dirty="0" smtClean="0"/>
-              <a:t>Use prototypes as a communication tool to manage expectations.</a:t>
-            </a:r>
-          </a:p>
-          <a:p>
-            <a:r>
-              <a:rPr lang="en-US" dirty="0" smtClean="0"/>
-              <a:t>Start with something simple. Continuously integrate into product. </a:t>
-            </a:r>
-          </a:p>
-          <a:p>
-            <a:endParaRPr lang="en-US" dirty="0"/>
-          </a:p>
-        </p:txBody>
-      </p:sp>
-      <p:sp>
-        <p:nvSpPr>
-          <p:cNvPr id="4" name="Footer Placeholder 3"/>
+          <p:cNvPr id="2" name="Footer Placeholder 1"/>
           <p:cNvSpPr>
             <a:spLocks noGrp="1"/>
           </p:cNvSpPr>
@@ -16021,7 +16491,7 @@
     </p:spTree>
     <p:extLst>
       <p:ext uri="{BB962C8B-B14F-4D97-AF65-F5344CB8AC3E}">
-        <p14:creationId xmlns:p14="http://schemas.microsoft.com/office/powerpoint/2010/main" val="207097365"/>
+        <p14:creationId xmlns:p14="http://schemas.microsoft.com/office/powerpoint/2010/main" val="3587090261"/>
       </p:ext>
     </p:extLst>
   </p:cSld>
@@ -16099,7 +16569,6 @@
               <a:rPr lang="en-US" dirty="0" smtClean="0"/>
               <a:t>Requirements: What they are and why they are important</a:t>
             </a:r>
-            <a:endParaRPr lang="en-US" dirty="0" smtClean="0"/>
           </a:p>
           <a:p>
             <a:r>
@@ -16216,6 +16685,639 @@
           <a:p>
             <a:r>
               <a:rPr lang="en-US" dirty="0" smtClean="0"/>
+              <a:t>Frameworks and Libraries</a:t>
+            </a:r>
+            <a:endParaRPr lang="en-US" dirty="0"/>
+          </a:p>
+        </p:txBody>
+      </p:sp>
+      <p:sp>
+        <p:nvSpPr>
+          <p:cNvPr id="3" name="Content Placeholder 2"/>
+          <p:cNvSpPr>
+            <a:spLocks noGrp="1"/>
+          </p:cNvSpPr>
+          <p:nvPr>
+            <p:ph idx="1"/>
+          </p:nvPr>
+        </p:nvSpPr>
+        <p:spPr/>
+        <p:txBody>
+          <a:bodyPr>
+            <a:normAutofit fontScale="77500" lnSpcReduction="20000"/>
+          </a:bodyPr>
+          <a:lstStyle/>
+          <a:p>
+            <a:r>
+              <a:rPr lang="en-US" dirty="0" smtClean="0"/>
+              <a:t>A Framework</a:t>
+            </a:r>
+          </a:p>
+          <a:p>
+            <a:pPr lvl="1"/>
+            <a:r>
+              <a:rPr lang="en-US" dirty="0" smtClean="0"/>
+              <a:t>An abstraction of software</a:t>
+            </a:r>
+          </a:p>
+          <a:p>
+            <a:pPr lvl="1"/>
+            <a:r>
+              <a:rPr lang="en-US" dirty="0" smtClean="0"/>
+              <a:t>Defines how a system is constructed</a:t>
+            </a:r>
+          </a:p>
+          <a:p>
+            <a:pPr lvl="1"/>
+            <a:r>
+              <a:rPr lang="en-US" dirty="0" smtClean="0"/>
+              <a:t>Generic functionality can be changed with user-written code</a:t>
+            </a:r>
+          </a:p>
+          <a:p>
+            <a:r>
+              <a:rPr lang="en-US" dirty="0" smtClean="0"/>
+              <a:t>A Library</a:t>
+            </a:r>
+            <a:endParaRPr lang="en-US" dirty="0"/>
+          </a:p>
+          <a:p>
+            <a:pPr lvl="1"/>
+            <a:r>
+              <a:rPr lang="en-US" dirty="0"/>
+              <a:t>A collection of reusable objects and methods</a:t>
+            </a:r>
+          </a:p>
+          <a:p>
+            <a:pPr lvl="1"/>
+            <a:r>
+              <a:rPr lang="en-US" dirty="0"/>
+              <a:t>Can be easily imported into a </a:t>
+            </a:r>
+            <a:r>
+              <a:rPr lang="en-US" dirty="0" smtClean="0"/>
+              <a:t>system</a:t>
+            </a:r>
+          </a:p>
+          <a:p>
+            <a:endParaRPr lang="en-US" dirty="0" smtClean="0"/>
+          </a:p>
+          <a:p>
+            <a:r>
+              <a:rPr lang="en-US" dirty="0" smtClean="0"/>
+              <a:t>Examples of Frameworks</a:t>
+            </a:r>
+          </a:p>
+          <a:p>
+            <a:pPr lvl="1"/>
+            <a:r>
+              <a:rPr lang="en-US" dirty="0" smtClean="0"/>
+              <a:t>Angular, Ember, Express-generator</a:t>
+            </a:r>
+          </a:p>
+          <a:p>
+            <a:r>
+              <a:rPr lang="en-US" dirty="0" smtClean="0"/>
+              <a:t>Examples of Libraries</a:t>
+            </a:r>
+          </a:p>
+          <a:p>
+            <a:pPr lvl="1"/>
+            <a:r>
+              <a:rPr lang="en-US" dirty="0" smtClean="0"/>
+              <a:t>jQuery, React, Bluebird</a:t>
+            </a:r>
+            <a:endParaRPr lang="en-US" dirty="0"/>
+          </a:p>
+        </p:txBody>
+      </p:sp>
+      <p:sp>
+        <p:nvSpPr>
+          <p:cNvPr id="4" name="Footer Placeholder 3"/>
+          <p:cNvSpPr>
+            <a:spLocks noGrp="1"/>
+          </p:cNvSpPr>
+          <p:nvPr>
+            <p:ph type="ftr" sz="quarter" idx="11"/>
+          </p:nvPr>
+        </p:nvSpPr>
+        <p:spPr/>
+        <p:txBody>
+          <a:bodyPr/>
+          <a:lstStyle/>
+          <a:p>
+            <a:r>
+              <a:rPr lang="en-US" smtClean="0"/>
+              <a:t>Copyright 2016 Bloomberg L.P. All rights reserved</a:t>
+            </a:r>
+            <a:endParaRPr lang="en-US"/>
+          </a:p>
+        </p:txBody>
+      </p:sp>
+    </p:spTree>
+    <p:extLst>
+      <p:ext uri="{BB962C8B-B14F-4D97-AF65-F5344CB8AC3E}">
+        <p14:creationId xmlns:p14="http://schemas.microsoft.com/office/powerpoint/2010/main" val="1806271282"/>
+      </p:ext>
+    </p:extLst>
+  </p:cSld>
+  <p:clrMapOvr>
+    <a:masterClrMapping/>
+  </p:clrMapOvr>
+  <p:timing>
+    <p:tnLst>
+      <p:par>
+        <p:cTn id="1" dur="indefinite" restart="never" nodeType="tmRoot"/>
+      </p:par>
+    </p:tnLst>
+  </p:timing>
+</p:sld>
+</file>
+
+<file path=ppt/slides/slide31.xml><?xml version="1.0" encoding="utf-8"?>
+<p:sld xmlns:a="http://schemas.openxmlformats.org/drawingml/2006/main" xmlns:r="http://schemas.openxmlformats.org/officeDocument/2006/relationships" xmlns:p="http://schemas.openxmlformats.org/presentationml/2006/main">
+  <p:cSld>
+    <p:spTree>
+      <p:nvGrpSpPr>
+        <p:cNvPr id="1" name=""/>
+        <p:cNvGrpSpPr/>
+        <p:nvPr/>
+      </p:nvGrpSpPr>
+      <p:grpSpPr>
+        <a:xfrm>
+          <a:off x="0" y="0"/>
+          <a:ext cx="0" cy="0"/>
+          <a:chOff x="0" y="0"/>
+          <a:chExt cx="0" cy="0"/>
+        </a:xfrm>
+      </p:grpSpPr>
+      <p:sp>
+        <p:nvSpPr>
+          <p:cNvPr id="2" name="Title 1"/>
+          <p:cNvSpPr>
+            <a:spLocks noGrp="1"/>
+          </p:cNvSpPr>
+          <p:nvPr>
+            <p:ph type="title"/>
+          </p:nvPr>
+        </p:nvSpPr>
+        <p:spPr/>
+        <p:txBody>
+          <a:bodyPr>
+            <a:noAutofit/>
+          </a:bodyPr>
+          <a:lstStyle/>
+          <a:p>
+            <a:r>
+              <a:rPr lang="en-US" sz="4400" dirty="0"/>
+              <a:t>Coding </a:t>
+            </a:r>
+            <a:r>
+              <a:rPr lang="en-US" sz="4400" dirty="0" smtClean="0"/>
+              <a:t>Walkthrough</a:t>
+            </a:r>
+            <a:endParaRPr lang="en-US" sz="4400" dirty="0"/>
+          </a:p>
+        </p:txBody>
+      </p:sp>
+      <p:pic>
+        <p:nvPicPr>
+          <p:cNvPr id="6" name="Content Placeholder 5"/>
+          <p:cNvPicPr>
+            <a:picLocks noGrp="1" noChangeAspect="1"/>
+          </p:cNvPicPr>
+          <p:nvPr>
+            <p:ph idx="1"/>
+          </p:nvPr>
+        </p:nvPicPr>
+        <p:blipFill>
+          <a:blip r:embed="rId2"/>
+          <a:stretch>
+            <a:fillRect/>
+          </a:stretch>
+        </p:blipFill>
+        <p:spPr>
+          <a:xfrm>
+            <a:off x="457200" y="1676400"/>
+            <a:ext cx="3137315" cy="4625975"/>
+          </a:xfrm>
+        </p:spPr>
+      </p:pic>
+      <p:sp>
+        <p:nvSpPr>
+          <p:cNvPr id="3" name="Footer Placeholder 2"/>
+          <p:cNvSpPr>
+            <a:spLocks noGrp="1"/>
+          </p:cNvSpPr>
+          <p:nvPr>
+            <p:ph type="ftr" sz="quarter" idx="11"/>
+          </p:nvPr>
+        </p:nvSpPr>
+        <p:spPr/>
+        <p:txBody>
+          <a:bodyPr/>
+          <a:lstStyle/>
+          <a:p>
+            <a:r>
+              <a:rPr lang="en-US" smtClean="0"/>
+              <a:t>Copyright 2016 Bloomberg L.P. All rights reserved</a:t>
+            </a:r>
+            <a:endParaRPr lang="en-US"/>
+          </a:p>
+        </p:txBody>
+      </p:sp>
+      <p:sp>
+        <p:nvSpPr>
+          <p:cNvPr id="4" name="Rectangle 3"/>
+          <p:cNvSpPr/>
+          <p:nvPr/>
+        </p:nvSpPr>
+        <p:spPr>
+          <a:xfrm>
+            <a:off x="3886200" y="1905000"/>
+            <a:ext cx="5029200" cy="369332"/>
+          </a:xfrm>
+          <a:prstGeom prst="rect">
+            <a:avLst/>
+          </a:prstGeom>
+        </p:spPr>
+        <p:txBody>
+          <a:bodyPr wrap="square">
+            <a:spAutoFit/>
+          </a:bodyPr>
+          <a:lstStyle/>
+          <a:p>
+            <a:r>
+              <a:rPr lang="en-US" dirty="0">
+                <a:hlinkClick r:id="rId3"/>
+              </a:rPr>
+              <a:t>https://github.com/szhangpitt/todo-step-by-step</a:t>
+            </a:r>
+            <a:endParaRPr lang="en-US" dirty="0"/>
+          </a:p>
+        </p:txBody>
+      </p:sp>
+    </p:spTree>
+    <p:extLst>
+      <p:ext uri="{BB962C8B-B14F-4D97-AF65-F5344CB8AC3E}">
+        <p14:creationId xmlns:p14="http://schemas.microsoft.com/office/powerpoint/2010/main" val="814135187"/>
+      </p:ext>
+    </p:extLst>
+  </p:cSld>
+  <p:clrMapOvr>
+    <a:masterClrMapping/>
+  </p:clrMapOvr>
+  <p:timing>
+    <p:tnLst>
+      <p:par>
+        <p:cTn id="1" dur="indefinite" restart="never" nodeType="tmRoot"/>
+      </p:par>
+    </p:tnLst>
+  </p:timing>
+</p:sld>
+</file>
+
+<file path=ppt/slides/slide32.xml><?xml version="1.0" encoding="utf-8"?>
+<p:sld xmlns:a="http://schemas.openxmlformats.org/drawingml/2006/main" xmlns:r="http://schemas.openxmlformats.org/officeDocument/2006/relationships" xmlns:p="http://schemas.openxmlformats.org/presentationml/2006/main">
+  <p:cSld>
+    <p:spTree>
+      <p:nvGrpSpPr>
+        <p:cNvPr id="1" name=""/>
+        <p:cNvGrpSpPr/>
+        <p:nvPr/>
+      </p:nvGrpSpPr>
+      <p:grpSpPr>
+        <a:xfrm>
+          <a:off x="0" y="0"/>
+          <a:ext cx="0" cy="0"/>
+          <a:chOff x="0" y="0"/>
+          <a:chExt cx="0" cy="0"/>
+        </a:xfrm>
+      </p:grpSpPr>
+      <p:sp>
+        <p:nvSpPr>
+          <p:cNvPr id="2" name="Title 1"/>
+          <p:cNvSpPr>
+            <a:spLocks noGrp="1"/>
+          </p:cNvSpPr>
+          <p:nvPr>
+            <p:ph type="title"/>
+          </p:nvPr>
+        </p:nvSpPr>
+        <p:spPr/>
+        <p:txBody>
+          <a:bodyPr/>
+          <a:lstStyle/>
+          <a:p>
+            <a:r>
+              <a:rPr lang="en-US" dirty="0" smtClean="0"/>
+              <a:t>Resources</a:t>
+            </a:r>
+            <a:endParaRPr lang="en-US" dirty="0"/>
+          </a:p>
+        </p:txBody>
+      </p:sp>
+      <p:sp>
+        <p:nvSpPr>
+          <p:cNvPr id="3" name="Content Placeholder 2"/>
+          <p:cNvSpPr>
+            <a:spLocks noGrp="1"/>
+          </p:cNvSpPr>
+          <p:nvPr>
+            <p:ph idx="1"/>
+          </p:nvPr>
+        </p:nvSpPr>
+        <p:spPr/>
+        <p:txBody>
+          <a:bodyPr>
+            <a:normAutofit/>
+          </a:bodyPr>
+          <a:lstStyle/>
+          <a:p>
+            <a:r>
+              <a:rPr lang="en-US" sz="2400" dirty="0" smtClean="0">
+                <a:hlinkClick r:id="rId3"/>
+              </a:rPr>
+              <a:t>Book: Managing </a:t>
+            </a:r>
+            <a:r>
+              <a:rPr lang="en-US" sz="2400" dirty="0">
+                <a:hlinkClick r:id="rId3"/>
+              </a:rPr>
+              <a:t>Software Requirements: A Use Case </a:t>
+            </a:r>
+            <a:r>
+              <a:rPr lang="en-US" sz="2400" dirty="0" smtClean="0">
+                <a:hlinkClick r:id="rId3"/>
+              </a:rPr>
+              <a:t>Approach</a:t>
+            </a:r>
+            <a:endParaRPr lang="en-US" sz="2400" dirty="0"/>
+          </a:p>
+          <a:p>
+            <a:r>
+              <a:rPr lang="en-US" sz="2400" dirty="0">
+                <a:hlinkClick r:id="rId4"/>
+              </a:rPr>
+              <a:t>Book: Cognitive Psychology and its Implications, Sixth </a:t>
+            </a:r>
+            <a:r>
+              <a:rPr lang="en-US" sz="2400" dirty="0" smtClean="0">
+                <a:hlinkClick r:id="rId4"/>
+              </a:rPr>
+              <a:t>Edition</a:t>
+            </a:r>
+            <a:endParaRPr lang="en-US" sz="2400" dirty="0"/>
+          </a:p>
+          <a:p>
+            <a:r>
+              <a:rPr lang="en-US" sz="2400" dirty="0">
+                <a:hlinkClick r:id="rId5"/>
+              </a:rPr>
+              <a:t>Link: Comparison of software prototyping </a:t>
+            </a:r>
+            <a:r>
+              <a:rPr lang="en-US" sz="2400" dirty="0" smtClean="0">
+                <a:hlinkClick r:id="rId5"/>
+              </a:rPr>
+              <a:t>tools</a:t>
+            </a:r>
+            <a:endParaRPr lang="en-US" sz="2400" dirty="0">
+              <a:hlinkClick r:id="rId6"/>
+            </a:endParaRPr>
+          </a:p>
+          <a:p>
+            <a:r>
+              <a:rPr lang="en-US" sz="2400" dirty="0" smtClean="0">
+                <a:hlinkClick r:id="rId6"/>
+              </a:rPr>
+              <a:t>Link: Google Web Fundamentals</a:t>
+            </a:r>
+            <a:endParaRPr lang="en-US" sz="2400" dirty="0" smtClean="0"/>
+          </a:p>
+          <a:p>
+            <a:r>
+              <a:rPr lang="en-US" sz="2400" dirty="0" smtClean="0">
+                <a:hlinkClick r:id="rId7"/>
+              </a:rPr>
+              <a:t>Link: Mozilla Developer Network</a:t>
+            </a:r>
+            <a:endParaRPr lang="en-US" sz="2400" dirty="0" smtClean="0"/>
+          </a:p>
+          <a:p>
+            <a:r>
+              <a:rPr lang="en-US" sz="2400" dirty="0" smtClean="0">
+                <a:hlinkClick r:id="rId8"/>
+              </a:rPr>
+              <a:t>Link: Writing Testable JavaScript</a:t>
+            </a:r>
+            <a:endParaRPr lang="en-US" sz="2400" dirty="0"/>
+          </a:p>
+        </p:txBody>
+      </p:sp>
+      <p:sp>
+        <p:nvSpPr>
+          <p:cNvPr id="4" name="Footer Placeholder 3"/>
+          <p:cNvSpPr>
+            <a:spLocks noGrp="1"/>
+          </p:cNvSpPr>
+          <p:nvPr>
+            <p:ph type="ftr" sz="quarter" idx="11"/>
+          </p:nvPr>
+        </p:nvSpPr>
+        <p:spPr/>
+        <p:txBody>
+          <a:bodyPr/>
+          <a:lstStyle/>
+          <a:p>
+            <a:r>
+              <a:rPr lang="en-US" smtClean="0"/>
+              <a:t>Copyright 2016 Bloomberg L.P. All rights reserved</a:t>
+            </a:r>
+            <a:endParaRPr lang="en-US"/>
+          </a:p>
+        </p:txBody>
+      </p:sp>
+    </p:spTree>
+    <p:extLst>
+      <p:ext uri="{BB962C8B-B14F-4D97-AF65-F5344CB8AC3E}">
+        <p14:creationId xmlns:p14="http://schemas.microsoft.com/office/powerpoint/2010/main" val="3140265235"/>
+      </p:ext>
+    </p:extLst>
+  </p:cSld>
+  <p:clrMapOvr>
+    <a:masterClrMapping/>
+  </p:clrMapOvr>
+  <p:timing>
+    <p:tnLst>
+      <p:par>
+        <p:cTn id="1" dur="indefinite" restart="never" nodeType="tmRoot"/>
+      </p:par>
+    </p:tnLst>
+  </p:timing>
+</p:sld>
+</file>
+
+<file path=ppt/slides/slide33.xml><?xml version="1.0" encoding="utf-8"?>
+<p:sld xmlns:a="http://schemas.openxmlformats.org/drawingml/2006/main" xmlns:r="http://schemas.openxmlformats.org/officeDocument/2006/relationships" xmlns:p="http://schemas.openxmlformats.org/presentationml/2006/main">
+  <p:cSld>
+    <p:spTree>
+      <p:nvGrpSpPr>
+        <p:cNvPr id="1" name=""/>
+        <p:cNvGrpSpPr/>
+        <p:nvPr/>
+      </p:nvGrpSpPr>
+      <p:grpSpPr>
+        <a:xfrm>
+          <a:off x="0" y="0"/>
+          <a:ext cx="0" cy="0"/>
+          <a:chOff x="0" y="0"/>
+          <a:chExt cx="0" cy="0"/>
+        </a:xfrm>
+      </p:grpSpPr>
+      <p:sp>
+        <p:nvSpPr>
+          <p:cNvPr id="2" name="Title 1"/>
+          <p:cNvSpPr>
+            <a:spLocks noGrp="1"/>
+          </p:cNvSpPr>
+          <p:nvPr>
+            <p:ph type="title"/>
+          </p:nvPr>
+        </p:nvSpPr>
+        <p:spPr/>
+        <p:txBody>
+          <a:bodyPr/>
+          <a:lstStyle/>
+          <a:p>
+            <a:r>
+              <a:rPr lang="en-US" dirty="0" smtClean="0"/>
+              <a:t>Summary</a:t>
+            </a:r>
+            <a:endParaRPr lang="en-US" dirty="0"/>
+          </a:p>
+        </p:txBody>
+      </p:sp>
+      <p:sp>
+        <p:nvSpPr>
+          <p:cNvPr id="3" name="Content Placeholder 2"/>
+          <p:cNvSpPr>
+            <a:spLocks noGrp="1"/>
+          </p:cNvSpPr>
+          <p:nvPr>
+            <p:ph idx="1"/>
+          </p:nvPr>
+        </p:nvSpPr>
+        <p:spPr/>
+        <p:txBody>
+          <a:bodyPr/>
+          <a:lstStyle/>
+          <a:p>
+            <a:r>
+              <a:rPr lang="en-US" dirty="0" smtClean="0"/>
+              <a:t>Skill sets for designers and developers</a:t>
+            </a:r>
+          </a:p>
+          <a:p>
+            <a:r>
+              <a:rPr lang="en-US" dirty="0" smtClean="0"/>
+              <a:t>“What are the requirements?”</a:t>
+            </a:r>
+          </a:p>
+          <a:p>
+            <a:r>
+              <a:rPr lang="en-US" dirty="0" smtClean="0"/>
+              <a:t>Use prototypes as a communication tool to manage expectations.</a:t>
+            </a:r>
+          </a:p>
+          <a:p>
+            <a:r>
+              <a:rPr lang="en-US" dirty="0" smtClean="0"/>
+              <a:t>Start with something simple. Continuously integrate into product. </a:t>
+            </a:r>
+          </a:p>
+          <a:p>
+            <a:endParaRPr lang="en-US" dirty="0"/>
+          </a:p>
+        </p:txBody>
+      </p:sp>
+      <p:sp>
+        <p:nvSpPr>
+          <p:cNvPr id="4" name="Footer Placeholder 3"/>
+          <p:cNvSpPr>
+            <a:spLocks noGrp="1"/>
+          </p:cNvSpPr>
+          <p:nvPr>
+            <p:ph type="ftr" sz="quarter" idx="11"/>
+          </p:nvPr>
+        </p:nvSpPr>
+        <p:spPr/>
+        <p:txBody>
+          <a:bodyPr/>
+          <a:lstStyle/>
+          <a:p>
+            <a:r>
+              <a:rPr lang="en-US" smtClean="0"/>
+              <a:t>Copyright 2016 Bloomberg L.P. All rights reserved</a:t>
+            </a:r>
+            <a:endParaRPr lang="en-US"/>
+          </a:p>
+        </p:txBody>
+      </p:sp>
+    </p:spTree>
+    <p:extLst>
+      <p:ext uri="{BB962C8B-B14F-4D97-AF65-F5344CB8AC3E}">
+        <p14:creationId xmlns:p14="http://schemas.microsoft.com/office/powerpoint/2010/main" val="207097365"/>
+      </p:ext>
+    </p:extLst>
+  </p:cSld>
+  <p:clrMapOvr>
+    <a:masterClrMapping/>
+  </p:clrMapOvr>
+  <p:timing>
+    <p:tnLst>
+      <p:par>
+        <p:cTn id="1" dur="indefinite" restart="never" nodeType="tmRoot"/>
+      </p:par>
+    </p:tnLst>
+  </p:timing>
+</p:sld>
+</file>
+
+<file path=ppt/slides/slide34.xml><?xml version="1.0" encoding="utf-8"?>
+<p:sld xmlns:a="http://schemas.openxmlformats.org/drawingml/2006/main" xmlns:r="http://schemas.openxmlformats.org/officeDocument/2006/relationships" xmlns:p="http://schemas.openxmlformats.org/presentationml/2006/main">
+  <p:cSld>
+    <p:spTree>
+      <p:nvGrpSpPr>
+        <p:cNvPr id="1" name=""/>
+        <p:cNvGrpSpPr/>
+        <p:nvPr/>
+      </p:nvGrpSpPr>
+      <p:grpSpPr>
+        <a:xfrm>
+          <a:off x="0" y="0"/>
+          <a:ext cx="0" cy="0"/>
+          <a:chOff x="0" y="0"/>
+          <a:chExt cx="0" cy="0"/>
+        </a:xfrm>
+      </p:grpSpPr>
+      <p:sp>
+        <p:nvSpPr>
+          <p:cNvPr id="2" name="Title 1"/>
+          <p:cNvSpPr>
+            <a:spLocks noGrp="1"/>
+          </p:cNvSpPr>
+          <p:nvPr>
+            <p:ph type="title"/>
+          </p:nvPr>
+        </p:nvSpPr>
+        <p:spPr/>
+        <p:txBody>
+          <a:bodyPr/>
+          <a:lstStyle/>
+          <a:p>
+            <a:r>
+              <a:rPr lang="en-US" dirty="0" smtClean="0"/>
               <a:t>Thank You</a:t>
             </a:r>
             <a:endParaRPr lang="en-US" dirty="0"/>
@@ -16863,153 +17965,13 @@
             </a:pPr>
             <a:r>
               <a:rPr lang="en-US" sz="2800" dirty="0" smtClean="0"/>
-              <a:t>causing the impact of…</a:t>
-            </a:r>
-          </a:p>
-          <a:p>
-            <a:pPr marL="0" indent="0">
-              <a:buNone/>
-            </a:pPr>
-            <a:endParaRPr lang="en-US" sz="2800" dirty="0"/>
-          </a:p>
-          <a:p>
-            <a:pPr marL="0" indent="0">
-              <a:buNone/>
-            </a:pPr>
-            <a:r>
-              <a:rPr lang="en-US" sz="2800" dirty="0" smtClean="0"/>
-              <a:t>3. A successful solution would provide</a:t>
-            </a:r>
-          </a:p>
-          <a:p>
-            <a:pPr marL="0" indent="0">
-              <a:buNone/>
-            </a:pPr>
-            <a:r>
-              <a:rPr lang="en-US" sz="2800" dirty="0"/>
-              <a:t> </a:t>
-            </a:r>
-            <a:r>
-              <a:rPr lang="en-US" sz="2800" dirty="0" smtClean="0"/>
-              <a:t>-  a one-glance to-do list</a:t>
-            </a:r>
-          </a:p>
-          <a:p>
-            <a:pPr marL="0" indent="0">
-              <a:buNone/>
-            </a:pPr>
-            <a:r>
-              <a:rPr lang="en-US" sz="2800" dirty="0"/>
-              <a:t> </a:t>
-            </a:r>
-            <a:r>
-              <a:rPr lang="en-US" sz="2800" dirty="0" smtClean="0"/>
-              <a:t>- the ability to add and mark items in the list</a:t>
-            </a:r>
-          </a:p>
-          <a:p>
-            <a:pPr marL="0" indent="0">
-              <a:buNone/>
-            </a:pPr>
-            <a:endParaRPr lang="en-US" sz="2800" dirty="0"/>
-          </a:p>
-          <a:p>
-            <a:pPr marL="0" indent="0">
-              <a:buNone/>
-            </a:pPr>
-            <a:r>
-              <a:rPr lang="en-US" sz="2800" dirty="0" smtClean="0"/>
-              <a:t>4. Product features</a:t>
-            </a:r>
-          </a:p>
-          <a:p>
-            <a:pPr marL="0" indent="0">
-              <a:buNone/>
-            </a:pPr>
-            <a:r>
-              <a:rPr lang="en-US" sz="2800" dirty="0"/>
-              <a:t> </a:t>
-            </a:r>
-            <a:r>
-              <a:rPr lang="en-US" sz="2800" dirty="0" smtClean="0"/>
-              <a:t>- Display to-do list</a:t>
-            </a:r>
-          </a:p>
-          <a:p>
-            <a:pPr marL="0" indent="0">
-              <a:buNone/>
-            </a:pPr>
-            <a:r>
-              <a:rPr lang="en-US" sz="2800" dirty="0"/>
-              <a:t> </a:t>
-            </a:r>
-            <a:r>
-              <a:rPr lang="en-US" sz="2800" dirty="0" smtClean="0"/>
-              <a:t>- Add an item in to-do list</a:t>
-            </a:r>
-          </a:p>
-          <a:p>
-            <a:pPr marL="0" indent="0">
-              <a:buNone/>
-            </a:pPr>
-            <a:r>
-              <a:rPr lang="en-US" sz="2800" dirty="0"/>
-              <a:t> </a:t>
-            </a:r>
-            <a:r>
-              <a:rPr lang="en-US" sz="2800" dirty="0" smtClean="0"/>
-              <a:t>- Mark an item in to-do list</a:t>
-            </a:r>
-          </a:p>
-          <a:p>
-            <a:pPr marL="0" indent="0">
-              <a:buNone/>
-            </a:pPr>
-            <a:r>
-              <a:rPr lang="en-US" sz="2800" dirty="0"/>
-              <a:t> </a:t>
-            </a:r>
-            <a:r>
-              <a:rPr lang="en-US" sz="2800" dirty="0" smtClean="0"/>
-              <a:t>- Remove an item in to-do list</a:t>
-            </a:r>
-          </a:p>
-          <a:p>
-            <a:pPr marL="0" indent="0">
-              <a:buNone/>
-            </a:pPr>
-            <a:r>
-              <a:rPr lang="en-US" sz="2800" dirty="0"/>
-              <a:t> </a:t>
-            </a:r>
-            <a:r>
-              <a:rPr lang="en-US" sz="2800" dirty="0" smtClean="0"/>
-              <a:t>- …</a:t>
-            </a:r>
-          </a:p>
-          <a:p>
-            <a:pPr marL="0" indent="0">
-              <a:buNone/>
-            </a:pPr>
-            <a:endParaRPr lang="en-US" sz="2800" dirty="0" smtClean="0"/>
-          </a:p>
-          <a:p>
-            <a:pPr marL="0" indent="0">
-              <a:buNone/>
-            </a:pPr>
-            <a:r>
-              <a:rPr lang="en-US" sz="2800" dirty="0" smtClean="0"/>
-              <a:t>5. Restrictions and Challenges</a:t>
-            </a:r>
-          </a:p>
-          <a:p>
-            <a:pPr marL="0" indent="0">
-              <a:buNone/>
-            </a:pPr>
+              <a:t>causing the impact of</a:t>
+            </a:r>
             <a:r>
               <a:rPr lang="en-US" sz="2800" dirty="0" smtClean="0"/>
               <a:t>…</a:t>
             </a:r>
+            <a:endParaRPr lang="en-US" sz="2800" dirty="0" smtClean="0"/>
           </a:p>
         </p:txBody>
       </p:sp>
@@ -17085,409 +18047,161 @@
         </p:nvSpPr>
         <p:spPr/>
         <p:txBody>
-          <a:bodyPr/>
+          <a:bodyPr>
+            <a:normAutofit/>
+          </a:bodyPr>
           <a:lstStyle/>
           <a:p>
             <a:r>
               <a:rPr lang="en-US" dirty="0" smtClean="0"/>
-              <a:t>A Backlog Example</a:t>
+              <a:t>A Vision Document Example</a:t>
             </a:r>
             <a:endParaRPr lang="en-US" dirty="0"/>
           </a:p>
         </p:txBody>
       </p:sp>
-      <p:graphicFrame>
-        <p:nvGraphicFramePr>
-          <p:cNvPr id="5" name="Content Placeholder 4"/>
-          <p:cNvGraphicFramePr>
-            <a:graphicFrameLocks noGrp="1"/>
-          </p:cNvGraphicFramePr>
+      <p:sp>
+        <p:nvSpPr>
+          <p:cNvPr id="3" name="Content Placeholder 2"/>
+          <p:cNvSpPr>
+            <a:spLocks noGrp="1"/>
+          </p:cNvSpPr>
           <p:nvPr>
             <p:ph idx="1"/>
-            <p:extLst>
-              <p:ext uri="{D42A27DB-BD31-4B8C-83A1-F6EECF244321}">
-                <p14:modId xmlns:p14="http://schemas.microsoft.com/office/powerpoint/2010/main" val="2752547845"/>
-              </p:ext>
-            </p:extLst>
-          </p:nvPr>
-        </p:nvGraphicFramePr>
-        <p:xfrm>
-          <a:off x="457200" y="1774825"/>
-          <a:ext cx="8229601" cy="2865120"/>
-        </p:xfrm>
-        <a:graphic>
-          <a:graphicData uri="http://schemas.openxmlformats.org/drawingml/2006/table">
-            <a:tbl>
-              <a:tblPr firstRow="1" bandRow="1">
-                <a:tableStyleId>{69012ECD-51FC-41F1-AA8D-1B2483CD663E}</a:tableStyleId>
-              </a:tblPr>
-              <a:tblGrid>
-                <a:gridCol w="1676400"/>
-                <a:gridCol w="5029200"/>
-                <a:gridCol w="1524001"/>
-              </a:tblGrid>
-              <a:tr h="370840">
-                <a:tc>
-                  <a:txBody>
-                    <a:bodyPr/>
-                    <a:lstStyle/>
-                    <a:p>
-                      <a:r>
-                        <a:rPr lang="en-US" dirty="0" smtClean="0"/>
-                        <a:t>Type</a:t>
-                      </a:r>
-                      <a:endParaRPr lang="en-US" dirty="0"/>
-                    </a:p>
-                  </a:txBody>
-                  <a:tcPr marL="91439" marR="91439"/>
-                </a:tc>
-                <a:tc>
-                  <a:txBody>
-                    <a:bodyPr/>
-                    <a:lstStyle/>
-                    <a:p>
-                      <a:r>
-                        <a:rPr lang="en-US" dirty="0" smtClean="0"/>
-                        <a:t>Title</a:t>
-                      </a:r>
-                      <a:endParaRPr lang="en-US" dirty="0"/>
-                    </a:p>
-                  </a:txBody>
-                  <a:tcPr marL="91439" marR="91439"/>
-                </a:tc>
-                <a:tc>
-                  <a:txBody>
-                    <a:bodyPr/>
-                    <a:lstStyle/>
-                    <a:p>
-                      <a:r>
-                        <a:rPr lang="en-US" dirty="0" smtClean="0"/>
-                        <a:t>Points</a:t>
-                      </a:r>
-                      <a:endParaRPr lang="en-US" dirty="0"/>
-                    </a:p>
-                  </a:txBody>
-                  <a:tcPr marL="91439" marR="91439"/>
-                </a:tc>
-              </a:tr>
-              <a:tr h="370840">
-                <a:tc gridSpan="3">
-                  <a:txBody>
-                    <a:bodyPr/>
-                    <a:lstStyle/>
-                    <a:p>
-                      <a:r>
-                        <a:rPr lang="en-US" dirty="0" smtClean="0"/>
-                        <a:t>02/08 – 02/12</a:t>
-                      </a:r>
-                      <a:endParaRPr lang="en-US" dirty="0"/>
-                    </a:p>
-                  </a:txBody>
-                  <a:tcPr marL="91439" marR="91439">
-                    <a:solidFill>
-                      <a:schemeClr val="bg1"/>
-                    </a:solidFill>
-                  </a:tcPr>
-                </a:tc>
-                <a:tc hMerge="1">
-                  <a:txBody>
-                    <a:bodyPr/>
-                    <a:lstStyle/>
-                    <a:p>
-                      <a:endParaRPr lang="en-US" dirty="0"/>
-                    </a:p>
-                  </a:txBody>
-                  <a:tcPr/>
-                </a:tc>
-                <a:tc hMerge="1">
-                  <a:txBody>
-                    <a:bodyPr/>
-                    <a:lstStyle/>
-                    <a:p>
-                      <a:endParaRPr lang="en-US" dirty="0"/>
-                    </a:p>
-                  </a:txBody>
-                  <a:tcPr/>
-                </a:tc>
-              </a:tr>
-              <a:tr h="370840">
-                <a:tc>
-                  <a:txBody>
-                    <a:bodyPr/>
-                    <a:lstStyle/>
-                    <a:p>
-                      <a:r>
-                        <a:rPr lang="en-US" dirty="0" smtClean="0"/>
-                        <a:t>Feature</a:t>
-                      </a:r>
-                      <a:endParaRPr lang="en-US" dirty="0"/>
-                    </a:p>
-                  </a:txBody>
-                  <a:tcPr marL="91439" marR="91439">
-                    <a:solidFill>
-                      <a:schemeClr val="accent3">
-                        <a:lumMod val="60000"/>
-                        <a:lumOff val="40000"/>
-                      </a:schemeClr>
-                    </a:solidFill>
-                  </a:tcPr>
-                </a:tc>
-                <a:tc>
-                  <a:txBody>
-                    <a:bodyPr/>
-                    <a:lstStyle/>
-                    <a:p>
-                      <a:r>
-                        <a:rPr lang="en-US" dirty="0" smtClean="0"/>
-                        <a:t>Display to-do</a:t>
-                      </a:r>
-                      <a:r>
-                        <a:rPr lang="en-US" baseline="0" dirty="0" smtClean="0"/>
-                        <a:t> list</a:t>
-                      </a:r>
-                      <a:endParaRPr lang="en-US" dirty="0"/>
-                    </a:p>
-                  </a:txBody>
-                  <a:tcPr marL="91439" marR="91439"/>
-                </a:tc>
-                <a:tc>
-                  <a:txBody>
-                    <a:bodyPr/>
-                    <a:lstStyle/>
-                    <a:p>
-                      <a:r>
-                        <a:rPr lang="en-US" dirty="0" smtClean="0"/>
-                        <a:t>3</a:t>
-                      </a:r>
-                      <a:endParaRPr lang="en-US" dirty="0"/>
-                    </a:p>
-                  </a:txBody>
-                  <a:tcPr marL="91439" marR="91439"/>
-                </a:tc>
-              </a:tr>
-              <a:tr h="370840">
-                <a:tc>
-                  <a:txBody>
-                    <a:bodyPr/>
-                    <a:lstStyle/>
-                    <a:p>
-                      <a:r>
-                        <a:rPr lang="en-US" dirty="0" smtClean="0"/>
-                        <a:t>Feature</a:t>
-                      </a:r>
-                      <a:endParaRPr lang="en-US" dirty="0"/>
-                    </a:p>
-                  </a:txBody>
-                  <a:tcPr marL="91439" marR="91439">
-                    <a:solidFill>
-                      <a:schemeClr val="accent3">
-                        <a:lumMod val="60000"/>
-                        <a:lumOff val="40000"/>
-                      </a:schemeClr>
-                    </a:solidFill>
-                  </a:tcPr>
-                </a:tc>
-                <a:tc>
-                  <a:txBody>
-                    <a:bodyPr/>
-                    <a:lstStyle/>
-                    <a:p>
-                      <a:r>
-                        <a:rPr lang="en-US" dirty="0" smtClean="0"/>
-                        <a:t>Add to-do</a:t>
-                      </a:r>
-                      <a:r>
-                        <a:rPr lang="en-US" baseline="0" dirty="0" smtClean="0"/>
-                        <a:t> item</a:t>
-                      </a:r>
-                      <a:endParaRPr lang="en-US" dirty="0"/>
-                    </a:p>
-                  </a:txBody>
-                  <a:tcPr marL="91439" marR="91439"/>
-                </a:tc>
-                <a:tc>
-                  <a:txBody>
-                    <a:bodyPr/>
-                    <a:lstStyle/>
-                    <a:p>
-                      <a:r>
-                        <a:rPr lang="en-US" dirty="0" smtClean="0"/>
-                        <a:t>4</a:t>
-                      </a:r>
-                      <a:endParaRPr lang="en-US" dirty="0"/>
-                    </a:p>
-                  </a:txBody>
-                  <a:tcPr marL="91439" marR="91439"/>
-                </a:tc>
-              </a:tr>
-              <a:tr h="370840">
-                <a:tc>
-                  <a:txBody>
-                    <a:bodyPr/>
-                    <a:lstStyle/>
-                    <a:p>
-                      <a:r>
-                        <a:rPr lang="en-US" dirty="0" smtClean="0"/>
-                        <a:t>Bug</a:t>
-                      </a:r>
-                      <a:endParaRPr lang="en-US" dirty="0"/>
-                    </a:p>
-                  </a:txBody>
-                  <a:tcPr marL="91439" marR="91439">
-                    <a:solidFill>
-                      <a:schemeClr val="accent2">
-                        <a:lumMod val="60000"/>
-                        <a:lumOff val="40000"/>
-                      </a:schemeClr>
-                    </a:solidFill>
-                  </a:tcPr>
-                </a:tc>
-                <a:tc>
-                  <a:txBody>
-                    <a:bodyPr/>
-                    <a:lstStyle/>
-                    <a:p>
-                      <a:r>
-                        <a:rPr lang="en-US" dirty="0" smtClean="0"/>
-                        <a:t>Empty to-do item is also</a:t>
-                      </a:r>
-                      <a:r>
-                        <a:rPr lang="en-US" baseline="0" dirty="0" smtClean="0"/>
-                        <a:t> added</a:t>
-                      </a:r>
-                    </a:p>
-                  </a:txBody>
-                  <a:tcPr marL="91439" marR="91439"/>
-                </a:tc>
-                <a:tc>
-                  <a:txBody>
-                    <a:bodyPr/>
-                    <a:lstStyle/>
-                    <a:p>
-                      <a:r>
-                        <a:rPr lang="en-US" dirty="0" smtClean="0"/>
-                        <a:t>2</a:t>
-                      </a:r>
-                      <a:endParaRPr lang="en-US" dirty="0"/>
-                    </a:p>
-                  </a:txBody>
-                  <a:tcPr marL="91439" marR="91439"/>
-                </a:tc>
-              </a:tr>
-              <a:tr h="370840">
-                <a:tc>
-                  <a:txBody>
-                    <a:bodyPr/>
-                    <a:lstStyle/>
-                    <a:p>
-                      <a:r>
-                        <a:rPr lang="en-US" dirty="0" smtClean="0"/>
-                        <a:t>Usability</a:t>
-                      </a:r>
-                      <a:endParaRPr lang="en-US" dirty="0"/>
-                    </a:p>
-                  </a:txBody>
-                  <a:tcPr marL="91439" marR="91439">
-                    <a:solidFill>
-                      <a:schemeClr val="accent4">
-                        <a:lumMod val="60000"/>
-                        <a:lumOff val="40000"/>
-                      </a:schemeClr>
-                    </a:solidFill>
-                  </a:tcPr>
-                </a:tc>
-                <a:tc>
-                  <a:txBody>
-                    <a:bodyPr/>
-                    <a:lstStyle/>
-                    <a:p>
-                      <a:r>
-                        <a:rPr lang="en-US" dirty="0" smtClean="0"/>
-                        <a:t>(De)select item more easily</a:t>
-                      </a:r>
-                      <a:endParaRPr lang="en-US" dirty="0"/>
-                    </a:p>
-                  </a:txBody>
-                  <a:tcPr marL="91439" marR="91439"/>
-                </a:tc>
-                <a:tc>
-                  <a:txBody>
-                    <a:bodyPr/>
-                    <a:lstStyle/>
-                    <a:p>
-                      <a:r>
-                        <a:rPr lang="en-US" dirty="0" smtClean="0"/>
-                        <a:t>1</a:t>
-                      </a:r>
-                      <a:endParaRPr lang="en-US" dirty="0"/>
-                    </a:p>
-                  </a:txBody>
-                  <a:tcPr marL="91439" marR="91439"/>
-                </a:tc>
-              </a:tr>
-              <a:tr h="370840">
-                <a:tc>
-                  <a:txBody>
-                    <a:bodyPr/>
-                    <a:lstStyle/>
-                    <a:p>
-                      <a:r>
-                        <a:rPr lang="en-US" dirty="0" smtClean="0"/>
-                        <a:t>Continuous</a:t>
-                      </a:r>
-                      <a:r>
-                        <a:rPr lang="en-US" baseline="0" dirty="0" smtClean="0"/>
-                        <a:t> Integration</a:t>
-                      </a:r>
-                      <a:endParaRPr lang="en-US" dirty="0"/>
-                    </a:p>
-                  </a:txBody>
-                  <a:tcPr marL="91439" marR="91439">
-                    <a:solidFill>
-                      <a:schemeClr val="accent5">
-                        <a:lumMod val="60000"/>
-                        <a:lumOff val="40000"/>
-                      </a:schemeClr>
-                    </a:solidFill>
-                  </a:tcPr>
-                </a:tc>
-                <a:tc>
-                  <a:txBody>
-                    <a:bodyPr/>
-                    <a:lstStyle/>
-                    <a:p>
-                      <a:r>
-                        <a:rPr lang="en-US" dirty="0" smtClean="0"/>
-                        <a:t>Set up</a:t>
-                      </a:r>
-                      <a:r>
-                        <a:rPr lang="en-US" baseline="0" dirty="0" smtClean="0"/>
-                        <a:t> build tools</a:t>
-                      </a:r>
-                      <a:endParaRPr lang="en-US" dirty="0"/>
-                    </a:p>
-                  </a:txBody>
-                  <a:tcPr marL="91439" marR="91439"/>
-                </a:tc>
-                <a:tc>
-                  <a:txBody>
-                    <a:bodyPr/>
-                    <a:lstStyle/>
-                    <a:p>
-                      <a:r>
-                        <a:rPr lang="en-US" dirty="0" smtClean="0"/>
-                        <a:t>5</a:t>
-                      </a:r>
-                      <a:endParaRPr lang="en-US" dirty="0"/>
-                    </a:p>
-                  </a:txBody>
-                  <a:tcPr marL="91439" marR="91439"/>
-                </a:tc>
-              </a:tr>
-            </a:tbl>
-          </a:graphicData>
-        </a:graphic>
-      </p:graphicFrame>
+          </p:nvPr>
+        </p:nvSpPr>
+        <p:spPr/>
+        <p:txBody>
+          <a:bodyPr>
+            <a:noAutofit/>
+          </a:bodyPr>
+          <a:lstStyle/>
+          <a:p>
+            <a:pPr marL="0" indent="0">
+              <a:buNone/>
+            </a:pPr>
+            <a:r>
+              <a:rPr lang="en-US" sz="2800" dirty="0" smtClean="0"/>
+              <a:t>3</a:t>
+            </a:r>
+            <a:r>
+              <a:rPr lang="en-US" sz="2800" dirty="0" smtClean="0"/>
+              <a:t>. A successful solution would provide</a:t>
+            </a:r>
+          </a:p>
+          <a:p>
+            <a:pPr marL="0" indent="0">
+              <a:buNone/>
+            </a:pPr>
+            <a:r>
+              <a:rPr lang="en-US" sz="2800" dirty="0"/>
+              <a:t> </a:t>
+            </a:r>
+            <a:r>
+              <a:rPr lang="en-US" sz="2800" dirty="0" smtClean="0"/>
+              <a:t>-  a one-glance to-do list</a:t>
+            </a:r>
+          </a:p>
+          <a:p>
+            <a:pPr marL="0" indent="0">
+              <a:buNone/>
+            </a:pPr>
+            <a:r>
+              <a:rPr lang="en-US" sz="2800" dirty="0"/>
+              <a:t> </a:t>
+            </a:r>
+            <a:r>
+              <a:rPr lang="en-US" sz="2800" dirty="0" smtClean="0"/>
+              <a:t>- the ability to add and mark items in the list</a:t>
+            </a:r>
+          </a:p>
+          <a:p>
+            <a:pPr marL="0" indent="0">
+              <a:buNone/>
+            </a:pPr>
+            <a:endParaRPr lang="en-US" sz="2800" dirty="0"/>
+          </a:p>
+          <a:p>
+            <a:pPr marL="0" indent="0">
+              <a:buNone/>
+            </a:pPr>
+            <a:r>
+              <a:rPr lang="en-US" sz="2800" dirty="0" smtClean="0"/>
+              <a:t>4. Product features</a:t>
+            </a:r>
+          </a:p>
+          <a:p>
+            <a:pPr marL="0" indent="0">
+              <a:buNone/>
+            </a:pPr>
+            <a:r>
+              <a:rPr lang="en-US" sz="2800" dirty="0"/>
+              <a:t> </a:t>
+            </a:r>
+            <a:r>
+              <a:rPr lang="en-US" sz="2800" dirty="0" smtClean="0"/>
+              <a:t>- Display to-do list</a:t>
+            </a:r>
+          </a:p>
+          <a:p>
+            <a:pPr marL="0" indent="0">
+              <a:buNone/>
+            </a:pPr>
+            <a:r>
+              <a:rPr lang="en-US" sz="2800" dirty="0"/>
+              <a:t> </a:t>
+            </a:r>
+            <a:r>
+              <a:rPr lang="en-US" sz="2800" dirty="0" smtClean="0"/>
+              <a:t>- Add an item in to-do list</a:t>
+            </a:r>
+          </a:p>
+          <a:p>
+            <a:pPr marL="0" indent="0">
+              <a:buNone/>
+            </a:pPr>
+            <a:r>
+              <a:rPr lang="en-US" sz="2800" dirty="0"/>
+              <a:t> </a:t>
+            </a:r>
+            <a:r>
+              <a:rPr lang="en-US" sz="2800" dirty="0" smtClean="0"/>
+              <a:t>- Mark an item in to-do list</a:t>
+            </a:r>
+          </a:p>
+          <a:p>
+            <a:pPr marL="0" indent="0">
+              <a:buNone/>
+            </a:pPr>
+            <a:r>
+              <a:rPr lang="en-US" sz="2800" dirty="0"/>
+              <a:t> </a:t>
+            </a:r>
+            <a:r>
+              <a:rPr lang="en-US" sz="2800" dirty="0" smtClean="0"/>
+              <a:t>- Remove an item in to-do list</a:t>
+            </a:r>
+          </a:p>
+          <a:p>
+            <a:pPr marL="0" indent="0">
+              <a:buNone/>
+            </a:pPr>
+            <a:r>
+              <a:rPr lang="en-US" sz="2800" dirty="0"/>
+              <a:t> </a:t>
+            </a:r>
+            <a:r>
+              <a:rPr lang="en-US" sz="2800" dirty="0" smtClean="0"/>
+              <a:t>- </a:t>
+            </a:r>
+            <a:r>
+              <a:rPr lang="en-US" sz="2800" dirty="0" smtClean="0"/>
+              <a:t>…</a:t>
+            </a:r>
+            <a:endParaRPr lang="en-US" sz="2800" dirty="0" smtClean="0"/>
+          </a:p>
+        </p:txBody>
+      </p:sp>
       <p:sp>
         <p:nvSpPr>
           <p:cNvPr id="4" name="Footer Placeholder 3"/>
@@ -17514,7 +18228,7 @@
     </p:spTree>
     <p:extLst>
       <p:ext uri="{BB962C8B-B14F-4D97-AF65-F5344CB8AC3E}">
-        <p14:creationId xmlns:p14="http://schemas.microsoft.com/office/powerpoint/2010/main" val="2657050502"/>
+        <p14:creationId xmlns:p14="http://schemas.microsoft.com/office/powerpoint/2010/main" val="300748488"/>
       </p:ext>
     </p:extLst>
   </p:cSld>
@@ -17560,20 +18274,14 @@
         </p:nvSpPr>
         <p:spPr/>
         <p:txBody>
-          <a:bodyPr/>
+          <a:bodyPr>
+            <a:normAutofit/>
+          </a:bodyPr>
           <a:lstStyle/>
           <a:p>
             <a:r>
               <a:rPr lang="en-US" dirty="0" smtClean="0"/>
-              <a:t>A User Story </a:t>
-            </a:r>
-            <a:r>
-              <a:rPr lang="en-US" dirty="0"/>
-              <a:t>E</a:t>
-            </a:r>
-            <a:r>
-              <a:rPr lang="en-US" dirty="0" smtClean="0"/>
-              <a:t>xample</a:t>
+              <a:t>A Vision Document Example</a:t>
             </a:r>
             <a:endParaRPr lang="en-US" dirty="0"/>
           </a:p>
@@ -17600,8 +18308,12 @@
               <a:buNone/>
             </a:pPr>
             <a:r>
-              <a:rPr lang="en-US" sz="1800" dirty="0" smtClean="0"/>
-              <a:t>As a student, I want to maintain a list of to-do items e.g. my assignments.</a:t>
+              <a:rPr lang="en-US" sz="2800" dirty="0" smtClean="0"/>
+              <a:t>5</a:t>
+            </a:r>
+            <a:r>
+              <a:rPr lang="en-US" sz="2800" dirty="0" smtClean="0"/>
+              <a:t>. Restrictions and Challenges</a:t>
             </a:r>
           </a:p>
           <a:p>
@@ -17609,8 +18321,8 @@
               <a:buNone/>
             </a:pPr>
             <a:r>
-              <a:rPr lang="en-US" sz="1800" dirty="0" smtClean="0"/>
-              <a:t>As a developer, I want to be able to add an item to my to-do list.  </a:t>
+              <a:rPr lang="en-US" sz="2800" dirty="0" smtClean="0"/>
+              <a:t>…</a:t>
             </a:r>
           </a:p>
         </p:txBody>
@@ -17641,7 +18353,7 @@
     </p:spTree>
     <p:extLst>
       <p:ext uri="{BB962C8B-B14F-4D97-AF65-F5344CB8AC3E}">
-        <p14:creationId xmlns:p14="http://schemas.microsoft.com/office/powerpoint/2010/main" val="864666941"/>
+        <p14:creationId xmlns:p14="http://schemas.microsoft.com/office/powerpoint/2010/main" val="332205025"/>
       </p:ext>
     </p:extLst>
   </p:cSld>
